--- a/20230420 EAD Update.pptx
+++ b/20230420 EAD Update.pptx
@@ -10,7 +10,9 @@
     <p:sldId id="258" r:id="rId4"/>
     <p:sldId id="263" r:id="rId5"/>
     <p:sldId id="261" r:id="rId6"/>
-    <p:sldId id="259" r:id="rId7"/>
+    <p:sldId id="315" r:id="rId7"/>
+    <p:sldId id="317" r:id="rId8"/>
+    <p:sldId id="259" r:id="rId9"/>
   </p:sldIdLst>
   <p:sldSz cx="12192000" cy="6858000"/>
   <p:notesSz cx="6858000" cy="9144000"/>
@@ -264,7 +266,7 @@
           <a:p>
             <a:fld id="{9FC03419-6C17-4C1A-80EF-55ED54125D99}" type="datetimeFigureOut">
               <a:rPr lang="en-US" smtClean="0"/>
-              <a:t>3/31/2023</a:t>
+              <a:t>4/20/2023</a:t>
             </a:fld>
             <a:endParaRPr lang="en-US"/>
           </a:p>
@@ -462,7 +464,7 @@
           <a:p>
             <a:fld id="{9FC03419-6C17-4C1A-80EF-55ED54125D99}" type="datetimeFigureOut">
               <a:rPr lang="en-US" smtClean="0"/>
-              <a:t>3/31/2023</a:t>
+              <a:t>4/20/2023</a:t>
             </a:fld>
             <a:endParaRPr lang="en-US"/>
           </a:p>
@@ -670,7 +672,7 @@
           <a:p>
             <a:fld id="{9FC03419-6C17-4C1A-80EF-55ED54125D99}" type="datetimeFigureOut">
               <a:rPr lang="en-US" smtClean="0"/>
-              <a:t>3/31/2023</a:t>
+              <a:t>4/20/2023</a:t>
             </a:fld>
             <a:endParaRPr lang="en-US"/>
           </a:p>
@@ -868,7 +870,7 @@
           <a:p>
             <a:fld id="{9FC03419-6C17-4C1A-80EF-55ED54125D99}" type="datetimeFigureOut">
               <a:rPr lang="en-US" smtClean="0"/>
-              <a:t>3/31/2023</a:t>
+              <a:t>4/20/2023</a:t>
             </a:fld>
             <a:endParaRPr lang="en-US"/>
           </a:p>
@@ -1143,7 +1145,7 @@
           <a:p>
             <a:fld id="{9FC03419-6C17-4C1A-80EF-55ED54125D99}" type="datetimeFigureOut">
               <a:rPr lang="en-US" smtClean="0"/>
-              <a:t>3/31/2023</a:t>
+              <a:t>4/20/2023</a:t>
             </a:fld>
             <a:endParaRPr lang="en-US"/>
           </a:p>
@@ -1408,7 +1410,7 @@
           <a:p>
             <a:fld id="{9FC03419-6C17-4C1A-80EF-55ED54125D99}" type="datetimeFigureOut">
               <a:rPr lang="en-US" smtClean="0"/>
-              <a:t>3/31/2023</a:t>
+              <a:t>4/20/2023</a:t>
             </a:fld>
             <a:endParaRPr lang="en-US"/>
           </a:p>
@@ -1820,7 +1822,7 @@
           <a:p>
             <a:fld id="{9FC03419-6C17-4C1A-80EF-55ED54125D99}" type="datetimeFigureOut">
               <a:rPr lang="en-US" smtClean="0"/>
-              <a:t>3/31/2023</a:t>
+              <a:t>4/20/2023</a:t>
             </a:fld>
             <a:endParaRPr lang="en-US"/>
           </a:p>
@@ -1961,7 +1963,7 @@
           <a:p>
             <a:fld id="{9FC03419-6C17-4C1A-80EF-55ED54125D99}" type="datetimeFigureOut">
               <a:rPr lang="en-US" smtClean="0"/>
-              <a:t>3/31/2023</a:t>
+              <a:t>4/20/2023</a:t>
             </a:fld>
             <a:endParaRPr lang="en-US"/>
           </a:p>
@@ -2074,7 +2076,7 @@
           <a:p>
             <a:fld id="{9FC03419-6C17-4C1A-80EF-55ED54125D99}" type="datetimeFigureOut">
               <a:rPr lang="en-US" smtClean="0"/>
-              <a:t>3/31/2023</a:t>
+              <a:t>4/20/2023</a:t>
             </a:fld>
             <a:endParaRPr lang="en-US"/>
           </a:p>
@@ -2385,7 +2387,7 @@
           <a:p>
             <a:fld id="{9FC03419-6C17-4C1A-80EF-55ED54125D99}" type="datetimeFigureOut">
               <a:rPr lang="en-US" smtClean="0"/>
-              <a:t>3/31/2023</a:t>
+              <a:t>4/20/2023</a:t>
             </a:fld>
             <a:endParaRPr lang="en-US"/>
           </a:p>
@@ -2673,7 +2675,7 @@
           <a:p>
             <a:fld id="{9FC03419-6C17-4C1A-80EF-55ED54125D99}" type="datetimeFigureOut">
               <a:rPr lang="en-US" smtClean="0"/>
-              <a:t>3/31/2023</a:t>
+              <a:t>4/20/2023</a:t>
             </a:fld>
             <a:endParaRPr lang="en-US"/>
           </a:p>
@@ -2914,7 +2916,7 @@
           <a:p>
             <a:fld id="{9FC03419-6C17-4C1A-80EF-55ED54125D99}" type="datetimeFigureOut">
               <a:rPr lang="en-US" smtClean="0"/>
-              <a:t>3/31/2023</a:t>
+              <a:t>4/20/2023</a:t>
             </a:fld>
             <a:endParaRPr lang="en-US"/>
           </a:p>
@@ -5724,6 +5726,2054 @@
       </p:grpSpPr>
       <p:sp>
         <p:nvSpPr>
+          <p:cNvPr id="2" name="Title 1">
+            <a:extLst>
+              <a:ext uri="{FF2B5EF4-FFF2-40B4-BE49-F238E27FC236}">
+                <a16:creationId xmlns:a16="http://schemas.microsoft.com/office/drawing/2014/main" id="{FE2C6D90-9901-CD9B-AF74-35082F3CD953}"/>
+              </a:ext>
+            </a:extLst>
+          </p:cNvPr>
+          <p:cNvSpPr>
+            <a:spLocks noGrp="1"/>
+          </p:cNvSpPr>
+          <p:nvPr>
+            <p:ph type="title"/>
+          </p:nvPr>
+        </p:nvSpPr>
+        <p:spPr>
+          <a:xfrm>
+            <a:off x="838200" y="263327"/>
+            <a:ext cx="10515600" cy="1325563"/>
+          </a:xfrm>
+        </p:spPr>
+        <p:txBody>
+          <a:bodyPr/>
+          <a:lstStyle/>
+          <a:p>
+            <a:r>
+              <a:rPr lang="en-US" dirty="0"/>
+              <a:t>Matrix Approach:</a:t>
+            </a:r>
+            <a:br>
+              <a:rPr lang="en-US" dirty="0"/>
+            </a:br>
+            <a:r>
+              <a:rPr lang="en-US" sz="3200" dirty="0"/>
+              <a:t>Classify behavior and incr./</a:t>
+            </a:r>
+            <a:r>
+              <a:rPr lang="en-US" sz="3200" dirty="0" err="1"/>
+              <a:t>decr</a:t>
+            </a:r>
+            <a:r>
+              <a:rPr lang="en-US" sz="3200" dirty="0"/>
+              <a:t>. volumes as necessary</a:t>
+            </a:r>
+            <a:endParaRPr lang="en-US" dirty="0"/>
+          </a:p>
+        </p:txBody>
+      </p:sp>
+      <p:pic>
+        <p:nvPicPr>
+          <p:cNvPr id="9" name="Picture 8">
+            <a:extLst>
+              <a:ext uri="{FF2B5EF4-FFF2-40B4-BE49-F238E27FC236}">
+                <a16:creationId xmlns:a16="http://schemas.microsoft.com/office/drawing/2014/main" id="{285F092D-EFBF-A5BA-DA6D-FECF2024FB17}"/>
+              </a:ext>
+            </a:extLst>
+          </p:cNvPr>
+          <p:cNvPicPr>
+            <a:picLocks noChangeAspect="1"/>
+          </p:cNvPicPr>
+          <p:nvPr/>
+        </p:nvPicPr>
+        <p:blipFill>
+          <a:blip r:embed="rId2"/>
+          <a:stretch>
+            <a:fillRect/>
+          </a:stretch>
+        </p:blipFill>
+        <p:spPr>
+          <a:xfrm>
+            <a:off x="8018946" y="4160401"/>
+            <a:ext cx="3425669" cy="811928"/>
+          </a:xfrm>
+          <a:prstGeom prst="rect">
+            <a:avLst/>
+          </a:prstGeom>
+        </p:spPr>
+      </p:pic>
+      <p:sp>
+        <p:nvSpPr>
+          <p:cNvPr id="12" name="Arrow: Right 11">
+            <a:extLst>
+              <a:ext uri="{FF2B5EF4-FFF2-40B4-BE49-F238E27FC236}">
+                <a16:creationId xmlns:a16="http://schemas.microsoft.com/office/drawing/2014/main" id="{375B7F69-FC26-AB51-9E96-91D3FFE2EC12}"/>
+              </a:ext>
+            </a:extLst>
+          </p:cNvPr>
+          <p:cNvSpPr/>
+          <p:nvPr/>
+        </p:nvSpPr>
+        <p:spPr>
+          <a:xfrm>
+            <a:off x="6498632" y="2718891"/>
+            <a:ext cx="869576" cy="385482"/>
+          </a:xfrm>
+          <a:prstGeom prst="rightArrow">
+            <a:avLst/>
+          </a:prstGeom>
+        </p:spPr>
+        <p:style>
+          <a:lnRef idx="2">
+            <a:schemeClr val="accent1">
+              <a:shade val="50000"/>
+            </a:schemeClr>
+          </a:lnRef>
+          <a:fillRef idx="1">
+            <a:schemeClr val="accent1"/>
+          </a:fillRef>
+          <a:effectRef idx="0">
+            <a:schemeClr val="accent1"/>
+          </a:effectRef>
+          <a:fontRef idx="minor">
+            <a:schemeClr val="lt1"/>
+          </a:fontRef>
+        </p:style>
+        <p:txBody>
+          <a:bodyPr rtlCol="0" anchor="ctr"/>
+          <a:lstStyle/>
+          <a:p>
+            <a:pPr algn="ctr"/>
+            <a:endParaRPr lang="en-US"/>
+          </a:p>
+        </p:txBody>
+      </p:sp>
+      <p:pic>
+        <p:nvPicPr>
+          <p:cNvPr id="19" name="Picture 18">
+            <a:extLst>
+              <a:ext uri="{FF2B5EF4-FFF2-40B4-BE49-F238E27FC236}">
+                <a16:creationId xmlns:a16="http://schemas.microsoft.com/office/drawing/2014/main" id="{FD040761-0758-75A2-51C7-36420538888F}"/>
+              </a:ext>
+            </a:extLst>
+          </p:cNvPr>
+          <p:cNvPicPr>
+            <a:picLocks noChangeAspect="1"/>
+          </p:cNvPicPr>
+          <p:nvPr/>
+        </p:nvPicPr>
+        <p:blipFill>
+          <a:blip r:embed="rId3"/>
+          <a:stretch>
+            <a:fillRect/>
+          </a:stretch>
+        </p:blipFill>
+        <p:spPr>
+          <a:xfrm>
+            <a:off x="838200" y="1887912"/>
+            <a:ext cx="5009694" cy="2047440"/>
+          </a:xfrm>
+          <a:prstGeom prst="rect">
+            <a:avLst/>
+          </a:prstGeom>
+        </p:spPr>
+      </p:pic>
+      <p:pic>
+        <p:nvPicPr>
+          <p:cNvPr id="21" name="Picture 20">
+            <a:extLst>
+              <a:ext uri="{FF2B5EF4-FFF2-40B4-BE49-F238E27FC236}">
+                <a16:creationId xmlns:a16="http://schemas.microsoft.com/office/drawing/2014/main" id="{3365D80E-7D5C-29C2-4D67-758FD146B724}"/>
+              </a:ext>
+            </a:extLst>
+          </p:cNvPr>
+          <p:cNvPicPr>
+            <a:picLocks noChangeAspect="1"/>
+          </p:cNvPicPr>
+          <p:nvPr/>
+        </p:nvPicPr>
+        <p:blipFill>
+          <a:blip r:embed="rId4"/>
+          <a:stretch>
+            <a:fillRect/>
+          </a:stretch>
+        </p:blipFill>
+        <p:spPr>
+          <a:xfrm>
+            <a:off x="8018946" y="1752752"/>
+            <a:ext cx="3425669" cy="2182600"/>
+          </a:xfrm>
+          <a:prstGeom prst="rect">
+            <a:avLst/>
+          </a:prstGeom>
+        </p:spPr>
+      </p:pic>
+      <p:sp>
+        <p:nvSpPr>
+          <p:cNvPr id="3" name="Rectangle 2">
+            <a:extLst>
+              <a:ext uri="{FF2B5EF4-FFF2-40B4-BE49-F238E27FC236}">
+                <a16:creationId xmlns:a16="http://schemas.microsoft.com/office/drawing/2014/main" id="{050DB1D5-D0B6-7630-D41A-835D8F9219B5}"/>
+              </a:ext>
+            </a:extLst>
+          </p:cNvPr>
+          <p:cNvSpPr/>
+          <p:nvPr/>
+        </p:nvSpPr>
+        <p:spPr>
+          <a:xfrm>
+            <a:off x="925575" y="3361866"/>
+            <a:ext cx="2359492" cy="573486"/>
+          </a:xfrm>
+          <a:prstGeom prst="rect">
+            <a:avLst/>
+          </a:prstGeom>
+          <a:noFill/>
+          <a:ln w="28575">
+            <a:solidFill>
+              <a:srgbClr val="C00000"/>
+            </a:solidFill>
+          </a:ln>
+        </p:spPr>
+        <p:style>
+          <a:lnRef idx="2">
+            <a:schemeClr val="accent1">
+              <a:shade val="50000"/>
+            </a:schemeClr>
+          </a:lnRef>
+          <a:fillRef idx="1">
+            <a:schemeClr val="accent1"/>
+          </a:fillRef>
+          <a:effectRef idx="0">
+            <a:schemeClr val="accent1"/>
+          </a:effectRef>
+          <a:fontRef idx="minor">
+            <a:schemeClr val="lt1"/>
+          </a:fontRef>
+        </p:style>
+        <p:txBody>
+          <a:bodyPr rtlCol="0" anchor="ctr"/>
+          <a:lstStyle/>
+          <a:p>
+            <a:pPr algn="ctr"/>
+            <a:endParaRPr lang="en-US"/>
+          </a:p>
+        </p:txBody>
+      </p:sp>
+      <p:grpSp>
+        <p:nvGrpSpPr>
+          <p:cNvPr id="10" name="Group 9">
+            <a:extLst>
+              <a:ext uri="{FF2B5EF4-FFF2-40B4-BE49-F238E27FC236}">
+                <a16:creationId xmlns:a16="http://schemas.microsoft.com/office/drawing/2014/main" id="{3B7F0F3C-F863-673A-49F1-32E047E27A45}"/>
+              </a:ext>
+            </a:extLst>
+          </p:cNvPr>
+          <p:cNvGrpSpPr/>
+          <p:nvPr/>
+        </p:nvGrpSpPr>
+        <p:grpSpPr>
+          <a:xfrm>
+            <a:off x="730452" y="4234375"/>
+            <a:ext cx="2293374" cy="369334"/>
+            <a:chOff x="2222351" y="1071235"/>
+            <a:chExt cx="2293374" cy="369334"/>
+          </a:xfrm>
+        </p:grpSpPr>
+        <p:cxnSp>
+          <p:nvCxnSpPr>
+            <p:cNvPr id="11" name="Straight Arrow Connector 10">
+              <a:extLst>
+                <a:ext uri="{FF2B5EF4-FFF2-40B4-BE49-F238E27FC236}">
+                  <a16:creationId xmlns:a16="http://schemas.microsoft.com/office/drawing/2014/main" id="{741634BB-7BFB-1C91-E8A8-04F2DED684FA}"/>
+                </a:ext>
+              </a:extLst>
+            </p:cNvPr>
+            <p:cNvCxnSpPr>
+              <a:cxnSpLocks/>
+            </p:cNvCxnSpPr>
+            <p:nvPr/>
+          </p:nvCxnSpPr>
+          <p:spPr>
+            <a:xfrm flipH="1">
+              <a:off x="2222351" y="1440569"/>
+              <a:ext cx="2293374" cy="0"/>
+            </a:xfrm>
+            <a:prstGeom prst="straightConnector1">
+              <a:avLst/>
+            </a:prstGeom>
+            <a:ln w="38100">
+              <a:tailEnd type="triangle"/>
+            </a:ln>
+          </p:spPr>
+          <p:style>
+            <a:lnRef idx="1">
+              <a:schemeClr val="accent1"/>
+            </a:lnRef>
+            <a:fillRef idx="0">
+              <a:schemeClr val="accent1"/>
+            </a:fillRef>
+            <a:effectRef idx="0">
+              <a:schemeClr val="accent1"/>
+            </a:effectRef>
+            <a:fontRef idx="minor">
+              <a:schemeClr val="tx1"/>
+            </a:fontRef>
+          </p:style>
+        </p:cxnSp>
+        <p:sp>
+          <p:nvSpPr>
+            <p:cNvPr id="14" name="TextBox 13">
+              <a:extLst>
+                <a:ext uri="{FF2B5EF4-FFF2-40B4-BE49-F238E27FC236}">
+                  <a16:creationId xmlns:a16="http://schemas.microsoft.com/office/drawing/2014/main" id="{EA1DD92B-5AF0-CFEE-8881-C0E1DF886FB0}"/>
+                </a:ext>
+              </a:extLst>
+            </p:cNvPr>
+            <p:cNvSpPr txBox="1"/>
+            <p:nvPr/>
+          </p:nvSpPr>
+          <p:spPr>
+            <a:xfrm>
+              <a:off x="2298502" y="1071235"/>
+              <a:ext cx="2217223" cy="369332"/>
+            </a:xfrm>
+            <a:prstGeom prst="rect">
+              <a:avLst/>
+            </a:prstGeom>
+            <a:noFill/>
+          </p:spPr>
+          <p:txBody>
+            <a:bodyPr wrap="square" rtlCol="0">
+              <a:spAutoFit/>
+            </a:bodyPr>
+            <a:lstStyle/>
+            <a:p>
+              <a:pPr algn="r"/>
+              <a:r>
+                <a:rPr lang="en-US" dirty="0"/>
+                <a:t>H Vol decrease (by v)</a:t>
+              </a:r>
+            </a:p>
+          </p:txBody>
+        </p:sp>
+      </p:grpSp>
+      <p:grpSp>
+        <p:nvGrpSpPr>
+          <p:cNvPr id="15" name="Group 14">
+            <a:extLst>
+              <a:ext uri="{FF2B5EF4-FFF2-40B4-BE49-F238E27FC236}">
+                <a16:creationId xmlns:a16="http://schemas.microsoft.com/office/drawing/2014/main" id="{A92325E5-6E40-3D1E-C031-B69302AF2340}"/>
+              </a:ext>
+            </a:extLst>
+          </p:cNvPr>
+          <p:cNvGrpSpPr/>
+          <p:nvPr/>
+        </p:nvGrpSpPr>
+        <p:grpSpPr>
+          <a:xfrm>
+            <a:off x="3871777" y="4234374"/>
+            <a:ext cx="2290566" cy="369333"/>
+            <a:chOff x="6799035" y="1030658"/>
+            <a:chExt cx="2290566" cy="369333"/>
+          </a:xfrm>
+        </p:grpSpPr>
+        <p:cxnSp>
+          <p:nvCxnSpPr>
+            <p:cNvPr id="16" name="Straight Arrow Connector 15">
+              <a:extLst>
+                <a:ext uri="{FF2B5EF4-FFF2-40B4-BE49-F238E27FC236}">
+                  <a16:creationId xmlns:a16="http://schemas.microsoft.com/office/drawing/2014/main" id="{FF088504-945A-DA56-8B2E-BF09F8348934}"/>
+                </a:ext>
+              </a:extLst>
+            </p:cNvPr>
+            <p:cNvCxnSpPr>
+              <a:cxnSpLocks/>
+            </p:cNvCxnSpPr>
+            <p:nvPr/>
+          </p:nvCxnSpPr>
+          <p:spPr>
+            <a:xfrm>
+              <a:off x="6801031" y="1399991"/>
+              <a:ext cx="2288570" cy="0"/>
+            </a:xfrm>
+            <a:prstGeom prst="straightConnector1">
+              <a:avLst/>
+            </a:prstGeom>
+            <a:ln w="38100">
+              <a:tailEnd type="triangle"/>
+            </a:ln>
+          </p:spPr>
+          <p:style>
+            <a:lnRef idx="1">
+              <a:schemeClr val="accent1"/>
+            </a:lnRef>
+            <a:fillRef idx="0">
+              <a:schemeClr val="accent1"/>
+            </a:fillRef>
+            <a:effectRef idx="0">
+              <a:schemeClr val="accent1"/>
+            </a:effectRef>
+            <a:fontRef idx="minor">
+              <a:schemeClr val="tx1"/>
+            </a:fontRef>
+          </p:style>
+        </p:cxnSp>
+        <p:sp>
+          <p:nvSpPr>
+            <p:cNvPr id="17" name="TextBox 16">
+              <a:extLst>
+                <a:ext uri="{FF2B5EF4-FFF2-40B4-BE49-F238E27FC236}">
+                  <a16:creationId xmlns:a16="http://schemas.microsoft.com/office/drawing/2014/main" id="{CF942569-4204-9396-7A69-B44D8066F959}"/>
+                </a:ext>
+              </a:extLst>
+            </p:cNvPr>
+            <p:cNvSpPr txBox="1"/>
+            <p:nvPr/>
+          </p:nvSpPr>
+          <p:spPr>
+            <a:xfrm>
+              <a:off x="6799035" y="1030658"/>
+              <a:ext cx="2217223" cy="369332"/>
+            </a:xfrm>
+            <a:prstGeom prst="rect">
+              <a:avLst/>
+            </a:prstGeom>
+            <a:noFill/>
+          </p:spPr>
+          <p:txBody>
+            <a:bodyPr wrap="square" rtlCol="0">
+              <a:spAutoFit/>
+            </a:bodyPr>
+            <a:lstStyle/>
+            <a:p>
+              <a:r>
+                <a:rPr lang="en-US" dirty="0"/>
+                <a:t>H Vol decrease (by b)</a:t>
+              </a:r>
+            </a:p>
+          </p:txBody>
+        </p:sp>
+      </p:grpSp>
+      <p:sp>
+        <p:nvSpPr>
+          <p:cNvPr id="18" name="TextBox 17">
+            <a:extLst>
+              <a:ext uri="{FF2B5EF4-FFF2-40B4-BE49-F238E27FC236}">
+                <a16:creationId xmlns:a16="http://schemas.microsoft.com/office/drawing/2014/main" id="{2F6F5AAF-A647-FC43-EA4B-9C8FDBE365BD}"/>
+              </a:ext>
+            </a:extLst>
+          </p:cNvPr>
+          <p:cNvSpPr txBox="1"/>
+          <p:nvPr/>
+        </p:nvSpPr>
+        <p:spPr>
+          <a:xfrm>
+            <a:off x="3192693" y="4684600"/>
+            <a:ext cx="441553" cy="461665"/>
+          </a:xfrm>
+          <a:prstGeom prst="rect">
+            <a:avLst/>
+          </a:prstGeom>
+          <a:noFill/>
+        </p:spPr>
+        <p:txBody>
+          <a:bodyPr wrap="square" rtlCol="0">
+            <a:spAutoFit/>
+          </a:bodyPr>
+          <a:lstStyle/>
+          <a:p>
+            <a:pPr algn="ctr"/>
+            <a:r>
+              <a:rPr lang="en-US" sz="2400" b="1" dirty="0"/>
+              <a:t>D</a:t>
+            </a:r>
+          </a:p>
+        </p:txBody>
+      </p:sp>
+      <p:sp>
+        <p:nvSpPr>
+          <p:cNvPr id="20" name="TextBox 19">
+            <a:extLst>
+              <a:ext uri="{FF2B5EF4-FFF2-40B4-BE49-F238E27FC236}">
+                <a16:creationId xmlns:a16="http://schemas.microsoft.com/office/drawing/2014/main" id="{C2E8B93C-29F2-6AF9-8C28-68533DFF9951}"/>
+              </a:ext>
+            </a:extLst>
+          </p:cNvPr>
+          <p:cNvSpPr txBox="1"/>
+          <p:nvPr/>
+        </p:nvSpPr>
+        <p:spPr>
+          <a:xfrm>
+            <a:off x="960450" y="4684599"/>
+            <a:ext cx="441553" cy="461665"/>
+          </a:xfrm>
+          <a:prstGeom prst="rect">
+            <a:avLst/>
+          </a:prstGeom>
+          <a:noFill/>
+        </p:spPr>
+        <p:txBody>
+          <a:bodyPr wrap="square" rtlCol="0">
+            <a:spAutoFit/>
+          </a:bodyPr>
+          <a:lstStyle/>
+          <a:p>
+            <a:pPr algn="ctr"/>
+            <a:r>
+              <a:rPr lang="en-US" sz="2400" b="1" dirty="0"/>
+              <a:t>C</a:t>
+            </a:r>
+          </a:p>
+        </p:txBody>
+      </p:sp>
+      <p:sp>
+        <p:nvSpPr>
+          <p:cNvPr id="22" name="TextBox 21">
+            <a:extLst>
+              <a:ext uri="{FF2B5EF4-FFF2-40B4-BE49-F238E27FC236}">
+                <a16:creationId xmlns:a16="http://schemas.microsoft.com/office/drawing/2014/main" id="{FD8C8AB9-BB40-F1E1-3527-AA4A6F464D3C}"/>
+              </a:ext>
+            </a:extLst>
+          </p:cNvPr>
+          <p:cNvSpPr txBox="1"/>
+          <p:nvPr/>
+        </p:nvSpPr>
+        <p:spPr>
+          <a:xfrm>
+            <a:off x="5424935" y="4628899"/>
+            <a:ext cx="441553" cy="461665"/>
+          </a:xfrm>
+          <a:prstGeom prst="rect">
+            <a:avLst/>
+          </a:prstGeom>
+          <a:noFill/>
+        </p:spPr>
+        <p:txBody>
+          <a:bodyPr wrap="square" rtlCol="0">
+            <a:spAutoFit/>
+          </a:bodyPr>
+          <a:lstStyle/>
+          <a:p>
+            <a:pPr algn="ctr"/>
+            <a:r>
+              <a:rPr lang="en-US" sz="2400" b="1" dirty="0"/>
+              <a:t>E</a:t>
+            </a:r>
+          </a:p>
+        </p:txBody>
+      </p:sp>
+      <p:sp>
+        <p:nvSpPr>
+          <p:cNvPr id="23" name="TextBox 22">
+            <a:extLst>
+              <a:ext uri="{FF2B5EF4-FFF2-40B4-BE49-F238E27FC236}">
+                <a16:creationId xmlns:a16="http://schemas.microsoft.com/office/drawing/2014/main" id="{60845641-11E1-15FC-50EB-40A3A0C62280}"/>
+              </a:ext>
+            </a:extLst>
+          </p:cNvPr>
+          <p:cNvSpPr txBox="1"/>
+          <p:nvPr/>
+        </p:nvSpPr>
+        <p:spPr>
+          <a:xfrm>
+            <a:off x="730452" y="5824801"/>
+            <a:ext cx="674377" cy="461665"/>
+          </a:xfrm>
+          <a:prstGeom prst="rect">
+            <a:avLst/>
+          </a:prstGeom>
+          <a:noFill/>
+        </p:spPr>
+        <p:txBody>
+          <a:bodyPr wrap="square" rtlCol="0">
+            <a:spAutoFit/>
+          </a:bodyPr>
+          <a:lstStyle/>
+          <a:p>
+            <a:pPr algn="ctr"/>
+            <a:r>
+              <a:rPr lang="en-US" sz="2400" b="1" dirty="0"/>
+              <a:t>a2</a:t>
+            </a:r>
+          </a:p>
+        </p:txBody>
+      </p:sp>
+      <p:sp>
+        <p:nvSpPr>
+          <p:cNvPr id="24" name="TextBox 23">
+            <a:extLst>
+              <a:ext uri="{FF2B5EF4-FFF2-40B4-BE49-F238E27FC236}">
+                <a16:creationId xmlns:a16="http://schemas.microsoft.com/office/drawing/2014/main" id="{3C224B6A-FA61-8B19-8BE5-723DAF4E76C1}"/>
+              </a:ext>
+            </a:extLst>
+          </p:cNvPr>
+          <p:cNvSpPr txBox="1"/>
+          <p:nvPr/>
+        </p:nvSpPr>
+        <p:spPr>
+          <a:xfrm>
+            <a:off x="1599294" y="6110363"/>
+            <a:ext cx="674377" cy="461665"/>
+          </a:xfrm>
+          <a:prstGeom prst="rect">
+            <a:avLst/>
+          </a:prstGeom>
+          <a:noFill/>
+        </p:spPr>
+        <p:txBody>
+          <a:bodyPr wrap="square" rtlCol="0">
+            <a:spAutoFit/>
+          </a:bodyPr>
+          <a:lstStyle/>
+          <a:p>
+            <a:pPr algn="ctr"/>
+            <a:r>
+              <a:rPr lang="en-US" sz="2400" b="1" dirty="0"/>
+              <a:t>b1</a:t>
+            </a:r>
+          </a:p>
+        </p:txBody>
+      </p:sp>
+      <p:sp>
+        <p:nvSpPr>
+          <p:cNvPr id="25" name="TextBox 24">
+            <a:extLst>
+              <a:ext uri="{FF2B5EF4-FFF2-40B4-BE49-F238E27FC236}">
+                <a16:creationId xmlns:a16="http://schemas.microsoft.com/office/drawing/2014/main" id="{44875D5D-CFFC-A919-F9E9-A895B81B27AB}"/>
+              </a:ext>
+            </a:extLst>
+          </p:cNvPr>
+          <p:cNvSpPr txBox="1"/>
+          <p:nvPr/>
+        </p:nvSpPr>
+        <p:spPr>
+          <a:xfrm>
+            <a:off x="2647536" y="5824800"/>
+            <a:ext cx="674377" cy="461665"/>
+          </a:xfrm>
+          <a:prstGeom prst="rect">
+            <a:avLst/>
+          </a:prstGeom>
+          <a:noFill/>
+        </p:spPr>
+        <p:txBody>
+          <a:bodyPr wrap="square" rtlCol="0">
+            <a:spAutoFit/>
+          </a:bodyPr>
+          <a:lstStyle/>
+          <a:p>
+            <a:pPr algn="ctr"/>
+            <a:r>
+              <a:rPr lang="en-US" sz="2400" b="1" dirty="0"/>
+              <a:t>a1</a:t>
+            </a:r>
+          </a:p>
+        </p:txBody>
+      </p:sp>
+      <p:sp>
+        <p:nvSpPr>
+          <p:cNvPr id="26" name="TextBox 25">
+            <a:extLst>
+              <a:ext uri="{FF2B5EF4-FFF2-40B4-BE49-F238E27FC236}">
+                <a16:creationId xmlns:a16="http://schemas.microsoft.com/office/drawing/2014/main" id="{35191EA8-639D-7631-CF04-7D39E62FF0BA}"/>
+              </a:ext>
+            </a:extLst>
+          </p:cNvPr>
+          <p:cNvSpPr txBox="1"/>
+          <p:nvPr/>
+        </p:nvSpPr>
+        <p:spPr>
+          <a:xfrm>
+            <a:off x="3534588" y="6341195"/>
+            <a:ext cx="674377" cy="461665"/>
+          </a:xfrm>
+          <a:prstGeom prst="rect">
+            <a:avLst/>
+          </a:prstGeom>
+          <a:noFill/>
+        </p:spPr>
+        <p:txBody>
+          <a:bodyPr wrap="square" rtlCol="0">
+            <a:spAutoFit/>
+          </a:bodyPr>
+          <a:lstStyle/>
+          <a:p>
+            <a:pPr algn="ctr"/>
+            <a:r>
+              <a:rPr lang="en-US" sz="2400" b="1" dirty="0"/>
+              <a:t>g1</a:t>
+            </a:r>
+          </a:p>
+        </p:txBody>
+      </p:sp>
+      <p:grpSp>
+        <p:nvGrpSpPr>
+          <p:cNvPr id="27" name="Group 26">
+            <a:extLst>
+              <a:ext uri="{FF2B5EF4-FFF2-40B4-BE49-F238E27FC236}">
+                <a16:creationId xmlns:a16="http://schemas.microsoft.com/office/drawing/2014/main" id="{CBBF8947-0D7E-64B1-DBA3-06E316039CB3}"/>
+              </a:ext>
+            </a:extLst>
+          </p:cNvPr>
+          <p:cNvGrpSpPr/>
+          <p:nvPr/>
+        </p:nvGrpSpPr>
+        <p:grpSpPr>
+          <a:xfrm>
+            <a:off x="856846" y="5387279"/>
+            <a:ext cx="2290566" cy="369333"/>
+            <a:chOff x="6799035" y="1030658"/>
+            <a:chExt cx="2290566" cy="369333"/>
+          </a:xfrm>
+        </p:grpSpPr>
+        <p:cxnSp>
+          <p:nvCxnSpPr>
+            <p:cNvPr id="28" name="Straight Arrow Connector 27">
+              <a:extLst>
+                <a:ext uri="{FF2B5EF4-FFF2-40B4-BE49-F238E27FC236}">
+                  <a16:creationId xmlns:a16="http://schemas.microsoft.com/office/drawing/2014/main" id="{BE37AE96-34AA-1C9D-1478-F73858820721}"/>
+                </a:ext>
+              </a:extLst>
+            </p:cNvPr>
+            <p:cNvCxnSpPr>
+              <a:cxnSpLocks/>
+            </p:cNvCxnSpPr>
+            <p:nvPr/>
+          </p:nvCxnSpPr>
+          <p:spPr>
+            <a:xfrm>
+              <a:off x="6801031" y="1399991"/>
+              <a:ext cx="2288570" cy="0"/>
+            </a:xfrm>
+            <a:prstGeom prst="straightConnector1">
+              <a:avLst/>
+            </a:prstGeom>
+            <a:ln w="38100">
+              <a:tailEnd type="triangle"/>
+            </a:ln>
+          </p:spPr>
+          <p:style>
+            <a:lnRef idx="1">
+              <a:schemeClr val="accent1"/>
+            </a:lnRef>
+            <a:fillRef idx="0">
+              <a:schemeClr val="accent1"/>
+            </a:fillRef>
+            <a:effectRef idx="0">
+              <a:schemeClr val="accent1"/>
+            </a:effectRef>
+            <a:fontRef idx="minor">
+              <a:schemeClr val="tx1"/>
+            </a:fontRef>
+          </p:style>
+        </p:cxnSp>
+        <p:sp>
+          <p:nvSpPr>
+            <p:cNvPr id="29" name="TextBox 28">
+              <a:extLst>
+                <a:ext uri="{FF2B5EF4-FFF2-40B4-BE49-F238E27FC236}">
+                  <a16:creationId xmlns:a16="http://schemas.microsoft.com/office/drawing/2014/main" id="{27D2CFEE-666E-A58F-F548-189C51FB200F}"/>
+                </a:ext>
+              </a:extLst>
+            </p:cNvPr>
+            <p:cNvSpPr txBox="1"/>
+            <p:nvPr/>
+          </p:nvSpPr>
+          <p:spPr>
+            <a:xfrm>
+              <a:off x="6799035" y="1030658"/>
+              <a:ext cx="2217223" cy="369332"/>
+            </a:xfrm>
+            <a:prstGeom prst="rect">
+              <a:avLst/>
+            </a:prstGeom>
+            <a:noFill/>
+          </p:spPr>
+          <p:txBody>
+            <a:bodyPr wrap="square" rtlCol="0">
+              <a:spAutoFit/>
+            </a:bodyPr>
+            <a:lstStyle/>
+            <a:p>
+              <a:r>
+                <a:rPr lang="en-US" dirty="0"/>
+                <a:t>L Total Vol decrease</a:t>
+              </a:r>
+            </a:p>
+          </p:txBody>
+        </p:sp>
+      </p:grpSp>
+      <p:grpSp>
+        <p:nvGrpSpPr>
+          <p:cNvPr id="30" name="Group 29">
+            <a:extLst>
+              <a:ext uri="{FF2B5EF4-FFF2-40B4-BE49-F238E27FC236}">
+                <a16:creationId xmlns:a16="http://schemas.microsoft.com/office/drawing/2014/main" id="{08B1C5C3-EC77-627F-58BF-9BC0C1105BF4}"/>
+              </a:ext>
+            </a:extLst>
+          </p:cNvPr>
+          <p:cNvGrpSpPr/>
+          <p:nvPr/>
+        </p:nvGrpSpPr>
+        <p:grpSpPr>
+          <a:xfrm rot="16200000">
+            <a:off x="-654784" y="5451987"/>
+            <a:ext cx="2217223" cy="369333"/>
+            <a:chOff x="6799035" y="1030658"/>
+            <a:chExt cx="2217223" cy="369333"/>
+          </a:xfrm>
+        </p:grpSpPr>
+        <p:cxnSp>
+          <p:nvCxnSpPr>
+            <p:cNvPr id="31" name="Straight Arrow Connector 30">
+              <a:extLst>
+                <a:ext uri="{FF2B5EF4-FFF2-40B4-BE49-F238E27FC236}">
+                  <a16:creationId xmlns:a16="http://schemas.microsoft.com/office/drawing/2014/main" id="{8C30AE7D-0645-D754-54E0-56A49C0B3084}"/>
+                </a:ext>
+              </a:extLst>
+            </p:cNvPr>
+            <p:cNvCxnSpPr>
+              <a:cxnSpLocks/>
+            </p:cNvCxnSpPr>
+            <p:nvPr/>
+          </p:nvCxnSpPr>
+          <p:spPr>
+            <a:xfrm rot="5400000" flipV="1">
+              <a:off x="7265778" y="935244"/>
+              <a:ext cx="0" cy="929494"/>
+            </a:xfrm>
+            <a:prstGeom prst="straightConnector1">
+              <a:avLst/>
+            </a:prstGeom>
+            <a:ln w="38100">
+              <a:tailEnd type="triangle"/>
+            </a:ln>
+          </p:spPr>
+          <p:style>
+            <a:lnRef idx="1">
+              <a:schemeClr val="accent1"/>
+            </a:lnRef>
+            <a:fillRef idx="0">
+              <a:schemeClr val="accent1"/>
+            </a:fillRef>
+            <a:effectRef idx="0">
+              <a:schemeClr val="accent1"/>
+            </a:effectRef>
+            <a:fontRef idx="minor">
+              <a:schemeClr val="tx1"/>
+            </a:fontRef>
+          </p:style>
+        </p:cxnSp>
+        <p:sp>
+          <p:nvSpPr>
+            <p:cNvPr id="32" name="TextBox 31">
+              <a:extLst>
+                <a:ext uri="{FF2B5EF4-FFF2-40B4-BE49-F238E27FC236}">
+                  <a16:creationId xmlns:a16="http://schemas.microsoft.com/office/drawing/2014/main" id="{967E96CF-5998-E20F-854F-2797C4FCFDB5}"/>
+                </a:ext>
+              </a:extLst>
+            </p:cNvPr>
+            <p:cNvSpPr txBox="1"/>
+            <p:nvPr/>
+          </p:nvSpPr>
+          <p:spPr>
+            <a:xfrm>
+              <a:off x="6799035" y="1030658"/>
+              <a:ext cx="2217223" cy="369332"/>
+            </a:xfrm>
+            <a:prstGeom prst="rect">
+              <a:avLst/>
+            </a:prstGeom>
+            <a:noFill/>
+          </p:spPr>
+          <p:txBody>
+            <a:bodyPr wrap="square" rtlCol="0">
+              <a:spAutoFit/>
+            </a:bodyPr>
+            <a:lstStyle/>
+            <a:p>
+              <a:r>
+                <a:rPr lang="en-US" dirty="0"/>
+                <a:t>L b decrease</a:t>
+              </a:r>
+            </a:p>
+          </p:txBody>
+        </p:sp>
+      </p:grpSp>
+    </p:spTree>
+    <p:extLst>
+      <p:ext uri="{BB962C8B-B14F-4D97-AF65-F5344CB8AC3E}">
+        <p14:creationId xmlns:p14="http://schemas.microsoft.com/office/powerpoint/2010/main" val="2278017499"/>
+      </p:ext>
+    </p:extLst>
+  </p:cSld>
+  <p:clrMapOvr>
+    <a:masterClrMapping/>
+  </p:clrMapOvr>
+</p:sld>
+</file>
+
+<file path=ppt/slides/slide7.xml><?xml version="1.0" encoding="utf-8"?>
+<p:sld xmlns:a="http://schemas.openxmlformats.org/drawingml/2006/main" xmlns:r="http://schemas.openxmlformats.org/officeDocument/2006/relationships" xmlns:p="http://schemas.openxmlformats.org/presentationml/2006/main">
+  <p:cSld>
+    <p:spTree>
+      <p:nvGrpSpPr>
+        <p:cNvPr id="1" name=""/>
+        <p:cNvGrpSpPr/>
+        <p:nvPr/>
+      </p:nvGrpSpPr>
+      <p:grpSpPr>
+        <a:xfrm>
+          <a:off x="0" y="0"/>
+          <a:ext cx="0" cy="0"/>
+          <a:chOff x="0" y="0"/>
+          <a:chExt cx="0" cy="0"/>
+        </a:xfrm>
+      </p:grpSpPr>
+      <p:grpSp>
+        <p:nvGrpSpPr>
+          <p:cNvPr id="2" name="Group 1">
+            <a:extLst>
+              <a:ext uri="{FF2B5EF4-FFF2-40B4-BE49-F238E27FC236}">
+                <a16:creationId xmlns:a16="http://schemas.microsoft.com/office/drawing/2014/main" id="{26306649-B1DA-3232-B027-52C70F28382C}"/>
+              </a:ext>
+            </a:extLst>
+          </p:cNvPr>
+          <p:cNvGrpSpPr/>
+          <p:nvPr/>
+        </p:nvGrpSpPr>
+        <p:grpSpPr>
+          <a:xfrm>
+            <a:off x="483224" y="57043"/>
+            <a:ext cx="2293374" cy="369334"/>
+            <a:chOff x="2222351" y="1071235"/>
+            <a:chExt cx="2293374" cy="369334"/>
+          </a:xfrm>
+        </p:grpSpPr>
+        <p:cxnSp>
+          <p:nvCxnSpPr>
+            <p:cNvPr id="3" name="Straight Arrow Connector 2">
+              <a:extLst>
+                <a:ext uri="{FF2B5EF4-FFF2-40B4-BE49-F238E27FC236}">
+                  <a16:creationId xmlns:a16="http://schemas.microsoft.com/office/drawing/2014/main" id="{748F970E-2205-CFF0-7425-85E73041581F}"/>
+                </a:ext>
+              </a:extLst>
+            </p:cNvPr>
+            <p:cNvCxnSpPr>
+              <a:cxnSpLocks/>
+            </p:cNvCxnSpPr>
+            <p:nvPr/>
+          </p:nvCxnSpPr>
+          <p:spPr>
+            <a:xfrm flipH="1">
+              <a:off x="2222351" y="1440569"/>
+              <a:ext cx="2293374" cy="0"/>
+            </a:xfrm>
+            <a:prstGeom prst="straightConnector1">
+              <a:avLst/>
+            </a:prstGeom>
+            <a:ln w="38100">
+              <a:tailEnd type="triangle"/>
+            </a:ln>
+          </p:spPr>
+          <p:style>
+            <a:lnRef idx="1">
+              <a:schemeClr val="accent1"/>
+            </a:lnRef>
+            <a:fillRef idx="0">
+              <a:schemeClr val="accent1"/>
+            </a:fillRef>
+            <a:effectRef idx="0">
+              <a:schemeClr val="accent1"/>
+            </a:effectRef>
+            <a:fontRef idx="minor">
+              <a:schemeClr val="tx1"/>
+            </a:fontRef>
+          </p:style>
+        </p:cxnSp>
+        <p:sp>
+          <p:nvSpPr>
+            <p:cNvPr id="4" name="TextBox 3">
+              <a:extLst>
+                <a:ext uri="{FF2B5EF4-FFF2-40B4-BE49-F238E27FC236}">
+                  <a16:creationId xmlns:a16="http://schemas.microsoft.com/office/drawing/2014/main" id="{1EE11733-EB77-0E3E-C394-24221BE3A99F}"/>
+                </a:ext>
+              </a:extLst>
+            </p:cNvPr>
+            <p:cNvSpPr txBox="1"/>
+            <p:nvPr/>
+          </p:nvSpPr>
+          <p:spPr>
+            <a:xfrm>
+              <a:off x="2298502" y="1071235"/>
+              <a:ext cx="2217223" cy="369332"/>
+            </a:xfrm>
+            <a:prstGeom prst="rect">
+              <a:avLst/>
+            </a:prstGeom>
+            <a:noFill/>
+          </p:spPr>
+          <p:txBody>
+            <a:bodyPr wrap="square" rtlCol="0">
+              <a:spAutoFit/>
+            </a:bodyPr>
+            <a:lstStyle/>
+            <a:p>
+              <a:pPr algn="r"/>
+              <a:r>
+                <a:rPr lang="en-US" dirty="0"/>
+                <a:t>H Vol decrease (by v)</a:t>
+              </a:r>
+            </a:p>
+          </p:txBody>
+        </p:sp>
+      </p:grpSp>
+      <p:grpSp>
+        <p:nvGrpSpPr>
+          <p:cNvPr id="5" name="Group 4">
+            <a:extLst>
+              <a:ext uri="{FF2B5EF4-FFF2-40B4-BE49-F238E27FC236}">
+                <a16:creationId xmlns:a16="http://schemas.microsoft.com/office/drawing/2014/main" id="{0E0784E7-F670-1729-AFA9-3B628A31CBEB}"/>
+              </a:ext>
+            </a:extLst>
+          </p:cNvPr>
+          <p:cNvGrpSpPr/>
+          <p:nvPr/>
+        </p:nvGrpSpPr>
+        <p:grpSpPr>
+          <a:xfrm>
+            <a:off x="5350931" y="57045"/>
+            <a:ext cx="2290566" cy="369333"/>
+            <a:chOff x="6799035" y="1030658"/>
+            <a:chExt cx="2290566" cy="369333"/>
+          </a:xfrm>
+        </p:grpSpPr>
+        <p:cxnSp>
+          <p:nvCxnSpPr>
+            <p:cNvPr id="6" name="Straight Arrow Connector 5">
+              <a:extLst>
+                <a:ext uri="{FF2B5EF4-FFF2-40B4-BE49-F238E27FC236}">
+                  <a16:creationId xmlns:a16="http://schemas.microsoft.com/office/drawing/2014/main" id="{7AC21B8C-7280-558B-E50F-51D1E58394B2}"/>
+                </a:ext>
+              </a:extLst>
+            </p:cNvPr>
+            <p:cNvCxnSpPr>
+              <a:cxnSpLocks/>
+            </p:cNvCxnSpPr>
+            <p:nvPr/>
+          </p:nvCxnSpPr>
+          <p:spPr>
+            <a:xfrm>
+              <a:off x="6801031" y="1399991"/>
+              <a:ext cx="2288570" cy="0"/>
+            </a:xfrm>
+            <a:prstGeom prst="straightConnector1">
+              <a:avLst/>
+            </a:prstGeom>
+            <a:ln w="38100">
+              <a:tailEnd type="triangle"/>
+            </a:ln>
+          </p:spPr>
+          <p:style>
+            <a:lnRef idx="1">
+              <a:schemeClr val="accent1"/>
+            </a:lnRef>
+            <a:fillRef idx="0">
+              <a:schemeClr val="accent1"/>
+            </a:fillRef>
+            <a:effectRef idx="0">
+              <a:schemeClr val="accent1"/>
+            </a:effectRef>
+            <a:fontRef idx="minor">
+              <a:schemeClr val="tx1"/>
+            </a:fontRef>
+          </p:style>
+        </p:cxnSp>
+        <p:sp>
+          <p:nvSpPr>
+            <p:cNvPr id="7" name="TextBox 6">
+              <a:extLst>
+                <a:ext uri="{FF2B5EF4-FFF2-40B4-BE49-F238E27FC236}">
+                  <a16:creationId xmlns:a16="http://schemas.microsoft.com/office/drawing/2014/main" id="{996CF1C7-9C83-95A4-C41B-AFF43B3DEA14}"/>
+                </a:ext>
+              </a:extLst>
+            </p:cNvPr>
+            <p:cNvSpPr txBox="1"/>
+            <p:nvPr/>
+          </p:nvSpPr>
+          <p:spPr>
+            <a:xfrm>
+              <a:off x="6799035" y="1030658"/>
+              <a:ext cx="2217223" cy="369332"/>
+            </a:xfrm>
+            <a:prstGeom prst="rect">
+              <a:avLst/>
+            </a:prstGeom>
+            <a:noFill/>
+          </p:spPr>
+          <p:txBody>
+            <a:bodyPr wrap="square" rtlCol="0">
+              <a:spAutoFit/>
+            </a:bodyPr>
+            <a:lstStyle/>
+            <a:p>
+              <a:r>
+                <a:rPr lang="en-US" dirty="0"/>
+                <a:t>H Vol decrease (by b)</a:t>
+              </a:r>
+            </a:p>
+          </p:txBody>
+        </p:sp>
+      </p:grpSp>
+      <p:grpSp>
+        <p:nvGrpSpPr>
+          <p:cNvPr id="8" name="Group 7">
+            <a:extLst>
+              <a:ext uri="{FF2B5EF4-FFF2-40B4-BE49-F238E27FC236}">
+                <a16:creationId xmlns:a16="http://schemas.microsoft.com/office/drawing/2014/main" id="{F5E3D933-0CD4-C224-1481-E4FE09B0756D}"/>
+              </a:ext>
+            </a:extLst>
+          </p:cNvPr>
+          <p:cNvGrpSpPr/>
+          <p:nvPr/>
+        </p:nvGrpSpPr>
+        <p:grpSpPr>
+          <a:xfrm>
+            <a:off x="0" y="920822"/>
+            <a:ext cx="371314" cy="5723717"/>
+            <a:chOff x="83734" y="726141"/>
+            <a:chExt cx="371314" cy="5723717"/>
+          </a:xfrm>
+        </p:grpSpPr>
+        <p:cxnSp>
+          <p:nvCxnSpPr>
+            <p:cNvPr id="9" name="Straight Arrow Connector 8">
+              <a:extLst>
+                <a:ext uri="{FF2B5EF4-FFF2-40B4-BE49-F238E27FC236}">
+                  <a16:creationId xmlns:a16="http://schemas.microsoft.com/office/drawing/2014/main" id="{81AF78E4-9F2F-F760-CC79-079C42ADDF65}"/>
+                </a:ext>
+              </a:extLst>
+            </p:cNvPr>
+            <p:cNvCxnSpPr>
+              <a:cxnSpLocks/>
+            </p:cNvCxnSpPr>
+            <p:nvPr/>
+          </p:nvCxnSpPr>
+          <p:spPr>
+            <a:xfrm>
+              <a:off x="453283" y="726141"/>
+              <a:ext cx="1765" cy="5723717"/>
+            </a:xfrm>
+            <a:prstGeom prst="straightConnector1">
+              <a:avLst/>
+            </a:prstGeom>
+            <a:ln w="38100">
+              <a:tailEnd type="triangle"/>
+            </a:ln>
+          </p:spPr>
+          <p:style>
+            <a:lnRef idx="1">
+              <a:schemeClr val="accent1"/>
+            </a:lnRef>
+            <a:fillRef idx="0">
+              <a:schemeClr val="accent1"/>
+            </a:fillRef>
+            <a:effectRef idx="0">
+              <a:schemeClr val="accent1"/>
+            </a:effectRef>
+            <a:fontRef idx="minor">
+              <a:schemeClr val="tx1"/>
+            </a:fontRef>
+          </p:style>
+        </p:cxnSp>
+        <p:sp>
+          <p:nvSpPr>
+            <p:cNvPr id="10" name="TextBox 9">
+              <a:extLst>
+                <a:ext uri="{FF2B5EF4-FFF2-40B4-BE49-F238E27FC236}">
+                  <a16:creationId xmlns:a16="http://schemas.microsoft.com/office/drawing/2014/main" id="{80540E58-2DE5-CB10-DB3E-23CD56058847}"/>
+                </a:ext>
+              </a:extLst>
+            </p:cNvPr>
+            <p:cNvSpPr txBox="1"/>
+            <p:nvPr/>
+          </p:nvSpPr>
+          <p:spPr>
+            <a:xfrm rot="16200000">
+              <a:off x="-1237671" y="3411647"/>
+              <a:ext cx="3012142" cy="369332"/>
+            </a:xfrm>
+            <a:prstGeom prst="rect">
+              <a:avLst/>
+            </a:prstGeom>
+            <a:noFill/>
+          </p:spPr>
+          <p:txBody>
+            <a:bodyPr wrap="square" rtlCol="0">
+              <a:spAutoFit/>
+            </a:bodyPr>
+            <a:lstStyle/>
+            <a:p>
+              <a:pPr algn="ctr"/>
+              <a:r>
+                <a:rPr lang="en-US" dirty="0"/>
+                <a:t>L Vol decrease (by b)</a:t>
+              </a:r>
+            </a:p>
+          </p:txBody>
+        </p:sp>
+      </p:grpSp>
+      <p:pic>
+        <p:nvPicPr>
+          <p:cNvPr id="2060" name="Picture 12">
+            <a:extLst>
+              <a:ext uri="{FF2B5EF4-FFF2-40B4-BE49-F238E27FC236}">
+                <a16:creationId xmlns:a16="http://schemas.microsoft.com/office/drawing/2014/main" id="{FEEF3D30-ED67-3CD6-6039-10B14EDDCEA7}"/>
+              </a:ext>
+            </a:extLst>
+          </p:cNvPr>
+          <p:cNvPicPr>
+            <a:picLocks noChangeAspect="1" noChangeArrowheads="1"/>
+          </p:cNvPicPr>
+          <p:nvPr/>
+        </p:nvPicPr>
+        <p:blipFill>
+          <a:blip r:embed="rId2">
+            <a:extLst>
+              <a:ext uri="{28A0092B-C50C-407E-A947-70E740481C1C}">
+                <a14:useLocalDpi xmlns:a14="http://schemas.microsoft.com/office/drawing/2010/main" val="0"/>
+              </a:ext>
+            </a:extLst>
+          </a:blip>
+          <a:srcRect/>
+          <a:stretch>
+            <a:fillRect/>
+          </a:stretch>
+        </p:blipFill>
+        <p:spPr bwMode="auto">
+          <a:xfrm>
+            <a:off x="3044357" y="510254"/>
+            <a:ext cx="1885311" cy="1683313"/>
+          </a:xfrm>
+          <a:prstGeom prst="rect">
+            <a:avLst/>
+          </a:prstGeom>
+          <a:noFill/>
+          <a:extLst>
+            <a:ext uri="{909E8E84-426E-40DD-AFC4-6F175D3DCCD1}">
+              <a14:hiddenFill xmlns:a14="http://schemas.microsoft.com/office/drawing/2010/main">
+                <a:solidFill>
+                  <a:srgbClr val="FFFFFF"/>
+                </a:solidFill>
+              </a14:hiddenFill>
+            </a:ext>
+          </a:extLst>
+        </p:spPr>
+      </p:pic>
+      <p:pic>
+        <p:nvPicPr>
+          <p:cNvPr id="2062" name="Picture 14">
+            <a:extLst>
+              <a:ext uri="{FF2B5EF4-FFF2-40B4-BE49-F238E27FC236}">
+                <a16:creationId xmlns:a16="http://schemas.microsoft.com/office/drawing/2014/main" id="{0C7A7FCB-E7A5-9C0F-F617-5496CE519B53}"/>
+              </a:ext>
+            </a:extLst>
+          </p:cNvPr>
+          <p:cNvPicPr>
+            <a:picLocks noChangeAspect="1" noChangeArrowheads="1"/>
+          </p:cNvPicPr>
+          <p:nvPr/>
+        </p:nvPicPr>
+        <p:blipFill>
+          <a:blip r:embed="rId3">
+            <a:extLst>
+              <a:ext uri="{28A0092B-C50C-407E-A947-70E740481C1C}">
+                <a14:useLocalDpi xmlns:a14="http://schemas.microsoft.com/office/drawing/2010/main" val="0"/>
+              </a:ext>
+            </a:extLst>
+          </a:blip>
+          <a:srcRect/>
+          <a:stretch>
+            <a:fillRect/>
+          </a:stretch>
+        </p:blipFill>
+        <p:spPr bwMode="auto">
+          <a:xfrm>
+            <a:off x="896735" y="510254"/>
+            <a:ext cx="1885311" cy="1683313"/>
+          </a:xfrm>
+          <a:prstGeom prst="rect">
+            <a:avLst/>
+          </a:prstGeom>
+          <a:noFill/>
+          <a:extLst>
+            <a:ext uri="{909E8E84-426E-40DD-AFC4-6F175D3DCCD1}">
+              <a14:hiddenFill xmlns:a14="http://schemas.microsoft.com/office/drawing/2010/main">
+                <a:solidFill>
+                  <a:srgbClr val="FFFFFF"/>
+                </a:solidFill>
+              </a14:hiddenFill>
+            </a:ext>
+          </a:extLst>
+        </p:spPr>
+      </p:pic>
+      <p:pic>
+        <p:nvPicPr>
+          <p:cNvPr id="2064" name="Picture 16">
+            <a:extLst>
+              <a:ext uri="{FF2B5EF4-FFF2-40B4-BE49-F238E27FC236}">
+                <a16:creationId xmlns:a16="http://schemas.microsoft.com/office/drawing/2014/main" id="{7C6EE49F-CA27-AD73-819B-7FA4FDF678CB}"/>
+              </a:ext>
+            </a:extLst>
+          </p:cNvPr>
+          <p:cNvPicPr>
+            <a:picLocks noChangeAspect="1" noChangeArrowheads="1"/>
+          </p:cNvPicPr>
+          <p:nvPr/>
+        </p:nvPicPr>
+        <p:blipFill>
+          <a:blip r:embed="rId4">
+            <a:extLst>
+              <a:ext uri="{28A0092B-C50C-407E-A947-70E740481C1C}">
+                <a14:useLocalDpi xmlns:a14="http://schemas.microsoft.com/office/drawing/2010/main" val="0"/>
+              </a:ext>
+            </a:extLst>
+          </a:blip>
+          <a:srcRect/>
+          <a:stretch>
+            <a:fillRect/>
+          </a:stretch>
+        </p:blipFill>
+        <p:spPr bwMode="auto">
+          <a:xfrm>
+            <a:off x="5197427" y="513405"/>
+            <a:ext cx="1882214" cy="1680549"/>
+          </a:xfrm>
+          <a:prstGeom prst="rect">
+            <a:avLst/>
+          </a:prstGeom>
+          <a:noFill/>
+          <a:extLst>
+            <a:ext uri="{909E8E84-426E-40DD-AFC4-6F175D3DCCD1}">
+              <a14:hiddenFill xmlns:a14="http://schemas.microsoft.com/office/drawing/2010/main">
+                <a:solidFill>
+                  <a:srgbClr val="FFFFFF"/>
+                </a:solidFill>
+              </a14:hiddenFill>
+            </a:ext>
+          </a:extLst>
+        </p:spPr>
+      </p:pic>
+      <p:pic>
+        <p:nvPicPr>
+          <p:cNvPr id="2066" name="Picture 18">
+            <a:extLst>
+              <a:ext uri="{FF2B5EF4-FFF2-40B4-BE49-F238E27FC236}">
+                <a16:creationId xmlns:a16="http://schemas.microsoft.com/office/drawing/2014/main" id="{34E4E79E-062F-4DC7-FDBE-68D663D95D10}"/>
+              </a:ext>
+            </a:extLst>
+          </p:cNvPr>
+          <p:cNvPicPr>
+            <a:picLocks noChangeAspect="1" noChangeArrowheads="1"/>
+          </p:cNvPicPr>
+          <p:nvPr/>
+        </p:nvPicPr>
+        <p:blipFill>
+          <a:blip r:embed="rId5">
+            <a:extLst>
+              <a:ext uri="{28A0092B-C50C-407E-A947-70E740481C1C}">
+                <a14:useLocalDpi xmlns:a14="http://schemas.microsoft.com/office/drawing/2010/main" val="0"/>
+              </a:ext>
+            </a:extLst>
+          </a:blip>
+          <a:srcRect/>
+          <a:stretch>
+            <a:fillRect/>
+          </a:stretch>
+        </p:blipFill>
+        <p:spPr bwMode="auto">
+          <a:xfrm>
+            <a:off x="896735" y="2061937"/>
+            <a:ext cx="1885311" cy="1683313"/>
+          </a:xfrm>
+          <a:prstGeom prst="rect">
+            <a:avLst/>
+          </a:prstGeom>
+          <a:noFill/>
+          <a:extLst>
+            <a:ext uri="{909E8E84-426E-40DD-AFC4-6F175D3DCCD1}">
+              <a14:hiddenFill xmlns:a14="http://schemas.microsoft.com/office/drawing/2010/main">
+                <a:solidFill>
+                  <a:srgbClr val="FFFFFF"/>
+                </a:solidFill>
+              </a14:hiddenFill>
+            </a:ext>
+          </a:extLst>
+        </p:spPr>
+      </p:pic>
+      <p:pic>
+        <p:nvPicPr>
+          <p:cNvPr id="2056" name="Picture 8">
+            <a:extLst>
+              <a:ext uri="{FF2B5EF4-FFF2-40B4-BE49-F238E27FC236}">
+                <a16:creationId xmlns:a16="http://schemas.microsoft.com/office/drawing/2014/main" id="{303F7F3F-F0D3-6202-BC72-AC8619C329EA}"/>
+              </a:ext>
+            </a:extLst>
+          </p:cNvPr>
+          <p:cNvPicPr>
+            <a:picLocks noChangeAspect="1" noChangeArrowheads="1"/>
+          </p:cNvPicPr>
+          <p:nvPr/>
+        </p:nvPicPr>
+        <p:blipFill>
+          <a:blip r:embed="rId6">
+            <a:extLst>
+              <a:ext uri="{28A0092B-C50C-407E-A947-70E740481C1C}">
+                <a14:useLocalDpi xmlns:a14="http://schemas.microsoft.com/office/drawing/2010/main" val="0"/>
+              </a:ext>
+            </a:extLst>
+          </a:blip>
+          <a:srcRect/>
+          <a:stretch>
+            <a:fillRect/>
+          </a:stretch>
+        </p:blipFill>
+        <p:spPr bwMode="auto">
+          <a:xfrm>
+            <a:off x="891287" y="3595372"/>
+            <a:ext cx="1885311" cy="1683313"/>
+          </a:xfrm>
+          <a:prstGeom prst="rect">
+            <a:avLst/>
+          </a:prstGeom>
+          <a:noFill/>
+          <a:extLst>
+            <a:ext uri="{909E8E84-426E-40DD-AFC4-6F175D3DCCD1}">
+              <a14:hiddenFill xmlns:a14="http://schemas.microsoft.com/office/drawing/2010/main">
+                <a:solidFill>
+                  <a:srgbClr val="FFFFFF"/>
+                </a:solidFill>
+              </a14:hiddenFill>
+            </a:ext>
+          </a:extLst>
+        </p:spPr>
+      </p:pic>
+      <p:pic>
+        <p:nvPicPr>
+          <p:cNvPr id="2068" name="Picture 20">
+            <a:extLst>
+              <a:ext uri="{FF2B5EF4-FFF2-40B4-BE49-F238E27FC236}">
+                <a16:creationId xmlns:a16="http://schemas.microsoft.com/office/drawing/2014/main" id="{B28B5F13-2236-5FF8-6854-B781F24DA471}"/>
+              </a:ext>
+            </a:extLst>
+          </p:cNvPr>
+          <p:cNvPicPr>
+            <a:picLocks noChangeAspect="1" noChangeArrowheads="1"/>
+          </p:cNvPicPr>
+          <p:nvPr/>
+        </p:nvPicPr>
+        <p:blipFill>
+          <a:blip r:embed="rId7">
+            <a:extLst>
+              <a:ext uri="{28A0092B-C50C-407E-A947-70E740481C1C}">
+                <a14:useLocalDpi xmlns:a14="http://schemas.microsoft.com/office/drawing/2010/main" val="0"/>
+              </a:ext>
+            </a:extLst>
+          </a:blip>
+          <a:srcRect/>
+          <a:stretch>
+            <a:fillRect/>
+          </a:stretch>
+        </p:blipFill>
+        <p:spPr bwMode="auto">
+          <a:xfrm>
+            <a:off x="3044357" y="2052813"/>
+            <a:ext cx="1885311" cy="1683313"/>
+          </a:xfrm>
+          <a:prstGeom prst="rect">
+            <a:avLst/>
+          </a:prstGeom>
+          <a:noFill/>
+          <a:extLst>
+            <a:ext uri="{909E8E84-426E-40DD-AFC4-6F175D3DCCD1}">
+              <a14:hiddenFill xmlns:a14="http://schemas.microsoft.com/office/drawing/2010/main">
+                <a:solidFill>
+                  <a:srgbClr val="FFFFFF"/>
+                </a:solidFill>
+              </a14:hiddenFill>
+            </a:ext>
+          </a:extLst>
+        </p:spPr>
+      </p:pic>
+      <p:pic>
+        <p:nvPicPr>
+          <p:cNvPr id="2052" name="Picture 4">
+            <a:extLst>
+              <a:ext uri="{FF2B5EF4-FFF2-40B4-BE49-F238E27FC236}">
+                <a16:creationId xmlns:a16="http://schemas.microsoft.com/office/drawing/2014/main" id="{2CC8B042-E16B-E007-E8B7-B581DE837665}"/>
+              </a:ext>
+            </a:extLst>
+          </p:cNvPr>
+          <p:cNvPicPr>
+            <a:picLocks noChangeAspect="1" noChangeArrowheads="1"/>
+          </p:cNvPicPr>
+          <p:nvPr/>
+        </p:nvPicPr>
+        <p:blipFill>
+          <a:blip r:embed="rId8">
+            <a:extLst>
+              <a:ext uri="{28A0092B-C50C-407E-A947-70E740481C1C}">
+                <a14:useLocalDpi xmlns:a14="http://schemas.microsoft.com/office/drawing/2010/main" val="0"/>
+              </a:ext>
+            </a:extLst>
+          </a:blip>
+          <a:srcRect/>
+          <a:stretch>
+            <a:fillRect/>
+          </a:stretch>
+        </p:blipFill>
+        <p:spPr bwMode="auto">
+          <a:xfrm>
+            <a:off x="3041633" y="3595371"/>
+            <a:ext cx="1885311" cy="1683313"/>
+          </a:xfrm>
+          <a:prstGeom prst="rect">
+            <a:avLst/>
+          </a:prstGeom>
+          <a:noFill/>
+          <a:extLst>
+            <a:ext uri="{909E8E84-426E-40DD-AFC4-6F175D3DCCD1}">
+              <a14:hiddenFill xmlns:a14="http://schemas.microsoft.com/office/drawing/2010/main">
+                <a:solidFill>
+                  <a:srgbClr val="FFFFFF"/>
+                </a:solidFill>
+              </a14:hiddenFill>
+            </a:ext>
+          </a:extLst>
+        </p:spPr>
+      </p:pic>
+      <p:pic>
+        <p:nvPicPr>
+          <p:cNvPr id="2070" name="Picture 22">
+            <a:extLst>
+              <a:ext uri="{FF2B5EF4-FFF2-40B4-BE49-F238E27FC236}">
+                <a16:creationId xmlns:a16="http://schemas.microsoft.com/office/drawing/2014/main" id="{91DE61C1-EE93-FD15-8EFC-5D97D6E3F325}"/>
+              </a:ext>
+            </a:extLst>
+          </p:cNvPr>
+          <p:cNvPicPr>
+            <a:picLocks noChangeAspect="1" noChangeArrowheads="1"/>
+          </p:cNvPicPr>
+          <p:nvPr/>
+        </p:nvPicPr>
+        <p:blipFill>
+          <a:blip r:embed="rId9">
+            <a:extLst>
+              <a:ext uri="{28A0092B-C50C-407E-A947-70E740481C1C}">
+                <a14:useLocalDpi xmlns:a14="http://schemas.microsoft.com/office/drawing/2010/main" val="0"/>
+              </a:ext>
+            </a:extLst>
+          </a:blip>
+          <a:srcRect/>
+          <a:stretch>
+            <a:fillRect/>
+          </a:stretch>
+        </p:blipFill>
+        <p:spPr bwMode="auto">
+          <a:xfrm>
+            <a:off x="5194703" y="2052813"/>
+            <a:ext cx="1880016" cy="1678586"/>
+          </a:xfrm>
+          <a:prstGeom prst="rect">
+            <a:avLst/>
+          </a:prstGeom>
+          <a:noFill/>
+          <a:extLst>
+            <a:ext uri="{909E8E84-426E-40DD-AFC4-6F175D3DCCD1}">
+              <a14:hiddenFill xmlns:a14="http://schemas.microsoft.com/office/drawing/2010/main">
+                <a:solidFill>
+                  <a:srgbClr val="FFFFFF"/>
+                </a:solidFill>
+              </a14:hiddenFill>
+            </a:ext>
+          </a:extLst>
+        </p:spPr>
+      </p:pic>
+      <p:pic>
+        <p:nvPicPr>
+          <p:cNvPr id="2054" name="Picture 6">
+            <a:extLst>
+              <a:ext uri="{FF2B5EF4-FFF2-40B4-BE49-F238E27FC236}">
+                <a16:creationId xmlns:a16="http://schemas.microsoft.com/office/drawing/2014/main" id="{8D1E800C-FE48-CB07-2EC1-6EBE3171327B}"/>
+              </a:ext>
+            </a:extLst>
+          </p:cNvPr>
+          <p:cNvPicPr>
+            <a:picLocks noChangeAspect="1" noChangeArrowheads="1"/>
+          </p:cNvPicPr>
+          <p:nvPr/>
+        </p:nvPicPr>
+        <p:blipFill>
+          <a:blip r:embed="rId10">
+            <a:extLst>
+              <a:ext uri="{28A0092B-C50C-407E-A947-70E740481C1C}">
+                <a14:useLocalDpi xmlns:a14="http://schemas.microsoft.com/office/drawing/2010/main" val="0"/>
+              </a:ext>
+            </a:extLst>
+          </a:blip>
+          <a:srcRect/>
+          <a:stretch>
+            <a:fillRect/>
+          </a:stretch>
+        </p:blipFill>
+        <p:spPr bwMode="auto">
+          <a:xfrm>
+            <a:off x="5170275" y="3595371"/>
+            <a:ext cx="1885311" cy="1683313"/>
+          </a:xfrm>
+          <a:prstGeom prst="rect">
+            <a:avLst/>
+          </a:prstGeom>
+          <a:noFill/>
+          <a:extLst>
+            <a:ext uri="{909E8E84-426E-40DD-AFC4-6F175D3DCCD1}">
+              <a14:hiddenFill xmlns:a14="http://schemas.microsoft.com/office/drawing/2010/main">
+                <a:solidFill>
+                  <a:srgbClr val="FFFFFF"/>
+                </a:solidFill>
+              </a14:hiddenFill>
+            </a:ext>
+          </a:extLst>
+        </p:spPr>
+      </p:pic>
+      <p:pic>
+        <p:nvPicPr>
+          <p:cNvPr id="2072" name="Picture 24">
+            <a:extLst>
+              <a:ext uri="{FF2B5EF4-FFF2-40B4-BE49-F238E27FC236}">
+                <a16:creationId xmlns:a16="http://schemas.microsoft.com/office/drawing/2014/main" id="{85BADC7C-1B11-C1A5-F2D1-92C4D822A999}"/>
+              </a:ext>
+            </a:extLst>
+          </p:cNvPr>
+          <p:cNvPicPr>
+            <a:picLocks noChangeAspect="1" noChangeArrowheads="1"/>
+          </p:cNvPicPr>
+          <p:nvPr/>
+        </p:nvPicPr>
+        <p:blipFill>
+          <a:blip r:embed="rId11">
+            <a:extLst>
+              <a:ext uri="{28A0092B-C50C-407E-A947-70E740481C1C}">
+                <a14:useLocalDpi xmlns:a14="http://schemas.microsoft.com/office/drawing/2010/main" val="0"/>
+              </a:ext>
+            </a:extLst>
+          </a:blip>
+          <a:srcRect/>
+          <a:stretch>
+            <a:fillRect/>
+          </a:stretch>
+        </p:blipFill>
+        <p:spPr bwMode="auto">
+          <a:xfrm>
+            <a:off x="3017205" y="5131809"/>
+            <a:ext cx="1892165" cy="1689433"/>
+          </a:xfrm>
+          <a:prstGeom prst="rect">
+            <a:avLst/>
+          </a:prstGeom>
+          <a:noFill/>
+          <a:extLst>
+            <a:ext uri="{909E8E84-426E-40DD-AFC4-6F175D3DCCD1}">
+              <a14:hiddenFill xmlns:a14="http://schemas.microsoft.com/office/drawing/2010/main">
+                <a:solidFill>
+                  <a:srgbClr val="FFFFFF"/>
+                </a:solidFill>
+              </a14:hiddenFill>
+            </a:ext>
+          </a:extLst>
+        </p:spPr>
+      </p:pic>
+      <p:pic>
+        <p:nvPicPr>
+          <p:cNvPr id="2074" name="Picture 26">
+            <a:extLst>
+              <a:ext uri="{FF2B5EF4-FFF2-40B4-BE49-F238E27FC236}">
+                <a16:creationId xmlns:a16="http://schemas.microsoft.com/office/drawing/2014/main" id="{FE0537CF-5A03-213E-3FEB-56941AFF51D8}"/>
+              </a:ext>
+            </a:extLst>
+          </p:cNvPr>
+          <p:cNvPicPr>
+            <a:picLocks noChangeAspect="1" noChangeArrowheads="1"/>
+          </p:cNvPicPr>
+          <p:nvPr/>
+        </p:nvPicPr>
+        <p:blipFill>
+          <a:blip r:embed="rId12">
+            <a:extLst>
+              <a:ext uri="{28A0092B-C50C-407E-A947-70E740481C1C}">
+                <a14:useLocalDpi xmlns:a14="http://schemas.microsoft.com/office/drawing/2010/main" val="0"/>
+              </a:ext>
+            </a:extLst>
+          </a:blip>
+          <a:srcRect/>
+          <a:stretch>
+            <a:fillRect/>
+          </a:stretch>
+        </p:blipFill>
+        <p:spPr bwMode="auto">
+          <a:xfrm>
+            <a:off x="5163421" y="5131808"/>
+            <a:ext cx="1892165" cy="1689433"/>
+          </a:xfrm>
+          <a:prstGeom prst="rect">
+            <a:avLst/>
+          </a:prstGeom>
+          <a:noFill/>
+          <a:extLst>
+            <a:ext uri="{909E8E84-426E-40DD-AFC4-6F175D3DCCD1}">
+              <a14:hiddenFill xmlns:a14="http://schemas.microsoft.com/office/drawing/2010/main">
+                <a:solidFill>
+                  <a:srgbClr val="FFFFFF"/>
+                </a:solidFill>
+              </a14:hiddenFill>
+            </a:ext>
+          </a:extLst>
+        </p:spPr>
+      </p:pic>
+      <p:pic>
+        <p:nvPicPr>
+          <p:cNvPr id="2076" name="Picture 28">
+            <a:extLst>
+              <a:ext uri="{FF2B5EF4-FFF2-40B4-BE49-F238E27FC236}">
+                <a16:creationId xmlns:a16="http://schemas.microsoft.com/office/drawing/2014/main" id="{C962B83A-771B-BE1B-D62C-9CBCC65640FB}"/>
+              </a:ext>
+            </a:extLst>
+          </p:cNvPr>
+          <p:cNvPicPr>
+            <a:picLocks noChangeAspect="1" noChangeArrowheads="1"/>
+          </p:cNvPicPr>
+          <p:nvPr/>
+        </p:nvPicPr>
+        <p:blipFill>
+          <a:blip r:embed="rId13">
+            <a:extLst>
+              <a:ext uri="{28A0092B-C50C-407E-A947-70E740481C1C}">
+                <a14:useLocalDpi xmlns:a14="http://schemas.microsoft.com/office/drawing/2010/main" val="0"/>
+              </a:ext>
+            </a:extLst>
+          </a:blip>
+          <a:srcRect/>
+          <a:stretch>
+            <a:fillRect/>
+          </a:stretch>
+        </p:blipFill>
+        <p:spPr bwMode="auto">
+          <a:xfrm>
+            <a:off x="870989" y="5150187"/>
+            <a:ext cx="1892165" cy="1689433"/>
+          </a:xfrm>
+          <a:prstGeom prst="rect">
+            <a:avLst/>
+          </a:prstGeom>
+          <a:noFill/>
+          <a:extLst>
+            <a:ext uri="{909E8E84-426E-40DD-AFC4-6F175D3DCCD1}">
+              <a14:hiddenFill xmlns:a14="http://schemas.microsoft.com/office/drawing/2010/main">
+                <a:solidFill>
+                  <a:srgbClr val="FFFFFF"/>
+                </a:solidFill>
+              </a14:hiddenFill>
+            </a:ext>
+          </a:extLst>
+        </p:spPr>
+      </p:pic>
+      <p:pic>
+        <p:nvPicPr>
+          <p:cNvPr id="1026" name="Picture 2">
+            <a:extLst>
+              <a:ext uri="{FF2B5EF4-FFF2-40B4-BE49-F238E27FC236}">
+                <a16:creationId xmlns:a16="http://schemas.microsoft.com/office/drawing/2014/main" id="{4D9ADC96-CDB2-CFB1-B6E9-A9810048BA5D}"/>
+              </a:ext>
+            </a:extLst>
+          </p:cNvPr>
+          <p:cNvPicPr>
+            <a:picLocks noChangeAspect="1" noChangeArrowheads="1"/>
+          </p:cNvPicPr>
+          <p:nvPr/>
+        </p:nvPicPr>
+        <p:blipFill>
+          <a:blip r:embed="rId14">
+            <a:extLst>
+              <a:ext uri="{28A0092B-C50C-407E-A947-70E740481C1C}">
+                <a14:useLocalDpi xmlns:a14="http://schemas.microsoft.com/office/drawing/2010/main" val="0"/>
+              </a:ext>
+            </a:extLst>
+          </a:blip>
+          <a:srcRect/>
+          <a:stretch>
+            <a:fillRect/>
+          </a:stretch>
+        </p:blipFill>
+        <p:spPr bwMode="auto">
+          <a:xfrm>
+            <a:off x="8555889" y="3523223"/>
+            <a:ext cx="2297598" cy="2051427"/>
+          </a:xfrm>
+          <a:prstGeom prst="rect">
+            <a:avLst/>
+          </a:prstGeom>
+          <a:noFill/>
+          <a:extLst>
+            <a:ext uri="{909E8E84-426E-40DD-AFC4-6F175D3DCCD1}">
+              <a14:hiddenFill xmlns:a14="http://schemas.microsoft.com/office/drawing/2010/main">
+                <a:solidFill>
+                  <a:srgbClr val="FFFFFF"/>
+                </a:solidFill>
+              </a14:hiddenFill>
+            </a:ext>
+          </a:extLst>
+        </p:spPr>
+      </p:pic>
+      <p:cxnSp>
+        <p:nvCxnSpPr>
+          <p:cNvPr id="12" name="Straight Arrow Connector 11">
+            <a:extLst>
+              <a:ext uri="{FF2B5EF4-FFF2-40B4-BE49-F238E27FC236}">
+                <a16:creationId xmlns:a16="http://schemas.microsoft.com/office/drawing/2014/main" id="{3374A8B7-3CB2-9A51-C0AB-FCFF7A50B8CA}"/>
+              </a:ext>
+            </a:extLst>
+          </p:cNvPr>
+          <p:cNvCxnSpPr>
+            <a:cxnSpLocks/>
+          </p:cNvCxnSpPr>
+          <p:nvPr/>
+        </p:nvCxnSpPr>
+        <p:spPr>
+          <a:xfrm flipV="1">
+            <a:off x="7219950" y="4829175"/>
+            <a:ext cx="1171575" cy="1000125"/>
+          </a:xfrm>
+          <a:prstGeom prst="straightConnector1">
+            <a:avLst/>
+          </a:prstGeom>
+          <a:ln w="28575">
+            <a:solidFill>
+              <a:srgbClr val="7030A0"/>
+            </a:solidFill>
+            <a:tailEnd type="triangle"/>
+          </a:ln>
+        </p:spPr>
+        <p:style>
+          <a:lnRef idx="1">
+            <a:schemeClr val="accent1"/>
+          </a:lnRef>
+          <a:fillRef idx="0">
+            <a:schemeClr val="accent1"/>
+          </a:fillRef>
+          <a:effectRef idx="0">
+            <a:schemeClr val="accent1"/>
+          </a:effectRef>
+          <a:fontRef idx="minor">
+            <a:schemeClr val="tx1"/>
+          </a:fontRef>
+        </p:style>
+      </p:cxnSp>
+      <p:sp>
+        <p:nvSpPr>
+          <p:cNvPr id="14" name="TextBox 13">
+            <a:extLst>
+              <a:ext uri="{FF2B5EF4-FFF2-40B4-BE49-F238E27FC236}">
+                <a16:creationId xmlns:a16="http://schemas.microsoft.com/office/drawing/2014/main" id="{73790AC0-381B-0A0E-5C76-E4F9F48DB819}"/>
+              </a:ext>
+            </a:extLst>
+          </p:cNvPr>
+          <p:cNvSpPr txBox="1"/>
+          <p:nvPr/>
+        </p:nvSpPr>
+        <p:spPr>
+          <a:xfrm>
+            <a:off x="7805737" y="2884584"/>
+            <a:ext cx="4143376" cy="646331"/>
+          </a:xfrm>
+          <a:prstGeom prst="rect">
+            <a:avLst/>
+          </a:prstGeom>
+          <a:noFill/>
+        </p:spPr>
+        <p:txBody>
+          <a:bodyPr wrap="square" rtlCol="0">
+            <a:spAutoFit/>
+          </a:bodyPr>
+          <a:lstStyle/>
+          <a:p>
+            <a:pPr algn="ctr"/>
+            <a:r>
+              <a:rPr lang="en-US" dirty="0"/>
+              <a:t>Desired “linearity” by tuning /thresh/ based on polymer density of expelled NFL</a:t>
+            </a:r>
+          </a:p>
+        </p:txBody>
+      </p:sp>
+      <p:cxnSp>
+        <p:nvCxnSpPr>
+          <p:cNvPr id="19" name="Straight Arrow Connector 18">
+            <a:extLst>
+              <a:ext uri="{FF2B5EF4-FFF2-40B4-BE49-F238E27FC236}">
+                <a16:creationId xmlns:a16="http://schemas.microsoft.com/office/drawing/2014/main" id="{BFFF52F8-D38F-7010-ED5B-F6B0A15CD23D}"/>
+              </a:ext>
+            </a:extLst>
+          </p:cNvPr>
+          <p:cNvCxnSpPr>
+            <a:cxnSpLocks/>
+          </p:cNvCxnSpPr>
+          <p:nvPr/>
+        </p:nvCxnSpPr>
+        <p:spPr>
+          <a:xfrm flipV="1">
+            <a:off x="7219950" y="1514475"/>
+            <a:ext cx="1171575" cy="1282513"/>
+          </a:xfrm>
+          <a:prstGeom prst="straightConnector1">
+            <a:avLst/>
+          </a:prstGeom>
+          <a:ln w="28575">
+            <a:solidFill>
+              <a:srgbClr val="7030A0"/>
+            </a:solidFill>
+            <a:tailEnd type="triangle"/>
+          </a:ln>
+        </p:spPr>
+        <p:style>
+          <a:lnRef idx="1">
+            <a:schemeClr val="accent1"/>
+          </a:lnRef>
+          <a:fillRef idx="0">
+            <a:schemeClr val="accent1"/>
+          </a:fillRef>
+          <a:effectRef idx="0">
+            <a:schemeClr val="accent1"/>
+          </a:effectRef>
+          <a:fontRef idx="minor">
+            <a:schemeClr val="tx1"/>
+          </a:fontRef>
+        </p:style>
+      </p:cxnSp>
+      <p:sp>
+        <p:nvSpPr>
+          <p:cNvPr id="33" name="TextBox 32">
+            <a:extLst>
+              <a:ext uri="{FF2B5EF4-FFF2-40B4-BE49-F238E27FC236}">
+                <a16:creationId xmlns:a16="http://schemas.microsoft.com/office/drawing/2014/main" id="{E51DF9D0-14D6-505B-E276-A939940D6952}"/>
+              </a:ext>
+            </a:extLst>
+          </p:cNvPr>
+          <p:cNvSpPr txBox="1"/>
+          <p:nvPr/>
+        </p:nvSpPr>
+        <p:spPr>
+          <a:xfrm>
+            <a:off x="7949154" y="5768239"/>
+            <a:ext cx="4090446" cy="923330"/>
+          </a:xfrm>
+          <a:prstGeom prst="rect">
+            <a:avLst/>
+          </a:prstGeom>
+          <a:noFill/>
+        </p:spPr>
+        <p:txBody>
+          <a:bodyPr wrap="square" rtlCol="0">
+            <a:spAutoFit/>
+          </a:bodyPr>
+          <a:lstStyle/>
+          <a:p>
+            <a:r>
+              <a:rPr lang="en-US" dirty="0"/>
+              <a:t>Comes at severe cost of overall height. Have to minimize outer concentration to approach pure thresh of 1e-06</a:t>
+            </a:r>
+          </a:p>
+        </p:txBody>
+      </p:sp>
+      <p:pic>
+        <p:nvPicPr>
+          <p:cNvPr id="3074" name="Picture 2">
+            <a:extLst>
+              <a:ext uri="{FF2B5EF4-FFF2-40B4-BE49-F238E27FC236}">
+                <a16:creationId xmlns:a16="http://schemas.microsoft.com/office/drawing/2014/main" id="{1B5E4114-CCF6-31E8-C536-37E18A8F879B}"/>
+              </a:ext>
+            </a:extLst>
+          </p:cNvPr>
+          <p:cNvPicPr>
+            <a:picLocks noChangeAspect="1" noChangeArrowheads="1"/>
+          </p:cNvPicPr>
+          <p:nvPr/>
+        </p:nvPicPr>
+        <p:blipFill>
+          <a:blip r:embed="rId15">
+            <a:extLst>
+              <a:ext uri="{28A0092B-C50C-407E-A947-70E740481C1C}">
+                <a14:useLocalDpi xmlns:a14="http://schemas.microsoft.com/office/drawing/2010/main" val="0"/>
+              </a:ext>
+            </a:extLst>
+          </a:blip>
+          <a:srcRect/>
+          <a:stretch>
+            <a:fillRect/>
+          </a:stretch>
+        </p:blipFill>
+        <p:spPr bwMode="auto">
+          <a:xfrm>
+            <a:off x="8440993" y="417971"/>
+            <a:ext cx="2527389" cy="2326569"/>
+          </a:xfrm>
+          <a:prstGeom prst="rect">
+            <a:avLst/>
+          </a:prstGeom>
+          <a:noFill/>
+          <a:extLst>
+            <a:ext uri="{909E8E84-426E-40DD-AFC4-6F175D3DCCD1}">
+              <a14:hiddenFill xmlns:a14="http://schemas.microsoft.com/office/drawing/2010/main">
+                <a:solidFill>
+                  <a:srgbClr val="FFFFFF"/>
+                </a:solidFill>
+              </a14:hiddenFill>
+            </a:ext>
+          </a:extLst>
+        </p:spPr>
+      </p:pic>
+    </p:spTree>
+    <p:extLst>
+      <p:ext uri="{BB962C8B-B14F-4D97-AF65-F5344CB8AC3E}">
+        <p14:creationId xmlns:p14="http://schemas.microsoft.com/office/powerpoint/2010/main" val="2717346132"/>
+      </p:ext>
+    </p:extLst>
+  </p:cSld>
+  <p:clrMapOvr>
+    <a:masterClrMapping/>
+  </p:clrMapOvr>
+</p:sld>
+</file>
+
+<file path=ppt/slides/slide8.xml><?xml version="1.0" encoding="utf-8"?>
+<p:sld xmlns:a="http://schemas.openxmlformats.org/drawingml/2006/main" xmlns:r="http://schemas.openxmlformats.org/officeDocument/2006/relationships" xmlns:p="http://schemas.openxmlformats.org/presentationml/2006/main">
+  <p:cSld>
+    <p:spTree>
+      <p:nvGrpSpPr>
+        <p:cNvPr id="1" name=""/>
+        <p:cNvGrpSpPr/>
+        <p:nvPr/>
+      </p:nvGrpSpPr>
+      <p:grpSpPr>
+        <a:xfrm>
+          <a:off x="0" y="0"/>
+          <a:ext cx="0" cy="0"/>
+          <a:chOff x="0" y="0"/>
+          <a:chExt cx="0" cy="0"/>
+        </a:xfrm>
+      </p:grpSpPr>
+      <p:sp>
+        <p:nvSpPr>
           <p:cNvPr id="3" name="Title 1">
             <a:extLst>
               <a:ext uri="{FF2B5EF4-FFF2-40B4-BE49-F238E27FC236}">

--- a/20230420 EAD Update.pptx
+++ b/20230420 EAD Update.pptx
@@ -12,7 +12,8 @@
     <p:sldId id="261" r:id="rId6"/>
     <p:sldId id="315" r:id="rId7"/>
     <p:sldId id="317" r:id="rId8"/>
-    <p:sldId id="259" r:id="rId9"/>
+    <p:sldId id="318" r:id="rId9"/>
+    <p:sldId id="259" r:id="rId10"/>
   </p:sldIdLst>
   <p:sldSz cx="12192000" cy="6858000"/>
   <p:notesSz cx="6858000" cy="9144000"/>
@@ -5923,8 +5924,8 @@
         </p:nvSpPr>
         <p:spPr>
           <a:xfrm>
-            <a:off x="925575" y="3361866"/>
-            <a:ext cx="2359492" cy="573486"/>
+            <a:off x="1200276" y="3340052"/>
+            <a:ext cx="1992417" cy="573486"/>
           </a:xfrm>
           <a:prstGeom prst="rect">
             <a:avLst/>
@@ -5963,10 +5964,10 @@
       </p:sp>
       <p:grpSp>
         <p:nvGrpSpPr>
-          <p:cNvPr id="10" name="Group 9">
-            <a:extLst>
-              <a:ext uri="{FF2B5EF4-FFF2-40B4-BE49-F238E27FC236}">
-                <a16:creationId xmlns:a16="http://schemas.microsoft.com/office/drawing/2014/main" id="{3B7F0F3C-F863-673A-49F1-32E047E27A45}"/>
+          <p:cNvPr id="36" name="Group 35">
+            <a:extLst>
+              <a:ext uri="{FF2B5EF4-FFF2-40B4-BE49-F238E27FC236}">
+                <a16:creationId xmlns:a16="http://schemas.microsoft.com/office/drawing/2014/main" id="{4B103B3B-E407-8F62-7BB5-66574D378505}"/>
               </a:ext>
             </a:extLst>
           </p:cNvPr>
@@ -5975,59 +5976,213 @@
         </p:nvGrpSpPr>
         <p:grpSpPr>
           <a:xfrm>
-            <a:off x="730452" y="4234375"/>
-            <a:ext cx="2293374" cy="369334"/>
-            <a:chOff x="2222351" y="1071235"/>
-            <a:chExt cx="2293374" cy="369334"/>
+            <a:off x="730452" y="4234374"/>
+            <a:ext cx="5431891" cy="911891"/>
+            <a:chOff x="730452" y="4234374"/>
+            <a:chExt cx="5431891" cy="911891"/>
           </a:xfrm>
         </p:grpSpPr>
-        <p:cxnSp>
-          <p:nvCxnSpPr>
-            <p:cNvPr id="11" name="Straight Arrow Connector 10">
+        <p:grpSp>
+          <p:nvGrpSpPr>
+            <p:cNvPr id="10" name="Group 9">
               <a:extLst>
                 <a:ext uri="{FF2B5EF4-FFF2-40B4-BE49-F238E27FC236}">
-                  <a16:creationId xmlns:a16="http://schemas.microsoft.com/office/drawing/2014/main" id="{741634BB-7BFB-1C91-E8A8-04F2DED684FA}"/>
+                  <a16:creationId xmlns:a16="http://schemas.microsoft.com/office/drawing/2014/main" id="{3B7F0F3C-F863-673A-49F1-32E047E27A45}"/>
                 </a:ext>
               </a:extLst>
             </p:cNvPr>
-            <p:cNvCxnSpPr>
-              <a:cxnSpLocks/>
-            </p:cNvCxnSpPr>
+            <p:cNvGrpSpPr/>
             <p:nvPr/>
-          </p:nvCxnSpPr>
-          <p:spPr>
-            <a:xfrm flipH="1">
-              <a:off x="2222351" y="1440569"/>
-              <a:ext cx="2293374" cy="0"/>
+          </p:nvGrpSpPr>
+          <p:grpSpPr>
+            <a:xfrm>
+              <a:off x="730452" y="4234375"/>
+              <a:ext cx="2293374" cy="369334"/>
+              <a:chOff x="2222351" y="1071235"/>
+              <a:chExt cx="2293374" cy="369334"/>
             </a:xfrm>
-            <a:prstGeom prst="straightConnector1">
-              <a:avLst/>
-            </a:prstGeom>
-            <a:ln w="38100">
-              <a:tailEnd type="triangle"/>
-            </a:ln>
-          </p:spPr>
-          <p:style>
-            <a:lnRef idx="1">
-              <a:schemeClr val="accent1"/>
-            </a:lnRef>
-            <a:fillRef idx="0">
-              <a:schemeClr val="accent1"/>
-            </a:fillRef>
-            <a:effectRef idx="0">
-              <a:schemeClr val="accent1"/>
-            </a:effectRef>
-            <a:fontRef idx="minor">
-              <a:schemeClr val="tx1"/>
-            </a:fontRef>
-          </p:style>
-        </p:cxnSp>
+          </p:grpSpPr>
+          <p:cxnSp>
+            <p:nvCxnSpPr>
+              <p:cNvPr id="11" name="Straight Arrow Connector 10">
+                <a:extLst>
+                  <a:ext uri="{FF2B5EF4-FFF2-40B4-BE49-F238E27FC236}">
+                    <a16:creationId xmlns:a16="http://schemas.microsoft.com/office/drawing/2014/main" id="{741634BB-7BFB-1C91-E8A8-04F2DED684FA}"/>
+                  </a:ext>
+                </a:extLst>
+              </p:cNvPr>
+              <p:cNvCxnSpPr>
+                <a:cxnSpLocks/>
+              </p:cNvCxnSpPr>
+              <p:nvPr/>
+            </p:nvCxnSpPr>
+            <p:spPr>
+              <a:xfrm flipH="1">
+                <a:off x="2222351" y="1440569"/>
+                <a:ext cx="2293374" cy="0"/>
+              </a:xfrm>
+              <a:prstGeom prst="straightConnector1">
+                <a:avLst/>
+              </a:prstGeom>
+              <a:ln w="38100">
+                <a:tailEnd type="triangle"/>
+              </a:ln>
+            </p:spPr>
+            <p:style>
+              <a:lnRef idx="1">
+                <a:schemeClr val="accent1"/>
+              </a:lnRef>
+              <a:fillRef idx="0">
+                <a:schemeClr val="accent1"/>
+              </a:fillRef>
+              <a:effectRef idx="0">
+                <a:schemeClr val="accent1"/>
+              </a:effectRef>
+              <a:fontRef idx="minor">
+                <a:schemeClr val="tx1"/>
+              </a:fontRef>
+            </p:style>
+          </p:cxnSp>
+          <p:sp>
+            <p:nvSpPr>
+              <p:cNvPr id="14" name="TextBox 13">
+                <a:extLst>
+                  <a:ext uri="{FF2B5EF4-FFF2-40B4-BE49-F238E27FC236}">
+                    <a16:creationId xmlns:a16="http://schemas.microsoft.com/office/drawing/2014/main" id="{EA1DD92B-5AF0-CFEE-8881-C0E1DF886FB0}"/>
+                  </a:ext>
+                </a:extLst>
+              </p:cNvPr>
+              <p:cNvSpPr txBox="1"/>
+              <p:nvPr/>
+            </p:nvSpPr>
+            <p:spPr>
+              <a:xfrm>
+                <a:off x="2298502" y="1071235"/>
+                <a:ext cx="2217223" cy="369332"/>
+              </a:xfrm>
+              <a:prstGeom prst="rect">
+                <a:avLst/>
+              </a:prstGeom>
+              <a:noFill/>
+            </p:spPr>
+            <p:txBody>
+              <a:bodyPr wrap="square" rtlCol="0">
+                <a:spAutoFit/>
+              </a:bodyPr>
+              <a:lstStyle/>
+              <a:p>
+                <a:pPr algn="r"/>
+                <a:r>
+                  <a:rPr lang="en-US" dirty="0"/>
+                  <a:t>H Vol decrease (by v)</a:t>
+                </a:r>
+              </a:p>
+            </p:txBody>
+          </p:sp>
+        </p:grpSp>
+        <p:grpSp>
+          <p:nvGrpSpPr>
+            <p:cNvPr id="15" name="Group 14">
+              <a:extLst>
+                <a:ext uri="{FF2B5EF4-FFF2-40B4-BE49-F238E27FC236}">
+                  <a16:creationId xmlns:a16="http://schemas.microsoft.com/office/drawing/2014/main" id="{A92325E5-6E40-3D1E-C031-B69302AF2340}"/>
+                </a:ext>
+              </a:extLst>
+            </p:cNvPr>
+            <p:cNvGrpSpPr/>
+            <p:nvPr/>
+          </p:nvGrpSpPr>
+          <p:grpSpPr>
+            <a:xfrm>
+              <a:off x="3871777" y="4234374"/>
+              <a:ext cx="2290566" cy="369333"/>
+              <a:chOff x="6799035" y="1030658"/>
+              <a:chExt cx="2290566" cy="369333"/>
+            </a:xfrm>
+          </p:grpSpPr>
+          <p:cxnSp>
+            <p:nvCxnSpPr>
+              <p:cNvPr id="16" name="Straight Arrow Connector 15">
+                <a:extLst>
+                  <a:ext uri="{FF2B5EF4-FFF2-40B4-BE49-F238E27FC236}">
+                    <a16:creationId xmlns:a16="http://schemas.microsoft.com/office/drawing/2014/main" id="{FF088504-945A-DA56-8B2E-BF09F8348934}"/>
+                  </a:ext>
+                </a:extLst>
+              </p:cNvPr>
+              <p:cNvCxnSpPr>
+                <a:cxnSpLocks/>
+              </p:cNvCxnSpPr>
+              <p:nvPr/>
+            </p:nvCxnSpPr>
+            <p:spPr>
+              <a:xfrm>
+                <a:off x="6801031" y="1399991"/>
+                <a:ext cx="2288570" cy="0"/>
+              </a:xfrm>
+              <a:prstGeom prst="straightConnector1">
+                <a:avLst/>
+              </a:prstGeom>
+              <a:ln w="38100">
+                <a:tailEnd type="triangle"/>
+              </a:ln>
+            </p:spPr>
+            <p:style>
+              <a:lnRef idx="1">
+                <a:schemeClr val="accent1"/>
+              </a:lnRef>
+              <a:fillRef idx="0">
+                <a:schemeClr val="accent1"/>
+              </a:fillRef>
+              <a:effectRef idx="0">
+                <a:schemeClr val="accent1"/>
+              </a:effectRef>
+              <a:fontRef idx="minor">
+                <a:schemeClr val="tx1"/>
+              </a:fontRef>
+            </p:style>
+          </p:cxnSp>
+          <p:sp>
+            <p:nvSpPr>
+              <p:cNvPr id="17" name="TextBox 16">
+                <a:extLst>
+                  <a:ext uri="{FF2B5EF4-FFF2-40B4-BE49-F238E27FC236}">
+                    <a16:creationId xmlns:a16="http://schemas.microsoft.com/office/drawing/2014/main" id="{CF942569-4204-9396-7A69-B44D8066F959}"/>
+                  </a:ext>
+                </a:extLst>
+              </p:cNvPr>
+              <p:cNvSpPr txBox="1"/>
+              <p:nvPr/>
+            </p:nvSpPr>
+            <p:spPr>
+              <a:xfrm>
+                <a:off x="6799035" y="1030658"/>
+                <a:ext cx="2217223" cy="369332"/>
+              </a:xfrm>
+              <a:prstGeom prst="rect">
+                <a:avLst/>
+              </a:prstGeom>
+              <a:noFill/>
+            </p:spPr>
+            <p:txBody>
+              <a:bodyPr wrap="square" rtlCol="0">
+                <a:spAutoFit/>
+              </a:bodyPr>
+              <a:lstStyle/>
+              <a:p>
+                <a:r>
+                  <a:rPr lang="en-US" dirty="0"/>
+                  <a:t>H Vol decrease (by b)</a:t>
+                </a:r>
+              </a:p>
+            </p:txBody>
+          </p:sp>
+        </p:grpSp>
         <p:sp>
           <p:nvSpPr>
-            <p:cNvPr id="14" name="TextBox 13">
+            <p:cNvPr id="18" name="TextBox 17">
               <a:extLst>
                 <a:ext uri="{FF2B5EF4-FFF2-40B4-BE49-F238E27FC236}">
-                  <a16:creationId xmlns:a16="http://schemas.microsoft.com/office/drawing/2014/main" id="{EA1DD92B-5AF0-CFEE-8881-C0E1DF886FB0}"/>
+                  <a16:creationId xmlns:a16="http://schemas.microsoft.com/office/drawing/2014/main" id="{2F6F5AAF-A647-FC43-EA4B-9C8FDBE365BD}"/>
                 </a:ext>
               </a:extLst>
             </p:cNvPr>
@@ -6036,8 +6191,8 @@
           </p:nvSpPr>
           <p:spPr>
             <a:xfrm>
-              <a:off x="2298502" y="1071235"/>
-              <a:ext cx="2217223" cy="369332"/>
+              <a:off x="3192693" y="4684600"/>
+              <a:ext cx="441553" cy="461665"/>
             </a:xfrm>
             <a:prstGeom prst="rect">
               <a:avLst/>
@@ -6050,82 +6205,20 @@
             </a:bodyPr>
             <a:lstStyle/>
             <a:p>
-              <a:pPr algn="r"/>
+              <a:pPr algn="ctr"/>
               <a:r>
-                <a:rPr lang="en-US" dirty="0"/>
-                <a:t>H Vol decrease (by v)</a:t>
+                <a:rPr lang="en-US" sz="2400" b="1" dirty="0"/>
+                <a:t>D</a:t>
               </a:r>
             </a:p>
           </p:txBody>
         </p:sp>
-      </p:grpSp>
-      <p:grpSp>
-        <p:nvGrpSpPr>
-          <p:cNvPr id="15" name="Group 14">
-            <a:extLst>
-              <a:ext uri="{FF2B5EF4-FFF2-40B4-BE49-F238E27FC236}">
-                <a16:creationId xmlns:a16="http://schemas.microsoft.com/office/drawing/2014/main" id="{A92325E5-6E40-3D1E-C031-B69302AF2340}"/>
-              </a:ext>
-            </a:extLst>
-          </p:cNvPr>
-          <p:cNvGrpSpPr/>
-          <p:nvPr/>
-        </p:nvGrpSpPr>
-        <p:grpSpPr>
-          <a:xfrm>
-            <a:off x="3871777" y="4234374"/>
-            <a:ext cx="2290566" cy="369333"/>
-            <a:chOff x="6799035" y="1030658"/>
-            <a:chExt cx="2290566" cy="369333"/>
-          </a:xfrm>
-        </p:grpSpPr>
-        <p:cxnSp>
-          <p:nvCxnSpPr>
-            <p:cNvPr id="16" name="Straight Arrow Connector 15">
+        <p:sp>
+          <p:nvSpPr>
+            <p:cNvPr id="20" name="TextBox 19">
               <a:extLst>
                 <a:ext uri="{FF2B5EF4-FFF2-40B4-BE49-F238E27FC236}">
-                  <a16:creationId xmlns:a16="http://schemas.microsoft.com/office/drawing/2014/main" id="{FF088504-945A-DA56-8B2E-BF09F8348934}"/>
-                </a:ext>
-              </a:extLst>
-            </p:cNvPr>
-            <p:cNvCxnSpPr>
-              <a:cxnSpLocks/>
-            </p:cNvCxnSpPr>
-            <p:nvPr/>
-          </p:nvCxnSpPr>
-          <p:spPr>
-            <a:xfrm>
-              <a:off x="6801031" y="1399991"/>
-              <a:ext cx="2288570" cy="0"/>
-            </a:xfrm>
-            <a:prstGeom prst="straightConnector1">
-              <a:avLst/>
-            </a:prstGeom>
-            <a:ln w="38100">
-              <a:tailEnd type="triangle"/>
-            </a:ln>
-          </p:spPr>
-          <p:style>
-            <a:lnRef idx="1">
-              <a:schemeClr val="accent1"/>
-            </a:lnRef>
-            <a:fillRef idx="0">
-              <a:schemeClr val="accent1"/>
-            </a:fillRef>
-            <a:effectRef idx="0">
-              <a:schemeClr val="accent1"/>
-            </a:effectRef>
-            <a:fontRef idx="minor">
-              <a:schemeClr val="tx1"/>
-            </a:fontRef>
-          </p:style>
-        </p:cxnSp>
-        <p:sp>
-          <p:nvSpPr>
-            <p:cNvPr id="17" name="TextBox 16">
-              <a:extLst>
-                <a:ext uri="{FF2B5EF4-FFF2-40B4-BE49-F238E27FC236}">
-                  <a16:creationId xmlns:a16="http://schemas.microsoft.com/office/drawing/2014/main" id="{CF942569-4204-9396-7A69-B44D8066F959}"/>
+                  <a16:creationId xmlns:a16="http://schemas.microsoft.com/office/drawing/2014/main" id="{C2E8B93C-29F2-6AF9-8C28-68533DFF9951}"/>
                 </a:ext>
               </a:extLst>
             </p:cNvPr>
@@ -6134,8 +6227,8 @@
           </p:nvSpPr>
           <p:spPr>
             <a:xfrm>
-              <a:off x="6799035" y="1030658"/>
-              <a:ext cx="2217223" cy="369332"/>
+              <a:off x="960450" y="4684599"/>
+              <a:ext cx="441553" cy="461665"/>
             </a:xfrm>
             <a:prstGeom prst="rect">
               <a:avLst/>
@@ -6148,333 +6241,20 @@
             </a:bodyPr>
             <a:lstStyle/>
             <a:p>
+              <a:pPr algn="ctr"/>
               <a:r>
-                <a:rPr lang="en-US" dirty="0"/>
-                <a:t>H Vol decrease (by b)</a:t>
+                <a:rPr lang="en-US" sz="2400" b="1" dirty="0"/>
+                <a:t>C</a:t>
               </a:r>
             </a:p>
           </p:txBody>
         </p:sp>
-      </p:grpSp>
-      <p:sp>
-        <p:nvSpPr>
-          <p:cNvPr id="18" name="TextBox 17">
-            <a:extLst>
-              <a:ext uri="{FF2B5EF4-FFF2-40B4-BE49-F238E27FC236}">
-                <a16:creationId xmlns:a16="http://schemas.microsoft.com/office/drawing/2014/main" id="{2F6F5AAF-A647-FC43-EA4B-9C8FDBE365BD}"/>
-              </a:ext>
-            </a:extLst>
-          </p:cNvPr>
-          <p:cNvSpPr txBox="1"/>
-          <p:nvPr/>
-        </p:nvSpPr>
-        <p:spPr>
-          <a:xfrm>
-            <a:off x="3192693" y="4684600"/>
-            <a:ext cx="441553" cy="461665"/>
-          </a:xfrm>
-          <a:prstGeom prst="rect">
-            <a:avLst/>
-          </a:prstGeom>
-          <a:noFill/>
-        </p:spPr>
-        <p:txBody>
-          <a:bodyPr wrap="square" rtlCol="0">
-            <a:spAutoFit/>
-          </a:bodyPr>
-          <a:lstStyle/>
-          <a:p>
-            <a:pPr algn="ctr"/>
-            <a:r>
-              <a:rPr lang="en-US" sz="2400" b="1" dirty="0"/>
-              <a:t>D</a:t>
-            </a:r>
-          </a:p>
-        </p:txBody>
-      </p:sp>
-      <p:sp>
-        <p:nvSpPr>
-          <p:cNvPr id="20" name="TextBox 19">
-            <a:extLst>
-              <a:ext uri="{FF2B5EF4-FFF2-40B4-BE49-F238E27FC236}">
-                <a16:creationId xmlns:a16="http://schemas.microsoft.com/office/drawing/2014/main" id="{C2E8B93C-29F2-6AF9-8C28-68533DFF9951}"/>
-              </a:ext>
-            </a:extLst>
-          </p:cNvPr>
-          <p:cNvSpPr txBox="1"/>
-          <p:nvPr/>
-        </p:nvSpPr>
-        <p:spPr>
-          <a:xfrm>
-            <a:off x="960450" y="4684599"/>
-            <a:ext cx="441553" cy="461665"/>
-          </a:xfrm>
-          <a:prstGeom prst="rect">
-            <a:avLst/>
-          </a:prstGeom>
-          <a:noFill/>
-        </p:spPr>
-        <p:txBody>
-          <a:bodyPr wrap="square" rtlCol="0">
-            <a:spAutoFit/>
-          </a:bodyPr>
-          <a:lstStyle/>
-          <a:p>
-            <a:pPr algn="ctr"/>
-            <a:r>
-              <a:rPr lang="en-US" sz="2400" b="1" dirty="0"/>
-              <a:t>C</a:t>
-            </a:r>
-          </a:p>
-        </p:txBody>
-      </p:sp>
-      <p:sp>
-        <p:nvSpPr>
-          <p:cNvPr id="22" name="TextBox 21">
-            <a:extLst>
-              <a:ext uri="{FF2B5EF4-FFF2-40B4-BE49-F238E27FC236}">
-                <a16:creationId xmlns:a16="http://schemas.microsoft.com/office/drawing/2014/main" id="{FD8C8AB9-BB40-F1E1-3527-AA4A6F464D3C}"/>
-              </a:ext>
-            </a:extLst>
-          </p:cNvPr>
-          <p:cNvSpPr txBox="1"/>
-          <p:nvPr/>
-        </p:nvSpPr>
-        <p:spPr>
-          <a:xfrm>
-            <a:off x="5424935" y="4628899"/>
-            <a:ext cx="441553" cy="461665"/>
-          </a:xfrm>
-          <a:prstGeom prst="rect">
-            <a:avLst/>
-          </a:prstGeom>
-          <a:noFill/>
-        </p:spPr>
-        <p:txBody>
-          <a:bodyPr wrap="square" rtlCol="0">
-            <a:spAutoFit/>
-          </a:bodyPr>
-          <a:lstStyle/>
-          <a:p>
-            <a:pPr algn="ctr"/>
-            <a:r>
-              <a:rPr lang="en-US" sz="2400" b="1" dirty="0"/>
-              <a:t>E</a:t>
-            </a:r>
-          </a:p>
-        </p:txBody>
-      </p:sp>
-      <p:sp>
-        <p:nvSpPr>
-          <p:cNvPr id="23" name="TextBox 22">
-            <a:extLst>
-              <a:ext uri="{FF2B5EF4-FFF2-40B4-BE49-F238E27FC236}">
-                <a16:creationId xmlns:a16="http://schemas.microsoft.com/office/drawing/2014/main" id="{60845641-11E1-15FC-50EB-40A3A0C62280}"/>
-              </a:ext>
-            </a:extLst>
-          </p:cNvPr>
-          <p:cNvSpPr txBox="1"/>
-          <p:nvPr/>
-        </p:nvSpPr>
-        <p:spPr>
-          <a:xfrm>
-            <a:off x="730452" y="5824801"/>
-            <a:ext cx="674377" cy="461665"/>
-          </a:xfrm>
-          <a:prstGeom prst="rect">
-            <a:avLst/>
-          </a:prstGeom>
-          <a:noFill/>
-        </p:spPr>
-        <p:txBody>
-          <a:bodyPr wrap="square" rtlCol="0">
-            <a:spAutoFit/>
-          </a:bodyPr>
-          <a:lstStyle/>
-          <a:p>
-            <a:pPr algn="ctr"/>
-            <a:r>
-              <a:rPr lang="en-US" sz="2400" b="1" dirty="0"/>
-              <a:t>a2</a:t>
-            </a:r>
-          </a:p>
-        </p:txBody>
-      </p:sp>
-      <p:sp>
-        <p:nvSpPr>
-          <p:cNvPr id="24" name="TextBox 23">
-            <a:extLst>
-              <a:ext uri="{FF2B5EF4-FFF2-40B4-BE49-F238E27FC236}">
-                <a16:creationId xmlns:a16="http://schemas.microsoft.com/office/drawing/2014/main" id="{3C224B6A-FA61-8B19-8BE5-723DAF4E76C1}"/>
-              </a:ext>
-            </a:extLst>
-          </p:cNvPr>
-          <p:cNvSpPr txBox="1"/>
-          <p:nvPr/>
-        </p:nvSpPr>
-        <p:spPr>
-          <a:xfrm>
-            <a:off x="1599294" y="6110363"/>
-            <a:ext cx="674377" cy="461665"/>
-          </a:xfrm>
-          <a:prstGeom prst="rect">
-            <a:avLst/>
-          </a:prstGeom>
-          <a:noFill/>
-        </p:spPr>
-        <p:txBody>
-          <a:bodyPr wrap="square" rtlCol="0">
-            <a:spAutoFit/>
-          </a:bodyPr>
-          <a:lstStyle/>
-          <a:p>
-            <a:pPr algn="ctr"/>
-            <a:r>
-              <a:rPr lang="en-US" sz="2400" b="1" dirty="0"/>
-              <a:t>b1</a:t>
-            </a:r>
-          </a:p>
-        </p:txBody>
-      </p:sp>
-      <p:sp>
-        <p:nvSpPr>
-          <p:cNvPr id="25" name="TextBox 24">
-            <a:extLst>
-              <a:ext uri="{FF2B5EF4-FFF2-40B4-BE49-F238E27FC236}">
-                <a16:creationId xmlns:a16="http://schemas.microsoft.com/office/drawing/2014/main" id="{44875D5D-CFFC-A919-F9E9-A895B81B27AB}"/>
-              </a:ext>
-            </a:extLst>
-          </p:cNvPr>
-          <p:cNvSpPr txBox="1"/>
-          <p:nvPr/>
-        </p:nvSpPr>
-        <p:spPr>
-          <a:xfrm>
-            <a:off x="2647536" y="5824800"/>
-            <a:ext cx="674377" cy="461665"/>
-          </a:xfrm>
-          <a:prstGeom prst="rect">
-            <a:avLst/>
-          </a:prstGeom>
-          <a:noFill/>
-        </p:spPr>
-        <p:txBody>
-          <a:bodyPr wrap="square" rtlCol="0">
-            <a:spAutoFit/>
-          </a:bodyPr>
-          <a:lstStyle/>
-          <a:p>
-            <a:pPr algn="ctr"/>
-            <a:r>
-              <a:rPr lang="en-US" sz="2400" b="1" dirty="0"/>
-              <a:t>a1</a:t>
-            </a:r>
-          </a:p>
-        </p:txBody>
-      </p:sp>
-      <p:sp>
-        <p:nvSpPr>
-          <p:cNvPr id="26" name="TextBox 25">
-            <a:extLst>
-              <a:ext uri="{FF2B5EF4-FFF2-40B4-BE49-F238E27FC236}">
-                <a16:creationId xmlns:a16="http://schemas.microsoft.com/office/drawing/2014/main" id="{35191EA8-639D-7631-CF04-7D39E62FF0BA}"/>
-              </a:ext>
-            </a:extLst>
-          </p:cNvPr>
-          <p:cNvSpPr txBox="1"/>
-          <p:nvPr/>
-        </p:nvSpPr>
-        <p:spPr>
-          <a:xfrm>
-            <a:off x="3534588" y="6341195"/>
-            <a:ext cx="674377" cy="461665"/>
-          </a:xfrm>
-          <a:prstGeom prst="rect">
-            <a:avLst/>
-          </a:prstGeom>
-          <a:noFill/>
-        </p:spPr>
-        <p:txBody>
-          <a:bodyPr wrap="square" rtlCol="0">
-            <a:spAutoFit/>
-          </a:bodyPr>
-          <a:lstStyle/>
-          <a:p>
-            <a:pPr algn="ctr"/>
-            <a:r>
-              <a:rPr lang="en-US" sz="2400" b="1" dirty="0"/>
-              <a:t>g1</a:t>
-            </a:r>
-          </a:p>
-        </p:txBody>
-      </p:sp>
-      <p:grpSp>
-        <p:nvGrpSpPr>
-          <p:cNvPr id="27" name="Group 26">
-            <a:extLst>
-              <a:ext uri="{FF2B5EF4-FFF2-40B4-BE49-F238E27FC236}">
-                <a16:creationId xmlns:a16="http://schemas.microsoft.com/office/drawing/2014/main" id="{CBBF8947-0D7E-64B1-DBA3-06E316039CB3}"/>
-              </a:ext>
-            </a:extLst>
-          </p:cNvPr>
-          <p:cNvGrpSpPr/>
-          <p:nvPr/>
-        </p:nvGrpSpPr>
-        <p:grpSpPr>
-          <a:xfrm>
-            <a:off x="856846" y="5387279"/>
-            <a:ext cx="2290566" cy="369333"/>
-            <a:chOff x="6799035" y="1030658"/>
-            <a:chExt cx="2290566" cy="369333"/>
-          </a:xfrm>
-        </p:grpSpPr>
-        <p:cxnSp>
-          <p:nvCxnSpPr>
-            <p:cNvPr id="28" name="Straight Arrow Connector 27">
+        <p:sp>
+          <p:nvSpPr>
+            <p:cNvPr id="22" name="TextBox 21">
               <a:extLst>
                 <a:ext uri="{FF2B5EF4-FFF2-40B4-BE49-F238E27FC236}">
-                  <a16:creationId xmlns:a16="http://schemas.microsoft.com/office/drawing/2014/main" id="{BE37AE96-34AA-1C9D-1478-F73858820721}"/>
-                </a:ext>
-              </a:extLst>
-            </p:cNvPr>
-            <p:cNvCxnSpPr>
-              <a:cxnSpLocks/>
-            </p:cNvCxnSpPr>
-            <p:nvPr/>
-          </p:nvCxnSpPr>
-          <p:spPr>
-            <a:xfrm>
-              <a:off x="6801031" y="1399991"/>
-              <a:ext cx="2288570" cy="0"/>
-            </a:xfrm>
-            <a:prstGeom prst="straightConnector1">
-              <a:avLst/>
-            </a:prstGeom>
-            <a:ln w="38100">
-              <a:tailEnd type="triangle"/>
-            </a:ln>
-          </p:spPr>
-          <p:style>
-            <a:lnRef idx="1">
-              <a:schemeClr val="accent1"/>
-            </a:lnRef>
-            <a:fillRef idx="0">
-              <a:schemeClr val="accent1"/>
-            </a:fillRef>
-            <a:effectRef idx="0">
-              <a:schemeClr val="accent1"/>
-            </a:effectRef>
-            <a:fontRef idx="minor">
-              <a:schemeClr val="tx1"/>
-            </a:fontRef>
-          </p:style>
-        </p:cxnSp>
-        <p:sp>
-          <p:nvSpPr>
-            <p:cNvPr id="29" name="TextBox 28">
-              <a:extLst>
-                <a:ext uri="{FF2B5EF4-FFF2-40B4-BE49-F238E27FC236}">
-                  <a16:creationId xmlns:a16="http://schemas.microsoft.com/office/drawing/2014/main" id="{27D2CFEE-666E-A58F-F548-189C51FB200F}"/>
+                  <a16:creationId xmlns:a16="http://schemas.microsoft.com/office/drawing/2014/main" id="{FD8C8AB9-BB40-F1E1-3527-AA4A6F464D3C}"/>
                 </a:ext>
               </a:extLst>
             </p:cNvPr>
@@ -6483,8 +6263,8 @@
           </p:nvSpPr>
           <p:spPr>
             <a:xfrm>
-              <a:off x="6799035" y="1030658"/>
-              <a:ext cx="2217223" cy="369332"/>
+              <a:off x="5424935" y="4628899"/>
+              <a:ext cx="441553" cy="461665"/>
             </a:xfrm>
             <a:prstGeom prst="rect">
               <a:avLst/>
@@ -6497,9 +6277,10 @@
             </a:bodyPr>
             <a:lstStyle/>
             <a:p>
+              <a:pPr algn="ctr"/>
               <a:r>
-                <a:rPr lang="en-US" dirty="0"/>
-                <a:t>L Total Vol decrease</a:t>
+                <a:rPr lang="en-US" sz="2400" b="1" dirty="0"/>
+                <a:t>E</a:t>
               </a:r>
             </a:p>
           </p:txBody>
@@ -6507,10 +6288,10 @@
       </p:grpSp>
       <p:grpSp>
         <p:nvGrpSpPr>
-          <p:cNvPr id="30" name="Group 29">
-            <a:extLst>
-              <a:ext uri="{FF2B5EF4-FFF2-40B4-BE49-F238E27FC236}">
-                <a16:creationId xmlns:a16="http://schemas.microsoft.com/office/drawing/2014/main" id="{08B1C5C3-EC77-627F-58BF-9BC0C1105BF4}"/>
+          <p:cNvPr id="35" name="Group 34">
+            <a:extLst>
+              <a:ext uri="{FF2B5EF4-FFF2-40B4-BE49-F238E27FC236}">
+                <a16:creationId xmlns:a16="http://schemas.microsoft.com/office/drawing/2014/main" id="{4F587EDE-D78F-6D72-9811-78A0ABA46FCF}"/>
               </a:ext>
             </a:extLst>
           </p:cNvPr>
@@ -6518,60 +6299,19 @@
           <p:nvPr/>
         </p:nvGrpSpPr>
         <p:grpSpPr>
-          <a:xfrm rot="16200000">
-            <a:off x="-654784" y="5451987"/>
-            <a:ext cx="2217223" cy="369333"/>
-            <a:chOff x="6799035" y="1030658"/>
-            <a:chExt cx="2217223" cy="369333"/>
+          <a:xfrm>
+            <a:off x="614574" y="5352954"/>
+            <a:ext cx="3939803" cy="1415582"/>
+            <a:chOff x="269162" y="5387278"/>
+            <a:chExt cx="3939803" cy="1415582"/>
           </a:xfrm>
         </p:grpSpPr>
-        <p:cxnSp>
-          <p:nvCxnSpPr>
-            <p:cNvPr id="31" name="Straight Arrow Connector 30">
+        <p:sp>
+          <p:nvSpPr>
+            <p:cNvPr id="23" name="TextBox 22">
               <a:extLst>
                 <a:ext uri="{FF2B5EF4-FFF2-40B4-BE49-F238E27FC236}">
-                  <a16:creationId xmlns:a16="http://schemas.microsoft.com/office/drawing/2014/main" id="{8C30AE7D-0645-D754-54E0-56A49C0B3084}"/>
-                </a:ext>
-              </a:extLst>
-            </p:cNvPr>
-            <p:cNvCxnSpPr>
-              <a:cxnSpLocks/>
-            </p:cNvCxnSpPr>
-            <p:nvPr/>
-          </p:nvCxnSpPr>
-          <p:spPr>
-            <a:xfrm rot="5400000" flipV="1">
-              <a:off x="7265778" y="935244"/>
-              <a:ext cx="0" cy="929494"/>
-            </a:xfrm>
-            <a:prstGeom prst="straightConnector1">
-              <a:avLst/>
-            </a:prstGeom>
-            <a:ln w="38100">
-              <a:tailEnd type="triangle"/>
-            </a:ln>
-          </p:spPr>
-          <p:style>
-            <a:lnRef idx="1">
-              <a:schemeClr val="accent1"/>
-            </a:lnRef>
-            <a:fillRef idx="0">
-              <a:schemeClr val="accent1"/>
-            </a:fillRef>
-            <a:effectRef idx="0">
-              <a:schemeClr val="accent1"/>
-            </a:effectRef>
-            <a:fontRef idx="minor">
-              <a:schemeClr val="tx1"/>
-            </a:fontRef>
-          </p:style>
-        </p:cxnSp>
-        <p:sp>
-          <p:nvSpPr>
-            <p:cNvPr id="32" name="TextBox 31">
-              <a:extLst>
-                <a:ext uri="{FF2B5EF4-FFF2-40B4-BE49-F238E27FC236}">
-                  <a16:creationId xmlns:a16="http://schemas.microsoft.com/office/drawing/2014/main" id="{967E96CF-5998-E20F-854F-2797C4FCFDB5}"/>
+                  <a16:creationId xmlns:a16="http://schemas.microsoft.com/office/drawing/2014/main" id="{60845641-11E1-15FC-50EB-40A3A0C62280}"/>
                 </a:ext>
               </a:extLst>
             </p:cNvPr>
@@ -6580,8 +6320,8 @@
           </p:nvSpPr>
           <p:spPr>
             <a:xfrm>
-              <a:off x="6799035" y="1030658"/>
-              <a:ext cx="2217223" cy="369332"/>
+              <a:off x="730452" y="5824801"/>
+              <a:ext cx="674377" cy="461665"/>
             </a:xfrm>
             <a:prstGeom prst="rect">
               <a:avLst/>
@@ -6594,14 +6334,473 @@
             </a:bodyPr>
             <a:lstStyle/>
             <a:p>
+              <a:pPr algn="ctr"/>
               <a:r>
-                <a:rPr lang="en-US" dirty="0"/>
-                <a:t>L b decrease</a:t>
+                <a:rPr lang="en-US" sz="2400" b="1" dirty="0"/>
+                <a:t>a2</a:t>
               </a:r>
             </a:p>
           </p:txBody>
         </p:sp>
+        <p:sp>
+          <p:nvSpPr>
+            <p:cNvPr id="24" name="TextBox 23">
+              <a:extLst>
+                <a:ext uri="{FF2B5EF4-FFF2-40B4-BE49-F238E27FC236}">
+                  <a16:creationId xmlns:a16="http://schemas.microsoft.com/office/drawing/2014/main" id="{3C224B6A-FA61-8B19-8BE5-723DAF4E76C1}"/>
+                </a:ext>
+              </a:extLst>
+            </p:cNvPr>
+            <p:cNvSpPr txBox="1"/>
+            <p:nvPr/>
+          </p:nvSpPr>
+          <p:spPr>
+            <a:xfrm>
+              <a:off x="1599294" y="6110363"/>
+              <a:ext cx="674377" cy="461665"/>
+            </a:xfrm>
+            <a:prstGeom prst="rect">
+              <a:avLst/>
+            </a:prstGeom>
+            <a:noFill/>
+          </p:spPr>
+          <p:txBody>
+            <a:bodyPr wrap="square" rtlCol="0">
+              <a:spAutoFit/>
+            </a:bodyPr>
+            <a:lstStyle/>
+            <a:p>
+              <a:pPr algn="ctr"/>
+              <a:r>
+                <a:rPr lang="en-US" sz="2400" b="1" dirty="0"/>
+                <a:t>b1</a:t>
+              </a:r>
+            </a:p>
+          </p:txBody>
+        </p:sp>
+        <p:sp>
+          <p:nvSpPr>
+            <p:cNvPr id="25" name="TextBox 24">
+              <a:extLst>
+                <a:ext uri="{FF2B5EF4-FFF2-40B4-BE49-F238E27FC236}">
+                  <a16:creationId xmlns:a16="http://schemas.microsoft.com/office/drawing/2014/main" id="{44875D5D-CFFC-A919-F9E9-A895B81B27AB}"/>
+                </a:ext>
+              </a:extLst>
+            </p:cNvPr>
+            <p:cNvSpPr txBox="1"/>
+            <p:nvPr/>
+          </p:nvSpPr>
+          <p:spPr>
+            <a:xfrm>
+              <a:off x="2647536" y="5824800"/>
+              <a:ext cx="674377" cy="461665"/>
+            </a:xfrm>
+            <a:prstGeom prst="rect">
+              <a:avLst/>
+            </a:prstGeom>
+            <a:noFill/>
+          </p:spPr>
+          <p:txBody>
+            <a:bodyPr wrap="square" rtlCol="0">
+              <a:spAutoFit/>
+            </a:bodyPr>
+            <a:lstStyle/>
+            <a:p>
+              <a:pPr algn="ctr"/>
+              <a:r>
+                <a:rPr lang="en-US" sz="2400" b="1" dirty="0"/>
+                <a:t>a1</a:t>
+              </a:r>
+            </a:p>
+          </p:txBody>
+        </p:sp>
+        <p:sp>
+          <p:nvSpPr>
+            <p:cNvPr id="26" name="TextBox 25">
+              <a:extLst>
+                <a:ext uri="{FF2B5EF4-FFF2-40B4-BE49-F238E27FC236}">
+                  <a16:creationId xmlns:a16="http://schemas.microsoft.com/office/drawing/2014/main" id="{35191EA8-639D-7631-CF04-7D39E62FF0BA}"/>
+                </a:ext>
+              </a:extLst>
+            </p:cNvPr>
+            <p:cNvSpPr txBox="1"/>
+            <p:nvPr/>
+          </p:nvSpPr>
+          <p:spPr>
+            <a:xfrm>
+              <a:off x="3534588" y="6341195"/>
+              <a:ext cx="674377" cy="461665"/>
+            </a:xfrm>
+            <a:prstGeom prst="rect">
+              <a:avLst/>
+            </a:prstGeom>
+            <a:noFill/>
+          </p:spPr>
+          <p:txBody>
+            <a:bodyPr wrap="square" rtlCol="0">
+              <a:spAutoFit/>
+            </a:bodyPr>
+            <a:lstStyle/>
+            <a:p>
+              <a:pPr algn="ctr"/>
+              <a:r>
+                <a:rPr lang="en-US" sz="2400" b="1" dirty="0"/>
+                <a:t>g1</a:t>
+              </a:r>
+            </a:p>
+          </p:txBody>
+        </p:sp>
+        <p:grpSp>
+          <p:nvGrpSpPr>
+            <p:cNvPr id="27" name="Group 26">
+              <a:extLst>
+                <a:ext uri="{FF2B5EF4-FFF2-40B4-BE49-F238E27FC236}">
+                  <a16:creationId xmlns:a16="http://schemas.microsoft.com/office/drawing/2014/main" id="{CBBF8947-0D7E-64B1-DBA3-06E316039CB3}"/>
+                </a:ext>
+              </a:extLst>
+            </p:cNvPr>
+            <p:cNvGrpSpPr/>
+            <p:nvPr/>
+          </p:nvGrpSpPr>
+          <p:grpSpPr>
+            <a:xfrm>
+              <a:off x="856846" y="5387279"/>
+              <a:ext cx="3143654" cy="369333"/>
+              <a:chOff x="6799035" y="1030658"/>
+              <a:chExt cx="3143654" cy="369333"/>
+            </a:xfrm>
+          </p:grpSpPr>
+          <p:cxnSp>
+            <p:nvCxnSpPr>
+              <p:cNvPr id="28" name="Straight Arrow Connector 27">
+                <a:extLst>
+                  <a:ext uri="{FF2B5EF4-FFF2-40B4-BE49-F238E27FC236}">
+                    <a16:creationId xmlns:a16="http://schemas.microsoft.com/office/drawing/2014/main" id="{BE37AE96-34AA-1C9D-1478-F73858820721}"/>
+                  </a:ext>
+                </a:extLst>
+              </p:cNvPr>
+              <p:cNvCxnSpPr>
+                <a:cxnSpLocks/>
+              </p:cNvCxnSpPr>
+              <p:nvPr/>
+            </p:nvCxnSpPr>
+            <p:spPr>
+              <a:xfrm flipV="1">
+                <a:off x="6801031" y="1399990"/>
+                <a:ext cx="3141658" cy="1"/>
+              </a:xfrm>
+              <a:prstGeom prst="straightConnector1">
+                <a:avLst/>
+              </a:prstGeom>
+              <a:ln w="38100">
+                <a:tailEnd type="triangle"/>
+              </a:ln>
+            </p:spPr>
+            <p:style>
+              <a:lnRef idx="1">
+                <a:schemeClr val="accent1"/>
+              </a:lnRef>
+              <a:fillRef idx="0">
+                <a:schemeClr val="accent1"/>
+              </a:fillRef>
+              <a:effectRef idx="0">
+                <a:schemeClr val="accent1"/>
+              </a:effectRef>
+              <a:fontRef idx="minor">
+                <a:schemeClr val="tx1"/>
+              </a:fontRef>
+            </p:style>
+          </p:cxnSp>
+          <p:sp>
+            <p:nvSpPr>
+              <p:cNvPr id="29" name="TextBox 28">
+                <a:extLst>
+                  <a:ext uri="{FF2B5EF4-FFF2-40B4-BE49-F238E27FC236}">
+                    <a16:creationId xmlns:a16="http://schemas.microsoft.com/office/drawing/2014/main" id="{27D2CFEE-666E-A58F-F548-189C51FB200F}"/>
+                  </a:ext>
+                </a:extLst>
+              </p:cNvPr>
+              <p:cNvSpPr txBox="1"/>
+              <p:nvPr/>
+            </p:nvSpPr>
+            <p:spPr>
+              <a:xfrm>
+                <a:off x="6799035" y="1030658"/>
+                <a:ext cx="2217223" cy="369332"/>
+              </a:xfrm>
+              <a:prstGeom prst="rect">
+                <a:avLst/>
+              </a:prstGeom>
+              <a:noFill/>
+            </p:spPr>
+            <p:txBody>
+              <a:bodyPr wrap="square" rtlCol="0">
+                <a:spAutoFit/>
+              </a:bodyPr>
+              <a:lstStyle/>
+              <a:p>
+                <a:r>
+                  <a:rPr lang="en-US" dirty="0"/>
+                  <a:t>L Total Vol decrease</a:t>
+                </a:r>
+              </a:p>
+            </p:txBody>
+          </p:sp>
+        </p:grpSp>
+        <p:grpSp>
+          <p:nvGrpSpPr>
+            <p:cNvPr id="30" name="Group 29">
+              <a:extLst>
+                <a:ext uri="{FF2B5EF4-FFF2-40B4-BE49-F238E27FC236}">
+                  <a16:creationId xmlns:a16="http://schemas.microsoft.com/office/drawing/2014/main" id="{08B1C5C3-EC77-627F-58BF-9BC0C1105BF4}"/>
+                </a:ext>
+              </a:extLst>
+            </p:cNvPr>
+            <p:cNvGrpSpPr/>
+            <p:nvPr/>
+          </p:nvGrpSpPr>
+          <p:grpSpPr>
+            <a:xfrm rot="16200000">
+              <a:off x="-225166" y="5881606"/>
+              <a:ext cx="1357987" cy="369332"/>
+              <a:chOff x="6799035" y="1030659"/>
+              <a:chExt cx="1357987" cy="369332"/>
+            </a:xfrm>
+          </p:grpSpPr>
+          <p:cxnSp>
+            <p:nvCxnSpPr>
+              <p:cNvPr id="31" name="Straight Arrow Connector 30">
+                <a:extLst>
+                  <a:ext uri="{FF2B5EF4-FFF2-40B4-BE49-F238E27FC236}">
+                    <a16:creationId xmlns:a16="http://schemas.microsoft.com/office/drawing/2014/main" id="{8C30AE7D-0645-D754-54E0-56A49C0B3084}"/>
+                  </a:ext>
+                </a:extLst>
+              </p:cNvPr>
+              <p:cNvCxnSpPr>
+                <a:cxnSpLocks/>
+              </p:cNvCxnSpPr>
+              <p:nvPr/>
+            </p:nvCxnSpPr>
+            <p:spPr>
+              <a:xfrm rot="5400000" flipV="1">
+                <a:off x="7265778" y="935244"/>
+                <a:ext cx="0" cy="929494"/>
+              </a:xfrm>
+              <a:prstGeom prst="straightConnector1">
+                <a:avLst/>
+              </a:prstGeom>
+              <a:ln w="38100">
+                <a:tailEnd type="triangle"/>
+              </a:ln>
+            </p:spPr>
+            <p:style>
+              <a:lnRef idx="1">
+                <a:schemeClr val="accent1"/>
+              </a:lnRef>
+              <a:fillRef idx="0">
+                <a:schemeClr val="accent1"/>
+              </a:fillRef>
+              <a:effectRef idx="0">
+                <a:schemeClr val="accent1"/>
+              </a:effectRef>
+              <a:fontRef idx="minor">
+                <a:schemeClr val="tx1"/>
+              </a:fontRef>
+            </p:style>
+          </p:cxnSp>
+          <p:sp>
+            <p:nvSpPr>
+              <p:cNvPr id="32" name="TextBox 31">
+                <a:extLst>
+                  <a:ext uri="{FF2B5EF4-FFF2-40B4-BE49-F238E27FC236}">
+                    <a16:creationId xmlns:a16="http://schemas.microsoft.com/office/drawing/2014/main" id="{967E96CF-5998-E20F-854F-2797C4FCFDB5}"/>
+                  </a:ext>
+                </a:extLst>
+              </p:cNvPr>
+              <p:cNvSpPr txBox="1"/>
+              <p:nvPr/>
+            </p:nvSpPr>
+            <p:spPr>
+              <a:xfrm>
+                <a:off x="6799035" y="1030659"/>
+                <a:ext cx="1357987" cy="369332"/>
+              </a:xfrm>
+              <a:prstGeom prst="rect">
+                <a:avLst/>
+              </a:prstGeom>
+              <a:noFill/>
+            </p:spPr>
+            <p:txBody>
+              <a:bodyPr wrap="square" rtlCol="0">
+                <a:spAutoFit/>
+              </a:bodyPr>
+              <a:lstStyle/>
+              <a:p>
+                <a:r>
+                  <a:rPr lang="en-US" dirty="0"/>
+                  <a:t>L b decrease</a:t>
+                </a:r>
+              </a:p>
+            </p:txBody>
+          </p:sp>
+        </p:grpSp>
       </p:grpSp>
+      <p:sp>
+        <p:nvSpPr>
+          <p:cNvPr id="37" name="Rectangle 36">
+            <a:extLst>
+              <a:ext uri="{FF2B5EF4-FFF2-40B4-BE49-F238E27FC236}">
+                <a16:creationId xmlns:a16="http://schemas.microsoft.com/office/drawing/2014/main" id="{7988F130-CFD6-2B3D-7954-FD0237426EEA}"/>
+              </a:ext>
+            </a:extLst>
+          </p:cNvPr>
+          <p:cNvSpPr/>
+          <p:nvPr/>
+        </p:nvSpPr>
+        <p:spPr>
+          <a:xfrm>
+            <a:off x="1200276" y="2068911"/>
+            <a:ext cx="2453020" cy="209242"/>
+          </a:xfrm>
+          <a:prstGeom prst="rect">
+            <a:avLst/>
+          </a:prstGeom>
+          <a:noFill/>
+          <a:ln w="28575">
+            <a:solidFill>
+              <a:srgbClr val="C00000"/>
+            </a:solidFill>
+          </a:ln>
+        </p:spPr>
+        <p:style>
+          <a:lnRef idx="2">
+            <a:schemeClr val="accent1">
+              <a:shade val="50000"/>
+            </a:schemeClr>
+          </a:lnRef>
+          <a:fillRef idx="1">
+            <a:schemeClr val="accent1"/>
+          </a:fillRef>
+          <a:effectRef idx="0">
+            <a:schemeClr val="accent1"/>
+          </a:effectRef>
+          <a:fontRef idx="minor">
+            <a:schemeClr val="lt1"/>
+          </a:fontRef>
+        </p:style>
+        <p:txBody>
+          <a:bodyPr rtlCol="0" anchor="ctr"/>
+          <a:lstStyle/>
+          <a:p>
+            <a:pPr algn="ctr"/>
+            <a:endParaRPr lang="en-US"/>
+          </a:p>
+        </p:txBody>
+      </p:sp>
+      <p:sp>
+        <p:nvSpPr>
+          <p:cNvPr id="39" name="Rectangle 38">
+            <a:extLst>
+              <a:ext uri="{FF2B5EF4-FFF2-40B4-BE49-F238E27FC236}">
+                <a16:creationId xmlns:a16="http://schemas.microsoft.com/office/drawing/2014/main" id="{463C60A8-341B-51AF-D270-89185A279616}"/>
+              </a:ext>
+            </a:extLst>
+          </p:cNvPr>
+          <p:cNvSpPr/>
+          <p:nvPr/>
+        </p:nvSpPr>
+        <p:spPr>
+          <a:xfrm>
+            <a:off x="1200276" y="2278461"/>
+            <a:ext cx="1992417" cy="180691"/>
+          </a:xfrm>
+          <a:prstGeom prst="rect">
+            <a:avLst/>
+          </a:prstGeom>
+          <a:noFill/>
+          <a:ln w="28575">
+            <a:solidFill>
+              <a:srgbClr val="C00000"/>
+            </a:solidFill>
+          </a:ln>
+        </p:spPr>
+        <p:style>
+          <a:lnRef idx="2">
+            <a:schemeClr val="accent1">
+              <a:shade val="50000"/>
+            </a:schemeClr>
+          </a:lnRef>
+          <a:fillRef idx="1">
+            <a:schemeClr val="accent1"/>
+          </a:fillRef>
+          <a:effectRef idx="0">
+            <a:schemeClr val="accent1"/>
+          </a:effectRef>
+          <a:fontRef idx="minor">
+            <a:schemeClr val="lt1"/>
+          </a:fontRef>
+        </p:style>
+        <p:txBody>
+          <a:bodyPr rtlCol="0" anchor="ctr"/>
+          <a:lstStyle/>
+          <a:p>
+            <a:pPr algn="ctr"/>
+            <a:endParaRPr lang="en-US"/>
+          </a:p>
+        </p:txBody>
+      </p:sp>
+      <p:sp>
+        <p:nvSpPr>
+          <p:cNvPr id="40" name="Rectangle 39">
+            <a:extLst>
+              <a:ext uri="{FF2B5EF4-FFF2-40B4-BE49-F238E27FC236}">
+                <a16:creationId xmlns:a16="http://schemas.microsoft.com/office/drawing/2014/main" id="{5AB615F9-A362-BDF7-5F84-A823E49FF48E}"/>
+              </a:ext>
+            </a:extLst>
+          </p:cNvPr>
+          <p:cNvSpPr/>
+          <p:nvPr/>
+        </p:nvSpPr>
+        <p:spPr>
+          <a:xfrm>
+            <a:off x="1200276" y="2451213"/>
+            <a:ext cx="1992417" cy="180691"/>
+          </a:xfrm>
+          <a:prstGeom prst="rect">
+            <a:avLst/>
+          </a:prstGeom>
+          <a:noFill/>
+          <a:ln w="28575">
+            <a:solidFill>
+              <a:srgbClr val="C00000"/>
+            </a:solidFill>
+          </a:ln>
+        </p:spPr>
+        <p:style>
+          <a:lnRef idx="2">
+            <a:schemeClr val="accent1">
+              <a:shade val="50000"/>
+            </a:schemeClr>
+          </a:lnRef>
+          <a:fillRef idx="1">
+            <a:schemeClr val="accent1"/>
+          </a:fillRef>
+          <a:effectRef idx="0">
+            <a:schemeClr val="accent1"/>
+          </a:effectRef>
+          <a:fontRef idx="minor">
+            <a:schemeClr val="lt1"/>
+          </a:fontRef>
+        </p:style>
+        <p:txBody>
+          <a:bodyPr rtlCol="0" anchor="ctr"/>
+          <a:lstStyle/>
+          <a:p>
+            <a:pPr algn="ctr"/>
+            <a:endParaRPr lang="en-US"/>
+          </a:p>
+        </p:txBody>
+      </p:sp>
     </p:spTree>
     <p:extLst>
       <p:ext uri="{BB962C8B-B14F-4D97-AF65-F5344CB8AC3E}">
@@ -7594,7 +7793,7 @@
         </p:nvSpPr>
         <p:spPr>
           <a:xfrm>
-            <a:off x="7805737" y="2884584"/>
+            <a:off x="7805737" y="2762592"/>
             <a:ext cx="4143376" cy="646331"/>
           </a:xfrm>
           <a:prstGeom prst="rect">
@@ -7611,7 +7810,7 @@
             <a:pPr algn="ctr"/>
             <a:r>
               <a:rPr lang="en-US" dirty="0"/>
-              <a:t>Desired “linearity” by tuning /thresh/ based on polymer density of expelled NFL</a:t>
+              <a:t>Desired “linearity” by tuning H thresh based on polymer density of expelled NFL</a:t>
             </a:r>
           </a:p>
         </p:txBody>
@@ -7690,7 +7889,11 @@
           <a:p>
             <a:r>
               <a:rPr lang="en-US" dirty="0"/>
-              <a:t>Comes at severe cost of overall height. Have to minimize outer concentration to approach pure thresh of 1e-06</a:t>
+              <a:t>Comes at severe cost of overall height. </a:t>
+            </a:r>
+            <a:r>
+              <a:rPr lang="en-US" i="1" dirty="0"/>
+              <a:t>Try to minimize outer concentration to approach pure thresh of 1e-06</a:t>
             </a:r>
           </a:p>
         </p:txBody>
@@ -7756,6 +7959,859 @@
 </file>
 
 <file path=ppt/slides/slide8.xml><?xml version="1.0" encoding="utf-8"?>
+<p:sld xmlns:a="http://schemas.openxmlformats.org/drawingml/2006/main" xmlns:r="http://schemas.openxmlformats.org/officeDocument/2006/relationships" xmlns:p="http://schemas.openxmlformats.org/presentationml/2006/main">
+  <p:cSld>
+    <p:spTree>
+      <p:nvGrpSpPr>
+        <p:cNvPr id="1" name=""/>
+        <p:cNvGrpSpPr/>
+        <p:nvPr/>
+      </p:nvGrpSpPr>
+      <p:grpSpPr>
+        <a:xfrm>
+          <a:off x="0" y="0"/>
+          <a:ext cx="0" cy="0"/>
+          <a:chOff x="0" y="0"/>
+          <a:chExt cx="0" cy="0"/>
+        </a:xfrm>
+      </p:grpSpPr>
+      <p:grpSp>
+        <p:nvGrpSpPr>
+          <p:cNvPr id="15" name="Group 14">
+            <a:extLst>
+              <a:ext uri="{FF2B5EF4-FFF2-40B4-BE49-F238E27FC236}">
+                <a16:creationId xmlns:a16="http://schemas.microsoft.com/office/drawing/2014/main" id="{727472FA-4E42-BFCF-A9A6-DE86E410C9D8}"/>
+              </a:ext>
+            </a:extLst>
+          </p:cNvPr>
+          <p:cNvGrpSpPr/>
+          <p:nvPr/>
+        </p:nvGrpSpPr>
+        <p:grpSpPr>
+          <a:xfrm>
+            <a:off x="327160" y="482336"/>
+            <a:ext cx="4054362" cy="6071637"/>
+            <a:chOff x="527185" y="425186"/>
+            <a:chExt cx="4054362" cy="6071637"/>
+          </a:xfrm>
+        </p:grpSpPr>
+        <p:grpSp>
+          <p:nvGrpSpPr>
+            <p:cNvPr id="2" name="Group 1">
+              <a:extLst>
+                <a:ext uri="{FF2B5EF4-FFF2-40B4-BE49-F238E27FC236}">
+                  <a16:creationId xmlns:a16="http://schemas.microsoft.com/office/drawing/2014/main" id="{3D23A27E-4908-C02B-779C-25BF6F2F03C8}"/>
+                </a:ext>
+              </a:extLst>
+            </p:cNvPr>
+            <p:cNvGrpSpPr/>
+            <p:nvPr/>
+          </p:nvGrpSpPr>
+          <p:grpSpPr>
+            <a:xfrm>
+              <a:off x="532146" y="425186"/>
+              <a:ext cx="4046879" cy="1718289"/>
+              <a:chOff x="652299" y="554355"/>
+              <a:chExt cx="4046879" cy="1718289"/>
+            </a:xfrm>
+          </p:grpSpPr>
+          <p:pic>
+            <p:nvPicPr>
+              <p:cNvPr id="3" name="Picture 20">
+                <a:extLst>
+                  <a:ext uri="{FF2B5EF4-FFF2-40B4-BE49-F238E27FC236}">
+                    <a16:creationId xmlns:a16="http://schemas.microsoft.com/office/drawing/2014/main" id="{E7C0D79D-25DA-4CF8-E390-B681F79087AA}"/>
+                  </a:ext>
+                </a:extLst>
+              </p:cNvPr>
+              <p:cNvPicPr>
+                <a:picLocks noChangeAspect="1" noChangeArrowheads="1"/>
+              </p:cNvPicPr>
+              <p:nvPr/>
+            </p:nvPicPr>
+            <p:blipFill>
+              <a:blip r:embed="rId2">
+                <a:extLst>
+                  <a:ext uri="{28A0092B-C50C-407E-A947-70E740481C1C}">
+                    <a14:useLocalDpi xmlns:a14="http://schemas.microsoft.com/office/drawing/2010/main" val="0"/>
+                  </a:ext>
+                </a:extLst>
+              </a:blip>
+              <a:srcRect/>
+              <a:stretch>
+                <a:fillRect/>
+              </a:stretch>
+            </p:blipFill>
+            <p:spPr bwMode="auto">
+              <a:xfrm>
+                <a:off x="652299" y="554355"/>
+                <a:ext cx="4046879" cy="1718289"/>
+              </a:xfrm>
+              <a:prstGeom prst="rect">
+                <a:avLst/>
+              </a:prstGeom>
+              <a:noFill/>
+              <a:extLst>
+                <a:ext uri="{909E8E84-426E-40DD-AFC4-6F175D3DCCD1}">
+                  <a14:hiddenFill xmlns:a14="http://schemas.microsoft.com/office/drawing/2010/main">
+                    <a:solidFill>
+                      <a:srgbClr val="FFFFFF"/>
+                    </a:solidFill>
+                  </a14:hiddenFill>
+                </a:ext>
+              </a:extLst>
+            </p:spPr>
+          </p:pic>
+          <p:sp>
+            <p:nvSpPr>
+              <p:cNvPr id="4" name="Rectangle 3">
+                <a:extLst>
+                  <a:ext uri="{FF2B5EF4-FFF2-40B4-BE49-F238E27FC236}">
+                    <a16:creationId xmlns:a16="http://schemas.microsoft.com/office/drawing/2014/main" id="{F665D75F-9D58-83F3-4FD6-CC311DB2041E}"/>
+                  </a:ext>
+                </a:extLst>
+              </p:cNvPr>
+              <p:cNvSpPr/>
+              <p:nvPr/>
+            </p:nvSpPr>
+            <p:spPr>
+              <a:xfrm>
+                <a:off x="1536355" y="710691"/>
+                <a:ext cx="1058879" cy="340268"/>
+              </a:xfrm>
+              <a:prstGeom prst="rect">
+                <a:avLst/>
+              </a:prstGeom>
+              <a:solidFill>
+                <a:schemeClr val="bg1"/>
+              </a:solidFill>
+              <a:ln>
+                <a:solidFill>
+                  <a:schemeClr val="bg1"/>
+                </a:solidFill>
+              </a:ln>
+            </p:spPr>
+            <p:style>
+              <a:lnRef idx="2">
+                <a:schemeClr val="accent1">
+                  <a:shade val="50000"/>
+                </a:schemeClr>
+              </a:lnRef>
+              <a:fillRef idx="1">
+                <a:schemeClr val="accent1"/>
+              </a:fillRef>
+              <a:effectRef idx="0">
+                <a:schemeClr val="accent1"/>
+              </a:effectRef>
+              <a:fontRef idx="minor">
+                <a:schemeClr val="lt1"/>
+              </a:fontRef>
+            </p:style>
+            <p:txBody>
+              <a:bodyPr rtlCol="0" anchor="ctr"/>
+              <a:lstStyle/>
+              <a:p>
+                <a:pPr algn="ctr"/>
+                <a:r>
+                  <a:rPr lang="en-US" dirty="0">
+                    <a:solidFill>
+                      <a:schemeClr val="tx1"/>
+                    </a:solidFill>
+                  </a:rPr>
+                  <a:t>a2C_30</a:t>
+                </a:r>
+              </a:p>
+            </p:txBody>
+          </p:sp>
+        </p:grpSp>
+        <p:grpSp>
+          <p:nvGrpSpPr>
+            <p:cNvPr id="5" name="Group 4">
+              <a:extLst>
+                <a:ext uri="{FF2B5EF4-FFF2-40B4-BE49-F238E27FC236}">
+                  <a16:creationId xmlns:a16="http://schemas.microsoft.com/office/drawing/2014/main" id="{E868E8D6-29DC-3CF9-652F-B15084C6D478}"/>
+                </a:ext>
+              </a:extLst>
+            </p:cNvPr>
+            <p:cNvGrpSpPr/>
+            <p:nvPr/>
+          </p:nvGrpSpPr>
+          <p:grpSpPr>
+            <a:xfrm>
+              <a:off x="531712" y="1870913"/>
+              <a:ext cx="4046879" cy="1718289"/>
+              <a:chOff x="651865" y="2000082"/>
+              <a:chExt cx="4046879" cy="1718289"/>
+            </a:xfrm>
+          </p:grpSpPr>
+          <p:pic>
+            <p:nvPicPr>
+              <p:cNvPr id="6" name="Picture 16">
+                <a:extLst>
+                  <a:ext uri="{FF2B5EF4-FFF2-40B4-BE49-F238E27FC236}">
+                    <a16:creationId xmlns:a16="http://schemas.microsoft.com/office/drawing/2014/main" id="{4E5636B1-B8DA-1A41-FDB5-0AF1A991D30E}"/>
+                  </a:ext>
+                </a:extLst>
+              </p:cNvPr>
+              <p:cNvPicPr>
+                <a:picLocks noChangeAspect="1" noChangeArrowheads="1"/>
+              </p:cNvPicPr>
+              <p:nvPr/>
+            </p:nvPicPr>
+            <p:blipFill>
+              <a:blip r:embed="rId3">
+                <a:extLst>
+                  <a:ext uri="{28A0092B-C50C-407E-A947-70E740481C1C}">
+                    <a14:useLocalDpi xmlns:a14="http://schemas.microsoft.com/office/drawing/2010/main" val="0"/>
+                  </a:ext>
+                </a:extLst>
+              </a:blip>
+              <a:srcRect/>
+              <a:stretch>
+                <a:fillRect/>
+              </a:stretch>
+            </p:blipFill>
+            <p:spPr bwMode="auto">
+              <a:xfrm>
+                <a:off x="651865" y="2000082"/>
+                <a:ext cx="4046879" cy="1718289"/>
+              </a:xfrm>
+              <a:prstGeom prst="rect">
+                <a:avLst/>
+              </a:prstGeom>
+              <a:noFill/>
+              <a:extLst>
+                <a:ext uri="{909E8E84-426E-40DD-AFC4-6F175D3DCCD1}">
+                  <a14:hiddenFill xmlns:a14="http://schemas.microsoft.com/office/drawing/2010/main">
+                    <a:solidFill>
+                      <a:srgbClr val="FFFFFF"/>
+                    </a:solidFill>
+                  </a14:hiddenFill>
+                </a:ext>
+              </a:extLst>
+            </p:spPr>
+          </p:pic>
+          <p:sp>
+            <p:nvSpPr>
+              <p:cNvPr id="7" name="Rectangle 6">
+                <a:extLst>
+                  <a:ext uri="{FF2B5EF4-FFF2-40B4-BE49-F238E27FC236}">
+                    <a16:creationId xmlns:a16="http://schemas.microsoft.com/office/drawing/2014/main" id="{6F172856-A5B5-EB7D-AB3F-C74A9490F5F4}"/>
+                  </a:ext>
+                </a:extLst>
+              </p:cNvPr>
+              <p:cNvSpPr/>
+              <p:nvPr/>
+            </p:nvSpPr>
+            <p:spPr>
+              <a:xfrm>
+                <a:off x="1535920" y="2129263"/>
+                <a:ext cx="1058879" cy="340268"/>
+              </a:xfrm>
+              <a:prstGeom prst="rect">
+                <a:avLst/>
+              </a:prstGeom>
+              <a:solidFill>
+                <a:schemeClr val="bg1"/>
+              </a:solidFill>
+              <a:ln>
+                <a:solidFill>
+                  <a:schemeClr val="bg1"/>
+                </a:solidFill>
+              </a:ln>
+            </p:spPr>
+            <p:style>
+              <a:lnRef idx="2">
+                <a:schemeClr val="accent1">
+                  <a:shade val="50000"/>
+                </a:schemeClr>
+              </a:lnRef>
+              <a:fillRef idx="1">
+                <a:schemeClr val="accent1"/>
+              </a:fillRef>
+              <a:effectRef idx="0">
+                <a:schemeClr val="accent1"/>
+              </a:effectRef>
+              <a:fontRef idx="minor">
+                <a:schemeClr val="lt1"/>
+              </a:fontRef>
+            </p:style>
+            <p:txBody>
+              <a:bodyPr rtlCol="0" anchor="ctr"/>
+              <a:lstStyle/>
+              <a:p>
+                <a:pPr algn="ctr"/>
+                <a:r>
+                  <a:rPr lang="en-US" dirty="0">
+                    <a:solidFill>
+                      <a:schemeClr val="tx1"/>
+                    </a:solidFill>
+                  </a:rPr>
+                  <a:t>b1C_30</a:t>
+                </a:r>
+              </a:p>
+            </p:txBody>
+          </p:sp>
+        </p:grpSp>
+        <p:grpSp>
+          <p:nvGrpSpPr>
+            <p:cNvPr id="8" name="Group 7">
+              <a:extLst>
+                <a:ext uri="{FF2B5EF4-FFF2-40B4-BE49-F238E27FC236}">
+                  <a16:creationId xmlns:a16="http://schemas.microsoft.com/office/drawing/2014/main" id="{286D5E51-D7A6-4F4C-B840-4DBF931DD0A2}"/>
+                </a:ext>
+              </a:extLst>
+            </p:cNvPr>
+            <p:cNvGrpSpPr/>
+            <p:nvPr/>
+          </p:nvGrpSpPr>
+          <p:grpSpPr>
+            <a:xfrm>
+              <a:off x="527185" y="3310956"/>
+              <a:ext cx="4046879" cy="1718289"/>
+              <a:chOff x="647338" y="3440125"/>
+              <a:chExt cx="4046879" cy="1718289"/>
+            </a:xfrm>
+          </p:grpSpPr>
+          <p:pic>
+            <p:nvPicPr>
+              <p:cNvPr id="9" name="Picture 26">
+                <a:extLst>
+                  <a:ext uri="{FF2B5EF4-FFF2-40B4-BE49-F238E27FC236}">
+                    <a16:creationId xmlns:a16="http://schemas.microsoft.com/office/drawing/2014/main" id="{59CD9267-D064-2F45-E572-2611804CCB4D}"/>
+                  </a:ext>
+                </a:extLst>
+              </p:cNvPr>
+              <p:cNvPicPr>
+                <a:picLocks noChangeAspect="1" noChangeArrowheads="1"/>
+              </p:cNvPicPr>
+              <p:nvPr/>
+            </p:nvPicPr>
+            <p:blipFill>
+              <a:blip r:embed="rId4">
+                <a:extLst>
+                  <a:ext uri="{28A0092B-C50C-407E-A947-70E740481C1C}">
+                    <a14:useLocalDpi xmlns:a14="http://schemas.microsoft.com/office/drawing/2010/main" val="0"/>
+                  </a:ext>
+                </a:extLst>
+              </a:blip>
+              <a:srcRect/>
+              <a:stretch>
+                <a:fillRect/>
+              </a:stretch>
+            </p:blipFill>
+            <p:spPr bwMode="auto">
+              <a:xfrm>
+                <a:off x="647338" y="3440125"/>
+                <a:ext cx="4046879" cy="1718289"/>
+              </a:xfrm>
+              <a:prstGeom prst="rect">
+                <a:avLst/>
+              </a:prstGeom>
+              <a:noFill/>
+              <a:extLst>
+                <a:ext uri="{909E8E84-426E-40DD-AFC4-6F175D3DCCD1}">
+                  <a14:hiddenFill xmlns:a14="http://schemas.microsoft.com/office/drawing/2010/main">
+                    <a:solidFill>
+                      <a:srgbClr val="FFFFFF"/>
+                    </a:solidFill>
+                  </a14:hiddenFill>
+                </a:ext>
+              </a:extLst>
+            </p:spPr>
+          </p:pic>
+          <p:sp>
+            <p:nvSpPr>
+              <p:cNvPr id="10" name="Rectangle 9">
+                <a:extLst>
+                  <a:ext uri="{FF2B5EF4-FFF2-40B4-BE49-F238E27FC236}">
+                    <a16:creationId xmlns:a16="http://schemas.microsoft.com/office/drawing/2014/main" id="{52E43CEA-2DA4-D56E-FFCA-B44BDEEB7C6D}"/>
+                  </a:ext>
+                </a:extLst>
+              </p:cNvPr>
+              <p:cNvSpPr/>
+              <p:nvPr/>
+            </p:nvSpPr>
+            <p:spPr>
+              <a:xfrm>
+                <a:off x="1517155" y="3554193"/>
+                <a:ext cx="1058879" cy="340268"/>
+              </a:xfrm>
+              <a:prstGeom prst="rect">
+                <a:avLst/>
+              </a:prstGeom>
+              <a:solidFill>
+                <a:schemeClr val="bg1"/>
+              </a:solidFill>
+              <a:ln>
+                <a:solidFill>
+                  <a:schemeClr val="bg1"/>
+                </a:solidFill>
+              </a:ln>
+            </p:spPr>
+            <p:style>
+              <a:lnRef idx="2">
+                <a:schemeClr val="accent1">
+                  <a:shade val="50000"/>
+                </a:schemeClr>
+              </a:lnRef>
+              <a:fillRef idx="1">
+                <a:schemeClr val="accent1"/>
+              </a:fillRef>
+              <a:effectRef idx="0">
+                <a:schemeClr val="accent1"/>
+              </a:effectRef>
+              <a:fontRef idx="minor">
+                <a:schemeClr val="lt1"/>
+              </a:fontRef>
+            </p:style>
+            <p:txBody>
+              <a:bodyPr rtlCol="0" anchor="ctr"/>
+              <a:lstStyle/>
+              <a:p>
+                <a:pPr algn="ctr"/>
+                <a:r>
+                  <a:rPr lang="en-US" dirty="0">
+                    <a:solidFill>
+                      <a:schemeClr val="tx1"/>
+                    </a:solidFill>
+                  </a:rPr>
+                  <a:t>a1C_30</a:t>
+                </a:r>
+              </a:p>
+            </p:txBody>
+          </p:sp>
+        </p:grpSp>
+        <p:grpSp>
+          <p:nvGrpSpPr>
+            <p:cNvPr id="11" name="Group 10">
+              <a:extLst>
+                <a:ext uri="{FF2B5EF4-FFF2-40B4-BE49-F238E27FC236}">
+                  <a16:creationId xmlns:a16="http://schemas.microsoft.com/office/drawing/2014/main" id="{207CA2F0-17A2-9410-97E6-E6BA72A0A6FC}"/>
+                </a:ext>
+              </a:extLst>
+            </p:cNvPr>
+            <p:cNvGrpSpPr/>
+            <p:nvPr/>
+          </p:nvGrpSpPr>
+          <p:grpSpPr>
+            <a:xfrm>
+              <a:off x="534667" y="4778534"/>
+              <a:ext cx="4046880" cy="1718289"/>
+              <a:chOff x="-1299042" y="2798732"/>
+              <a:chExt cx="5036484" cy="2138471"/>
+            </a:xfrm>
+          </p:grpSpPr>
+          <p:pic>
+            <p:nvPicPr>
+              <p:cNvPr id="12" name="Picture 12">
+                <a:extLst>
+                  <a:ext uri="{FF2B5EF4-FFF2-40B4-BE49-F238E27FC236}">
+                    <a16:creationId xmlns:a16="http://schemas.microsoft.com/office/drawing/2014/main" id="{993F6BC3-273E-DE2E-8535-67B19C2DF137}"/>
+                  </a:ext>
+                </a:extLst>
+              </p:cNvPr>
+              <p:cNvPicPr>
+                <a:picLocks noChangeAspect="1" noChangeArrowheads="1"/>
+              </p:cNvPicPr>
+              <p:nvPr/>
+            </p:nvPicPr>
+            <p:blipFill>
+              <a:blip r:embed="rId5">
+                <a:extLst>
+                  <a:ext uri="{28A0092B-C50C-407E-A947-70E740481C1C}">
+                    <a14:useLocalDpi xmlns:a14="http://schemas.microsoft.com/office/drawing/2010/main" val="0"/>
+                  </a:ext>
+                </a:extLst>
+              </a:blip>
+              <a:srcRect/>
+              <a:stretch>
+                <a:fillRect/>
+              </a:stretch>
+            </p:blipFill>
+            <p:spPr bwMode="auto">
+              <a:xfrm>
+                <a:off x="-1299042" y="2798732"/>
+                <a:ext cx="5036484" cy="2138471"/>
+              </a:xfrm>
+              <a:prstGeom prst="rect">
+                <a:avLst/>
+              </a:prstGeom>
+              <a:noFill/>
+              <a:extLst>
+                <a:ext uri="{909E8E84-426E-40DD-AFC4-6F175D3DCCD1}">
+                  <a14:hiddenFill xmlns:a14="http://schemas.microsoft.com/office/drawing/2010/main">
+                    <a:solidFill>
+                      <a:srgbClr val="FFFFFF"/>
+                    </a:solidFill>
+                  </a14:hiddenFill>
+                </a:ext>
+              </a:extLst>
+            </p:spPr>
+          </p:pic>
+          <p:sp>
+            <p:nvSpPr>
+              <p:cNvPr id="13" name="Rectangle 12">
+                <a:extLst>
+                  <a:ext uri="{FF2B5EF4-FFF2-40B4-BE49-F238E27FC236}">
+                    <a16:creationId xmlns:a16="http://schemas.microsoft.com/office/drawing/2014/main" id="{DB2F0AA7-2451-C86D-1389-061CAE3B6626}"/>
+                  </a:ext>
+                </a:extLst>
+              </p:cNvPr>
+              <p:cNvSpPr/>
+              <p:nvPr/>
+            </p:nvSpPr>
+            <p:spPr>
+              <a:xfrm>
+                <a:off x="-232242" y="2932157"/>
+                <a:ext cx="1317812" cy="423475"/>
+              </a:xfrm>
+              <a:prstGeom prst="rect">
+                <a:avLst/>
+              </a:prstGeom>
+              <a:solidFill>
+                <a:schemeClr val="bg1"/>
+              </a:solidFill>
+              <a:ln>
+                <a:solidFill>
+                  <a:schemeClr val="bg1"/>
+                </a:solidFill>
+              </a:ln>
+            </p:spPr>
+            <p:style>
+              <a:lnRef idx="2">
+                <a:schemeClr val="accent1">
+                  <a:shade val="50000"/>
+                </a:schemeClr>
+              </a:lnRef>
+              <a:fillRef idx="1">
+                <a:schemeClr val="accent1"/>
+              </a:fillRef>
+              <a:effectRef idx="0">
+                <a:schemeClr val="accent1"/>
+              </a:effectRef>
+              <a:fontRef idx="minor">
+                <a:schemeClr val="lt1"/>
+              </a:fontRef>
+            </p:style>
+            <p:txBody>
+              <a:bodyPr rtlCol="0" anchor="ctr"/>
+              <a:lstStyle/>
+              <a:p>
+                <a:pPr algn="ctr"/>
+                <a:r>
+                  <a:rPr lang="en-US" dirty="0">
+                    <a:solidFill>
+                      <a:schemeClr val="tx1"/>
+                    </a:solidFill>
+                  </a:rPr>
+                  <a:t>g1C_30</a:t>
+                </a:r>
+              </a:p>
+            </p:txBody>
+          </p:sp>
+        </p:grpSp>
+      </p:grpSp>
+      <p:sp>
+        <p:nvSpPr>
+          <p:cNvPr id="14" name="TextBox 13">
+            <a:extLst>
+              <a:ext uri="{FF2B5EF4-FFF2-40B4-BE49-F238E27FC236}">
+                <a16:creationId xmlns:a16="http://schemas.microsoft.com/office/drawing/2014/main" id="{A3562AA4-272E-E91B-8C30-99787CAB139B}"/>
+              </a:ext>
+            </a:extLst>
+          </p:cNvPr>
+          <p:cNvSpPr txBox="1"/>
+          <p:nvPr/>
+        </p:nvSpPr>
+        <p:spPr>
+          <a:xfrm>
+            <a:off x="4525651" y="505123"/>
+            <a:ext cx="7334228" cy="2923877"/>
+          </a:xfrm>
+          <a:prstGeom prst="rect">
+            <a:avLst/>
+          </a:prstGeom>
+          <a:noFill/>
+        </p:spPr>
+        <p:txBody>
+          <a:bodyPr wrap="square" rtlCol="0">
+            <a:spAutoFit/>
+          </a:bodyPr>
+          <a:lstStyle/>
+          <a:p>
+            <a:pPr marL="285750" indent="-285750">
+              <a:spcAft>
+                <a:spcPts val="1200"/>
+              </a:spcAft>
+              <a:buFont typeface="Arial" panose="020B0604020202020204" pitchFamily="34" charset="0"/>
+              <a:buChar char="•"/>
+            </a:pPr>
+            <a:r>
+              <a:rPr lang="en-US" dirty="0"/>
+              <a:t>Dilute layer is extremely dilute (0.01 vs. 0.80 in condensed layer)</a:t>
+            </a:r>
+          </a:p>
+          <a:p>
+            <a:pPr marL="285750" indent="-285750">
+              <a:spcAft>
+                <a:spcPts val="1200"/>
+              </a:spcAft>
+              <a:buFont typeface="Arial" panose="020B0604020202020204" pitchFamily="34" charset="0"/>
+              <a:buChar char="•"/>
+            </a:pPr>
+            <a:r>
+              <a:rPr lang="en-US" dirty="0"/>
+              <a:t>In other results (e.g. profiles for pure brushes or other literature), dilute can be approx. 0.1</a:t>
+            </a:r>
+          </a:p>
+          <a:p>
+            <a:pPr marL="285750" indent="-285750">
+              <a:spcAft>
+                <a:spcPts val="1200"/>
+              </a:spcAft>
+              <a:buFont typeface="Arial" panose="020B0604020202020204" pitchFamily="34" charset="0"/>
+              <a:buChar char="•"/>
+            </a:pPr>
+            <a:endParaRPr lang="en-US" dirty="0"/>
+          </a:p>
+          <a:p>
+            <a:pPr marL="285750" indent="-285750">
+              <a:spcAft>
+                <a:spcPts val="1200"/>
+              </a:spcAft>
+              <a:buFont typeface="Arial" panose="020B0604020202020204" pitchFamily="34" charset="0"/>
+              <a:buChar char="•"/>
+            </a:pPr>
+            <a:r>
+              <a:rPr lang="en-US" dirty="0"/>
+              <a:t>These profiles were optimized to get as close to linear behavior as possible</a:t>
+            </a:r>
+          </a:p>
+          <a:p>
+            <a:pPr marL="742950" lvl="1" indent="-285750">
+              <a:spcAft>
+                <a:spcPts val="1200"/>
+              </a:spcAft>
+              <a:buFont typeface="Arial" panose="020B0604020202020204" pitchFamily="34" charset="0"/>
+              <a:buChar char="•"/>
+            </a:pPr>
+            <a:r>
+              <a:rPr lang="en-US" dirty="0"/>
+              <a:t>However, they both get less “realistic” and final heights still do not match </a:t>
+            </a:r>
+            <a:r>
+              <a:rPr lang="en-US" dirty="0" err="1"/>
+              <a:t>expts</a:t>
+            </a:r>
+            <a:endParaRPr lang="en-US" dirty="0"/>
+          </a:p>
+        </p:txBody>
+      </p:sp>
+      <p:grpSp>
+        <p:nvGrpSpPr>
+          <p:cNvPr id="16" name="Group 15">
+            <a:extLst>
+              <a:ext uri="{FF2B5EF4-FFF2-40B4-BE49-F238E27FC236}">
+                <a16:creationId xmlns:a16="http://schemas.microsoft.com/office/drawing/2014/main" id="{42FDB2C6-3711-B74B-4ACA-219E3D2038A1}"/>
+              </a:ext>
+            </a:extLst>
+          </p:cNvPr>
+          <p:cNvGrpSpPr/>
+          <p:nvPr/>
+        </p:nvGrpSpPr>
+        <p:grpSpPr>
+          <a:xfrm>
+            <a:off x="4606224" y="3911758"/>
+            <a:ext cx="2979552" cy="2742805"/>
+            <a:chOff x="3565301" y="676107"/>
+            <a:chExt cx="2527338" cy="2326523"/>
+          </a:xfrm>
+        </p:grpSpPr>
+        <p:pic>
+          <p:nvPicPr>
+            <p:cNvPr id="17" name="Picture 4">
+              <a:extLst>
+                <a:ext uri="{FF2B5EF4-FFF2-40B4-BE49-F238E27FC236}">
+                  <a16:creationId xmlns:a16="http://schemas.microsoft.com/office/drawing/2014/main" id="{0E7EDA88-99A3-1C6B-CB59-96AAB26E2473}"/>
+                </a:ext>
+              </a:extLst>
+            </p:cNvPr>
+            <p:cNvPicPr>
+              <a:picLocks noChangeAspect="1" noChangeArrowheads="1"/>
+            </p:cNvPicPr>
+            <p:nvPr/>
+          </p:nvPicPr>
+          <p:blipFill>
+            <a:blip r:embed="rId6">
+              <a:extLst>
+                <a:ext uri="{28A0092B-C50C-407E-A947-70E740481C1C}">
+                  <a14:useLocalDpi xmlns:a14="http://schemas.microsoft.com/office/drawing/2010/main" val="0"/>
+                </a:ext>
+              </a:extLst>
+            </a:blip>
+            <a:srcRect/>
+            <a:stretch>
+              <a:fillRect/>
+            </a:stretch>
+          </p:blipFill>
+          <p:spPr bwMode="auto">
+            <a:xfrm>
+              <a:off x="3565301" y="676107"/>
+              <a:ext cx="2527338" cy="2326523"/>
+            </a:xfrm>
+            <a:prstGeom prst="rect">
+              <a:avLst/>
+            </a:prstGeom>
+            <a:noFill/>
+            <a:extLst>
+              <a:ext uri="{909E8E84-426E-40DD-AFC4-6F175D3DCCD1}">
+                <a14:hiddenFill xmlns:a14="http://schemas.microsoft.com/office/drawing/2010/main">
+                  <a:solidFill>
+                    <a:srgbClr val="FFFFFF"/>
+                  </a:solidFill>
+                </a14:hiddenFill>
+              </a:ext>
+            </a:extLst>
+          </p:spPr>
+        </p:pic>
+        <p:sp>
+          <p:nvSpPr>
+            <p:cNvPr id="18" name="TextBox 17">
+              <a:extLst>
+                <a:ext uri="{FF2B5EF4-FFF2-40B4-BE49-F238E27FC236}">
+                  <a16:creationId xmlns:a16="http://schemas.microsoft.com/office/drawing/2014/main" id="{EA8A61C4-BC89-3A43-A7A8-ECAE37F42D8A}"/>
+                </a:ext>
+              </a:extLst>
+            </p:cNvPr>
+            <p:cNvSpPr txBox="1"/>
+            <p:nvPr/>
+          </p:nvSpPr>
+          <p:spPr>
+            <a:xfrm>
+              <a:off x="4459383" y="1034399"/>
+              <a:ext cx="1052230" cy="276999"/>
+            </a:xfrm>
+            <a:prstGeom prst="rect">
+              <a:avLst/>
+            </a:prstGeom>
+            <a:solidFill>
+              <a:schemeClr val="bg1"/>
+            </a:solidFill>
+          </p:spPr>
+          <p:txBody>
+            <a:bodyPr wrap="square" rtlCol="0">
+              <a:spAutoFit/>
+            </a:bodyPr>
+            <a:lstStyle/>
+            <a:p>
+              <a:pPr algn="ctr"/>
+              <a:r>
+                <a:rPr lang="en-US" sz="1200" dirty="0"/>
+                <a:t>Scaled by 1.6</a:t>
+              </a:r>
+            </a:p>
+          </p:txBody>
+        </p:sp>
+      </p:grpSp>
+      <p:sp>
+        <p:nvSpPr>
+          <p:cNvPr id="19" name="TextBox 18">
+            <a:extLst>
+              <a:ext uri="{FF2B5EF4-FFF2-40B4-BE49-F238E27FC236}">
+                <a16:creationId xmlns:a16="http://schemas.microsoft.com/office/drawing/2014/main" id="{1899129F-015F-ABB4-B072-C476E044A80D}"/>
+              </a:ext>
+            </a:extLst>
+          </p:cNvPr>
+          <p:cNvSpPr txBox="1"/>
+          <p:nvPr/>
+        </p:nvSpPr>
+        <p:spPr>
+          <a:xfrm>
+            <a:off x="7585775" y="4081975"/>
+            <a:ext cx="4501449" cy="2062103"/>
+          </a:xfrm>
+          <a:prstGeom prst="rect">
+            <a:avLst/>
+          </a:prstGeom>
+          <a:noFill/>
+        </p:spPr>
+        <p:txBody>
+          <a:bodyPr wrap="square" rtlCol="0">
+            <a:spAutoFit/>
+          </a:bodyPr>
+          <a:lstStyle/>
+          <a:p>
+            <a:pPr marL="285750" indent="-285750">
+              <a:spcAft>
+                <a:spcPts val="1200"/>
+              </a:spcAft>
+              <a:buFont typeface="Arial" panose="020B0604020202020204" pitchFamily="34" charset="0"/>
+              <a:buChar char="•"/>
+            </a:pPr>
+            <a:r>
+              <a:rPr lang="en-US" dirty="0"/>
+              <a:t>Scaling factor: </a:t>
+            </a:r>
+          </a:p>
+          <a:p>
+            <a:pPr marL="742950" lvl="1" indent="-285750">
+              <a:spcAft>
+                <a:spcPts val="1200"/>
+              </a:spcAft>
+              <a:buFont typeface="Arial" panose="020B0604020202020204" pitchFamily="34" charset="0"/>
+              <a:buChar char="•"/>
+            </a:pPr>
+            <a:r>
+              <a:rPr lang="en-US" dirty="0"/>
+              <a:t>Arbitrary scaling of calculated heights (e.g.  </a:t>
+            </a:r>
+            <a:r>
+              <a:rPr lang="en-US" i="1" dirty="0"/>
+              <a:t>c</a:t>
+            </a:r>
+            <a:r>
+              <a:rPr lang="en-US" dirty="0"/>
+              <a:t> * </a:t>
+            </a:r>
+            <a:r>
+              <a:rPr lang="en-US" i="1" dirty="0"/>
+              <a:t>H_{theory}</a:t>
+            </a:r>
+            <a:r>
+              <a:rPr lang="en-US" dirty="0"/>
+              <a:t>)</a:t>
+            </a:r>
+          </a:p>
+          <a:p>
+            <a:pPr marL="742950" lvl="1" indent="-285750">
+              <a:spcAft>
+                <a:spcPts val="1200"/>
+              </a:spcAft>
+              <a:buFont typeface="Arial" panose="020B0604020202020204" pitchFamily="34" charset="0"/>
+              <a:buChar char="•"/>
+            </a:pPr>
+            <a:r>
+              <a:rPr lang="en-US" dirty="0"/>
+              <a:t>Not easy to justify; can just as well say that theory is wrong and insight is not useful</a:t>
+            </a:r>
+          </a:p>
+        </p:txBody>
+      </p:sp>
+    </p:spTree>
+    <p:extLst>
+      <p:ext uri="{BB962C8B-B14F-4D97-AF65-F5344CB8AC3E}">
+        <p14:creationId xmlns:p14="http://schemas.microsoft.com/office/powerpoint/2010/main" val="4014670554"/>
+      </p:ext>
+    </p:extLst>
+  </p:cSld>
+  <p:clrMapOvr>
+    <a:masterClrMapping/>
+  </p:clrMapOvr>
+</p:sld>
+</file>
+
+<file path=ppt/slides/slide9.xml><?xml version="1.0" encoding="utf-8"?>
 <p:sld xmlns:a="http://schemas.openxmlformats.org/drawingml/2006/main" xmlns:r="http://schemas.openxmlformats.org/officeDocument/2006/relationships" xmlns:p="http://schemas.openxmlformats.org/presentationml/2006/main">
   <p:cSld>
     <p:spTree>

--- a/20230420 EAD Update.pptx
+++ b/20230420 EAD Update.pptx
@@ -10,10 +10,11 @@
     <p:sldId id="258" r:id="rId4"/>
     <p:sldId id="263" r:id="rId5"/>
     <p:sldId id="261" r:id="rId6"/>
-    <p:sldId id="315" r:id="rId7"/>
-    <p:sldId id="317" r:id="rId8"/>
-    <p:sldId id="318" r:id="rId9"/>
-    <p:sldId id="259" r:id="rId10"/>
+    <p:sldId id="259" r:id="rId7"/>
+    <p:sldId id="315" r:id="rId8"/>
+    <p:sldId id="317" r:id="rId9"/>
+    <p:sldId id="318" r:id="rId10"/>
+    <p:sldId id="321" r:id="rId11"/>
   </p:sldIdLst>
   <p:sldSz cx="12192000" cy="6858000"/>
   <p:notesSz cx="6858000" cy="9144000"/>
@@ -3366,6 +3367,238 @@
     <p:extLst>
       <p:ext uri="{BB962C8B-B14F-4D97-AF65-F5344CB8AC3E}">
         <p14:creationId xmlns:p14="http://schemas.microsoft.com/office/powerpoint/2010/main" val="870069903"/>
+      </p:ext>
+    </p:extLst>
+  </p:cSld>
+  <p:clrMapOvr>
+    <a:masterClrMapping/>
+  </p:clrMapOvr>
+</p:sld>
+</file>
+
+<file path=ppt/slides/slide10.xml><?xml version="1.0" encoding="utf-8"?>
+<p:sld xmlns:a="http://schemas.openxmlformats.org/drawingml/2006/main" xmlns:r="http://schemas.openxmlformats.org/officeDocument/2006/relationships" xmlns:p="http://schemas.openxmlformats.org/presentationml/2006/main">
+  <p:cSld>
+    <p:spTree>
+      <p:nvGrpSpPr>
+        <p:cNvPr id="1" name=""/>
+        <p:cNvGrpSpPr/>
+        <p:nvPr/>
+      </p:nvGrpSpPr>
+      <p:grpSpPr>
+        <a:xfrm>
+          <a:off x="0" y="0"/>
+          <a:ext cx="0" cy="0"/>
+          <a:chOff x="0" y="0"/>
+          <a:chExt cx="0" cy="0"/>
+        </a:xfrm>
+      </p:grpSpPr>
+      <p:sp>
+        <p:nvSpPr>
+          <p:cNvPr id="2" name="Title 1">
+            <a:extLst>
+              <a:ext uri="{FF2B5EF4-FFF2-40B4-BE49-F238E27FC236}">
+                <a16:creationId xmlns:a16="http://schemas.microsoft.com/office/drawing/2014/main" id="{A7429427-220A-29F3-5424-33D7B3A506D9}"/>
+              </a:ext>
+            </a:extLst>
+          </p:cNvPr>
+          <p:cNvSpPr>
+            <a:spLocks noGrp="1"/>
+          </p:cNvSpPr>
+          <p:nvPr>
+            <p:ph type="title"/>
+          </p:nvPr>
+        </p:nvSpPr>
+        <p:spPr>
+          <a:xfrm>
+            <a:off x="838200" y="18256"/>
+            <a:ext cx="10515600" cy="810420"/>
+          </a:xfrm>
+        </p:spPr>
+        <p:txBody>
+          <a:bodyPr/>
+          <a:lstStyle/>
+          <a:p>
+            <a:r>
+              <a:rPr lang="en-US" dirty="0"/>
+              <a:t>Takeaways</a:t>
+            </a:r>
+          </a:p>
+        </p:txBody>
+      </p:sp>
+      <p:sp>
+        <p:nvSpPr>
+          <p:cNvPr id="3" name="Content Placeholder 2">
+            <a:extLst>
+              <a:ext uri="{FF2B5EF4-FFF2-40B4-BE49-F238E27FC236}">
+                <a16:creationId xmlns:a16="http://schemas.microsoft.com/office/drawing/2014/main" id="{72D7028B-516B-714B-12C1-FD45C093367E}"/>
+              </a:ext>
+            </a:extLst>
+          </p:cNvPr>
+          <p:cNvSpPr>
+            <a:spLocks noGrp="1"/>
+          </p:cNvSpPr>
+          <p:nvPr>
+            <p:ph idx="1"/>
+          </p:nvPr>
+        </p:nvSpPr>
+        <p:spPr>
+          <a:xfrm>
+            <a:off x="838200" y="828675"/>
+            <a:ext cx="10515600" cy="6029325"/>
+          </a:xfrm>
+        </p:spPr>
+        <p:txBody>
+          <a:bodyPr>
+            <a:normAutofit lnSpcReduction="10000"/>
+          </a:bodyPr>
+          <a:lstStyle/>
+          <a:p>
+            <a:pPr>
+              <a:spcAft>
+                <a:spcPts val="600"/>
+              </a:spcAft>
+            </a:pPr>
+            <a:r>
+              <a:rPr lang="en-US" sz="2400" dirty="0"/>
+              <a:t>Polymer density profiles for the pure brushes are obtainable using theory</a:t>
+            </a:r>
+          </a:p>
+          <a:p>
+            <a:pPr lvl="1">
+              <a:spcAft>
+                <a:spcPts val="600"/>
+              </a:spcAft>
+            </a:pPr>
+            <a:r>
+              <a:rPr lang="en-US" sz="2000" dirty="0"/>
+              <a:t>Fitting parameters: b, v, chi, H thresh</a:t>
+            </a:r>
+          </a:p>
+          <a:p>
+            <a:pPr lvl="1">
+              <a:spcAft>
+                <a:spcPts val="600"/>
+              </a:spcAft>
+            </a:pPr>
+            <a:r>
+              <a:rPr lang="en-US" sz="2000" dirty="0"/>
+              <a:t>Many parameter sets can recover experimental heights</a:t>
+            </a:r>
+          </a:p>
+          <a:p>
+            <a:pPr>
+              <a:spcAft>
+                <a:spcPts val="600"/>
+              </a:spcAft>
+            </a:pPr>
+            <a:r>
+              <a:rPr lang="en-US" sz="2400" dirty="0"/>
+              <a:t>In the L/H mixture, the calc. height profiles were very non-linear </a:t>
+            </a:r>
+            <a:r>
+              <a:rPr lang="en-US" sz="2400" dirty="0" err="1"/>
+              <a:t>wrt</a:t>
+            </a:r>
+            <a:r>
+              <a:rPr lang="en-US" sz="2400" dirty="0"/>
+              <a:t> addition of any L.</a:t>
+            </a:r>
+          </a:p>
+          <a:p>
+            <a:pPr lvl="1">
+              <a:spcAft>
+                <a:spcPts val="600"/>
+              </a:spcAft>
+            </a:pPr>
+            <a:r>
+              <a:rPr lang="en-US" sz="2000" dirty="0"/>
+              <a:t>Caused by L being pushed out (sterically and electrostatically) by H</a:t>
+            </a:r>
+          </a:p>
+          <a:p>
+            <a:pPr lvl="1">
+              <a:spcAft>
+                <a:spcPts val="600"/>
+              </a:spcAft>
+            </a:pPr>
+            <a:r>
+              <a:rPr lang="en-US" sz="2000" dirty="0"/>
+              <a:t>To recover linear response, density profiles became non-physical and heights did not match experiments quantitatively</a:t>
+            </a:r>
+          </a:p>
+          <a:p>
+            <a:pPr>
+              <a:spcAft>
+                <a:spcPts val="600"/>
+              </a:spcAft>
+            </a:pPr>
+            <a:r>
+              <a:rPr lang="en-US" sz="2400" dirty="0"/>
+              <a:t>Possible reasons</a:t>
+            </a:r>
+          </a:p>
+          <a:p>
+            <a:pPr lvl="1">
+              <a:spcAft>
+                <a:spcPts val="600"/>
+              </a:spcAft>
+            </a:pPr>
+            <a:r>
+              <a:rPr lang="en-US" sz="2000" dirty="0"/>
+              <a:t>Changes are not happening only in 1D (patterning or organization inside of the condensed layers)</a:t>
+            </a:r>
+          </a:p>
+          <a:p>
+            <a:pPr lvl="1">
+              <a:spcAft>
+                <a:spcPts val="600"/>
+              </a:spcAft>
+            </a:pPr>
+            <a:r>
+              <a:rPr lang="en-US" sz="2000" dirty="0"/>
+              <a:t>Height from polymer density profiles is not a sufficient proxy for AFM-calculated height</a:t>
+            </a:r>
+          </a:p>
+          <a:p>
+            <a:pPr lvl="2">
+              <a:spcAft>
+                <a:spcPts val="600"/>
+              </a:spcAft>
+            </a:pPr>
+            <a:r>
+              <a:rPr lang="en-US" dirty="0"/>
+              <a:t>Mechanical properties of L/H or dilute/condensed layers are not similar </a:t>
+            </a:r>
+          </a:p>
+          <a:p>
+            <a:pPr lvl="2">
+              <a:spcAft>
+                <a:spcPts val="600"/>
+              </a:spcAft>
+            </a:pPr>
+            <a:r>
+              <a:rPr lang="en-US" sz="2000" dirty="0"/>
+              <a:t>Theory can also calculate force-spectra, but is not high-throughput</a:t>
+            </a:r>
+          </a:p>
+          <a:p>
+            <a:pPr lvl="1">
+              <a:spcAft>
+                <a:spcPts val="600"/>
+              </a:spcAft>
+            </a:pPr>
+            <a:r>
+              <a:rPr lang="en-US" sz="2000" dirty="0"/>
+              <a:t>Some other interactions between L/H that are not considered in our model (weak polyacid/base, local polarization, hydrogen-bonding, etc.)</a:t>
+            </a:r>
+          </a:p>
+        </p:txBody>
+      </p:sp>
+    </p:spTree>
+    <p:extLst>
+      <p:ext uri="{BB962C8B-B14F-4D97-AF65-F5344CB8AC3E}">
+        <p14:creationId xmlns:p14="http://schemas.microsoft.com/office/powerpoint/2010/main" val="626688563"/>
       </p:ext>
     </p:extLst>
   </p:cSld>
@@ -5709,6 +5942,491 @@
 </file>
 
 <file path=ppt/slides/slide6.xml><?xml version="1.0" encoding="utf-8"?>
+<p:sld xmlns:a="http://schemas.openxmlformats.org/drawingml/2006/main" xmlns:r="http://schemas.openxmlformats.org/officeDocument/2006/relationships" xmlns:p="http://schemas.openxmlformats.org/presentationml/2006/main">
+  <p:cSld>
+    <p:spTree>
+      <p:nvGrpSpPr>
+        <p:cNvPr id="1" name=""/>
+        <p:cNvGrpSpPr/>
+        <p:nvPr/>
+      </p:nvGrpSpPr>
+      <p:grpSpPr>
+        <a:xfrm>
+          <a:off x="0" y="0"/>
+          <a:ext cx="0" cy="0"/>
+          <a:chOff x="0" y="0"/>
+          <a:chExt cx="0" cy="0"/>
+        </a:xfrm>
+      </p:grpSpPr>
+      <p:sp>
+        <p:nvSpPr>
+          <p:cNvPr id="3" name="Title 1">
+            <a:extLst>
+              <a:ext uri="{FF2B5EF4-FFF2-40B4-BE49-F238E27FC236}">
+                <a16:creationId xmlns:a16="http://schemas.microsoft.com/office/drawing/2014/main" id="{D21419CD-FE78-82D1-E555-B40688D39463}"/>
+              </a:ext>
+            </a:extLst>
+          </p:cNvPr>
+          <p:cNvSpPr>
+            <a:spLocks noGrp="1"/>
+          </p:cNvSpPr>
+          <p:nvPr>
+            <p:ph type="title"/>
+          </p:nvPr>
+        </p:nvSpPr>
+        <p:spPr>
+          <a:xfrm>
+            <a:off x="392638" y="302621"/>
+            <a:ext cx="10515600" cy="694267"/>
+          </a:xfrm>
+        </p:spPr>
+        <p:txBody>
+          <a:bodyPr>
+            <a:normAutofit fontScale="90000"/>
+          </a:bodyPr>
+          <a:lstStyle/>
+          <a:p>
+            <a:r>
+              <a:rPr lang="en-US" dirty="0"/>
+              <a:t>Phosphorylated NFH Progress</a:t>
+            </a:r>
+          </a:p>
+        </p:txBody>
+      </p:sp>
+      <p:grpSp>
+        <p:nvGrpSpPr>
+          <p:cNvPr id="10" name="Group 9">
+            <a:extLst>
+              <a:ext uri="{FF2B5EF4-FFF2-40B4-BE49-F238E27FC236}">
+                <a16:creationId xmlns:a16="http://schemas.microsoft.com/office/drawing/2014/main" id="{17328DC5-8A3B-F54D-3C3A-8939DE84E306}"/>
+              </a:ext>
+            </a:extLst>
+          </p:cNvPr>
+          <p:cNvGrpSpPr/>
+          <p:nvPr/>
+        </p:nvGrpSpPr>
+        <p:grpSpPr>
+          <a:xfrm>
+            <a:off x="1586213" y="3539701"/>
+            <a:ext cx="4509787" cy="3271136"/>
+            <a:chOff x="1881832" y="1591306"/>
+            <a:chExt cx="5017787" cy="3639609"/>
+          </a:xfrm>
+        </p:grpSpPr>
+        <p:pic>
+          <p:nvPicPr>
+            <p:cNvPr id="2050" name="Picture 2">
+              <a:extLst>
+                <a:ext uri="{FF2B5EF4-FFF2-40B4-BE49-F238E27FC236}">
+                  <a16:creationId xmlns:a16="http://schemas.microsoft.com/office/drawing/2014/main" id="{2ACE7292-1EA5-F5E5-495B-8D3C774A19A4}"/>
+                </a:ext>
+              </a:extLst>
+            </p:cNvPr>
+            <p:cNvPicPr>
+              <a:picLocks noChangeAspect="1" noChangeArrowheads="1"/>
+            </p:cNvPicPr>
+            <p:nvPr/>
+          </p:nvPicPr>
+          <p:blipFill>
+            <a:blip r:embed="rId2">
+              <a:extLst>
+                <a:ext uri="{28A0092B-C50C-407E-A947-70E740481C1C}">
+                  <a14:useLocalDpi xmlns:a14="http://schemas.microsoft.com/office/drawing/2010/main" val="0"/>
+                </a:ext>
+              </a:extLst>
+            </a:blip>
+            <a:srcRect/>
+            <a:stretch>
+              <a:fillRect/>
+            </a:stretch>
+          </p:blipFill>
+          <p:spPr bwMode="auto">
+            <a:xfrm>
+              <a:off x="1881832" y="1591306"/>
+              <a:ext cx="5017787" cy="3639609"/>
+            </a:xfrm>
+            <a:prstGeom prst="rect">
+              <a:avLst/>
+            </a:prstGeom>
+            <a:noFill/>
+            <a:extLst>
+              <a:ext uri="{909E8E84-426E-40DD-AFC4-6F175D3DCCD1}">
+                <a14:hiddenFill xmlns:a14="http://schemas.microsoft.com/office/drawing/2010/main">
+                  <a:solidFill>
+                    <a:srgbClr val="FFFFFF"/>
+                  </a:solidFill>
+                </a14:hiddenFill>
+              </a:ext>
+            </a:extLst>
+          </p:spPr>
+        </p:pic>
+        <p:cxnSp>
+          <p:nvCxnSpPr>
+            <p:cNvPr id="4" name="Straight Arrow Connector 3">
+              <a:extLst>
+                <a:ext uri="{FF2B5EF4-FFF2-40B4-BE49-F238E27FC236}">
+                  <a16:creationId xmlns:a16="http://schemas.microsoft.com/office/drawing/2014/main" id="{E71735E2-1106-E89E-226D-4722BBCE7AD4}"/>
+                </a:ext>
+              </a:extLst>
+            </p:cNvPr>
+            <p:cNvCxnSpPr>
+              <a:cxnSpLocks/>
+            </p:cNvCxnSpPr>
+            <p:nvPr/>
+          </p:nvCxnSpPr>
+          <p:spPr>
+            <a:xfrm>
+              <a:off x="3451799" y="2460013"/>
+              <a:ext cx="1130405" cy="487459"/>
+            </a:xfrm>
+            <a:prstGeom prst="straightConnector1">
+              <a:avLst/>
+            </a:prstGeom>
+            <a:ln w="28575">
+              <a:solidFill>
+                <a:schemeClr val="tx1"/>
+              </a:solidFill>
+              <a:tailEnd type="triangle"/>
+            </a:ln>
+          </p:spPr>
+          <p:style>
+            <a:lnRef idx="1">
+              <a:schemeClr val="accent1"/>
+            </a:lnRef>
+            <a:fillRef idx="0">
+              <a:schemeClr val="accent1"/>
+            </a:fillRef>
+            <a:effectRef idx="0">
+              <a:schemeClr val="accent1"/>
+            </a:effectRef>
+            <a:fontRef idx="minor">
+              <a:schemeClr val="tx1"/>
+            </a:fontRef>
+          </p:style>
+        </p:cxnSp>
+      </p:grpSp>
+      <p:sp>
+        <p:nvSpPr>
+          <p:cNvPr id="9" name="TextBox 8">
+            <a:extLst>
+              <a:ext uri="{FF2B5EF4-FFF2-40B4-BE49-F238E27FC236}">
+                <a16:creationId xmlns:a16="http://schemas.microsoft.com/office/drawing/2014/main" id="{9C0CD2AA-3ACB-61A6-3AB2-B619617CF956}"/>
+              </a:ext>
+            </a:extLst>
+          </p:cNvPr>
+          <p:cNvSpPr txBox="1"/>
+          <p:nvPr/>
+        </p:nvSpPr>
+        <p:spPr>
+          <a:xfrm>
+            <a:off x="6383830" y="3583545"/>
+            <a:ext cx="5621866" cy="1754326"/>
+          </a:xfrm>
+          <a:prstGeom prst="rect">
+            <a:avLst/>
+          </a:prstGeom>
+          <a:noFill/>
+        </p:spPr>
+        <p:txBody>
+          <a:bodyPr wrap="square" rtlCol="0">
+            <a:spAutoFit/>
+          </a:bodyPr>
+          <a:lstStyle/>
+          <a:p>
+            <a:pPr marL="285750" indent="-285750">
+              <a:buFont typeface="Arial" panose="020B0604020202020204" pitchFamily="34" charset="0"/>
+              <a:buChar char="•"/>
+            </a:pPr>
+            <a:r>
+              <a:rPr lang="en-US" dirty="0"/>
+              <a:t>Currently running one more to get a closer fit; if not, the current best one should be close enough</a:t>
+            </a:r>
+          </a:p>
+          <a:p>
+            <a:pPr marL="285750" indent="-285750">
+              <a:buFont typeface="Arial" panose="020B0604020202020204" pitchFamily="34" charset="0"/>
+              <a:buChar char="•"/>
+            </a:pPr>
+            <a:endParaRPr lang="en-US" dirty="0"/>
+          </a:p>
+          <a:p>
+            <a:pPr marL="285750" indent="-285750">
+              <a:buFont typeface="Arial" panose="020B0604020202020204" pitchFamily="34" charset="0"/>
+              <a:buChar char="•"/>
+            </a:pPr>
+            <a:r>
+              <a:rPr lang="en-US" dirty="0"/>
+              <a:t>These parameters are close to those of the native NFH. Hopefully means that I can use the final parameters of native NFL to get the blended </a:t>
+            </a:r>
+            <a:r>
+              <a:rPr lang="en-US" dirty="0" err="1"/>
+              <a:t>phosph</a:t>
+            </a:r>
+            <a:r>
+              <a:rPr lang="en-US" dirty="0"/>
+              <a:t>. results</a:t>
+            </a:r>
+          </a:p>
+        </p:txBody>
+      </p:sp>
+      <p:sp>
+        <p:nvSpPr>
+          <p:cNvPr id="11" name="TextBox 10">
+            <a:extLst>
+              <a:ext uri="{FF2B5EF4-FFF2-40B4-BE49-F238E27FC236}">
+                <a16:creationId xmlns:a16="http://schemas.microsoft.com/office/drawing/2014/main" id="{58D3EEA5-8CAE-34CC-F0F6-F8E2ED82B9AB}"/>
+              </a:ext>
+            </a:extLst>
+          </p:cNvPr>
+          <p:cNvSpPr txBox="1"/>
+          <p:nvPr/>
+        </p:nvSpPr>
+        <p:spPr>
+          <a:xfrm>
+            <a:off x="6383830" y="5558590"/>
+            <a:ext cx="5621866" cy="1169551"/>
+          </a:xfrm>
+          <a:prstGeom prst="rect">
+            <a:avLst/>
+          </a:prstGeom>
+          <a:noFill/>
+        </p:spPr>
+        <p:txBody>
+          <a:bodyPr wrap="square" rtlCol="0">
+            <a:spAutoFit/>
+          </a:bodyPr>
+          <a:lstStyle/>
+          <a:p>
+            <a:pPr marL="285750" indent="-285750">
+              <a:buFont typeface="Arial" panose="020B0604020202020204" pitchFamily="34" charset="0"/>
+              <a:buChar char="•"/>
+            </a:pPr>
+            <a:r>
+              <a:rPr lang="en-US" sz="1400" dirty="0"/>
+              <a:t>Quick note: the points that go to zero just didn’t converge. The point at 6 nm takes a really long time to converge, so I will probably proceed with only calculating from 1 to 6 nm. </a:t>
+            </a:r>
+          </a:p>
+          <a:p>
+            <a:pPr marL="285750" indent="-285750">
+              <a:buFont typeface="Arial" panose="020B0604020202020204" pitchFamily="34" charset="0"/>
+              <a:buChar char="•"/>
+            </a:pPr>
+            <a:endParaRPr lang="en-US" sz="1400" dirty="0"/>
+          </a:p>
+          <a:p>
+            <a:pPr marL="285750" indent="-285750">
+              <a:buFont typeface="Arial" panose="020B0604020202020204" pitchFamily="34" charset="0"/>
+              <a:buChar char="•"/>
+            </a:pPr>
+            <a:r>
+              <a:rPr lang="en-US" sz="1400" dirty="0"/>
+              <a:t>In the future, if needed, I can go to 8 nm (1.6 mM)</a:t>
+            </a:r>
+          </a:p>
+        </p:txBody>
+      </p:sp>
+      <p:cxnSp>
+        <p:nvCxnSpPr>
+          <p:cNvPr id="12" name="Straight Arrow Connector 11">
+            <a:extLst>
+              <a:ext uri="{FF2B5EF4-FFF2-40B4-BE49-F238E27FC236}">
+                <a16:creationId xmlns:a16="http://schemas.microsoft.com/office/drawing/2014/main" id="{9EF63E2E-326A-51D6-D47D-169A9FD876FC}"/>
+              </a:ext>
+            </a:extLst>
+          </p:cNvPr>
+          <p:cNvCxnSpPr>
+            <a:cxnSpLocks/>
+          </p:cNvCxnSpPr>
+          <p:nvPr/>
+        </p:nvCxnSpPr>
+        <p:spPr>
+          <a:xfrm flipH="1">
+            <a:off x="4448175" y="5765800"/>
+            <a:ext cx="1851025" cy="254000"/>
+          </a:xfrm>
+          <a:prstGeom prst="straightConnector1">
+            <a:avLst/>
+          </a:prstGeom>
+          <a:ln w="28575">
+            <a:solidFill>
+              <a:schemeClr val="tx1"/>
+            </a:solidFill>
+            <a:tailEnd type="triangle"/>
+          </a:ln>
+        </p:spPr>
+        <p:style>
+          <a:lnRef idx="1">
+            <a:schemeClr val="accent1"/>
+          </a:lnRef>
+          <a:fillRef idx="0">
+            <a:schemeClr val="accent1"/>
+          </a:fillRef>
+          <a:effectRef idx="0">
+            <a:schemeClr val="accent1"/>
+          </a:effectRef>
+          <a:fontRef idx="minor">
+            <a:schemeClr val="tx1"/>
+          </a:fontRef>
+        </p:style>
+      </p:cxnSp>
+      <p:grpSp>
+        <p:nvGrpSpPr>
+          <p:cNvPr id="17" name="Group 16">
+            <a:extLst>
+              <a:ext uri="{FF2B5EF4-FFF2-40B4-BE49-F238E27FC236}">
+                <a16:creationId xmlns:a16="http://schemas.microsoft.com/office/drawing/2014/main" id="{FC1FBEB3-BE52-C760-B45F-5D817833A164}"/>
+              </a:ext>
+            </a:extLst>
+          </p:cNvPr>
+          <p:cNvGrpSpPr/>
+          <p:nvPr/>
+        </p:nvGrpSpPr>
+        <p:grpSpPr>
+          <a:xfrm>
+            <a:off x="2846574" y="1122374"/>
+            <a:ext cx="6905252" cy="2172803"/>
+            <a:chOff x="5202080" y="812718"/>
+            <a:chExt cx="6905252" cy="2172803"/>
+          </a:xfrm>
+        </p:grpSpPr>
+        <p:pic>
+          <p:nvPicPr>
+            <p:cNvPr id="14" name="Picture 2">
+              <a:extLst>
+                <a:ext uri="{FF2B5EF4-FFF2-40B4-BE49-F238E27FC236}">
+                  <a16:creationId xmlns:a16="http://schemas.microsoft.com/office/drawing/2014/main" id="{401BF9EB-1C55-9951-FA2F-C77E4AB5E08B}"/>
+                </a:ext>
+              </a:extLst>
+            </p:cNvPr>
+            <p:cNvPicPr>
+              <a:picLocks noChangeAspect="1" noChangeArrowheads="1"/>
+            </p:cNvPicPr>
+            <p:nvPr/>
+          </p:nvPicPr>
+          <p:blipFill>
+            <a:blip r:embed="rId3">
+              <a:extLst>
+                <a:ext uri="{28A0092B-C50C-407E-A947-70E740481C1C}">
+                  <a14:useLocalDpi xmlns:a14="http://schemas.microsoft.com/office/drawing/2010/main" val="0"/>
+                </a:ext>
+              </a:extLst>
+            </a:blip>
+            <a:srcRect/>
+            <a:stretch>
+              <a:fillRect/>
+            </a:stretch>
+          </p:blipFill>
+          <p:spPr bwMode="auto">
+            <a:xfrm>
+              <a:off x="5202080" y="1230316"/>
+              <a:ext cx="6905252" cy="1755205"/>
+            </a:xfrm>
+            <a:prstGeom prst="rect">
+              <a:avLst/>
+            </a:prstGeom>
+            <a:noFill/>
+            <a:extLst>
+              <a:ext uri="{909E8E84-426E-40DD-AFC4-6F175D3DCCD1}">
+                <a14:hiddenFill xmlns:a14="http://schemas.microsoft.com/office/drawing/2010/main">
+                  <a:solidFill>
+                    <a:srgbClr val="FFFFFF"/>
+                  </a:solidFill>
+                </a14:hiddenFill>
+              </a:ext>
+            </a:extLst>
+          </p:spPr>
+        </p:pic>
+        <p:sp>
+          <p:nvSpPr>
+            <p:cNvPr id="16" name="TextBox 15">
+              <a:extLst>
+                <a:ext uri="{FF2B5EF4-FFF2-40B4-BE49-F238E27FC236}">
+                  <a16:creationId xmlns:a16="http://schemas.microsoft.com/office/drawing/2014/main" id="{1F77B478-E26D-FE32-4466-C295BEDEB0E0}"/>
+                </a:ext>
+              </a:extLst>
+            </p:cNvPr>
+            <p:cNvSpPr txBox="1"/>
+            <p:nvPr/>
+          </p:nvSpPr>
+          <p:spPr>
+            <a:xfrm>
+              <a:off x="7215372" y="812718"/>
+              <a:ext cx="2878667" cy="400110"/>
+            </a:xfrm>
+            <a:prstGeom prst="rect">
+              <a:avLst/>
+            </a:prstGeom>
+            <a:noFill/>
+          </p:spPr>
+          <p:txBody>
+            <a:bodyPr wrap="square" rtlCol="0">
+              <a:spAutoFit/>
+            </a:bodyPr>
+            <a:lstStyle/>
+            <a:p>
+              <a:pPr algn="ctr"/>
+              <a:r>
+                <a:rPr lang="en-US" sz="2000" dirty="0" err="1"/>
+                <a:t>phosph</a:t>
+              </a:r>
+              <a:r>
+                <a:rPr lang="en-US" sz="2000" dirty="0"/>
+                <a:t>. = - 1.5 e</a:t>
+              </a:r>
+            </a:p>
+          </p:txBody>
+        </p:sp>
+      </p:grpSp>
+      <p:sp>
+        <p:nvSpPr>
+          <p:cNvPr id="5" name="TextBox 4">
+            <a:extLst>
+              <a:ext uri="{FF2B5EF4-FFF2-40B4-BE49-F238E27FC236}">
+                <a16:creationId xmlns:a16="http://schemas.microsoft.com/office/drawing/2014/main" id="{C246AF51-8F77-4DED-3CCA-C354474366EA}"/>
+              </a:ext>
+            </a:extLst>
+          </p:cNvPr>
+          <p:cNvSpPr txBox="1"/>
+          <p:nvPr/>
+        </p:nvSpPr>
+        <p:spPr>
+          <a:xfrm>
+            <a:off x="2345341" y="4013532"/>
+            <a:ext cx="1015963" cy="369332"/>
+          </a:xfrm>
+          <a:prstGeom prst="rect">
+            <a:avLst/>
+          </a:prstGeom>
+          <a:noFill/>
+        </p:spPr>
+        <p:txBody>
+          <a:bodyPr wrap="square" rtlCol="0">
+            <a:spAutoFit/>
+          </a:bodyPr>
+          <a:lstStyle/>
+          <a:p>
+            <a:pPr algn="ctr"/>
+            <a:r>
+              <a:rPr lang="en-US" dirty="0"/>
+              <a:t>Trials</a:t>
+            </a:r>
+          </a:p>
+        </p:txBody>
+      </p:sp>
+    </p:spTree>
+    <p:extLst>
+      <p:ext uri="{BB962C8B-B14F-4D97-AF65-F5344CB8AC3E}">
+        <p14:creationId xmlns:p14="http://schemas.microsoft.com/office/powerpoint/2010/main" val="474554280"/>
+      </p:ext>
+    </p:extLst>
+  </p:cSld>
+  <p:clrMapOvr>
+    <a:masterClrMapping/>
+  </p:clrMapOvr>
+</p:sld>
+</file>
+
+<file path=ppt/slides/slide7.xml><?xml version="1.0" encoding="utf-8"?>
 <p:sld xmlns:a="http://schemas.openxmlformats.org/drawingml/2006/main" xmlns:r="http://schemas.openxmlformats.org/officeDocument/2006/relationships" xmlns:p="http://schemas.openxmlformats.org/presentationml/2006/main">
   <p:cSld>
     <p:spTree>
@@ -6814,7 +7532,7 @@
 </p:sld>
 </file>
 
-<file path=ppt/slides/slide7.xml><?xml version="1.0" encoding="utf-8"?>
+<file path=ppt/slides/slide8.xml><?xml version="1.0" encoding="utf-8"?>
 <p:sld xmlns:a="http://schemas.openxmlformats.org/drawingml/2006/main" xmlns:r="http://schemas.openxmlformats.org/officeDocument/2006/relationships" xmlns:p="http://schemas.openxmlformats.org/presentationml/2006/main">
   <p:cSld>
     <p:spTree>
@@ -7958,7 +8676,7 @@
 </p:sld>
 </file>
 
-<file path=ppt/slides/slide8.xml><?xml version="1.0" encoding="utf-8"?>
+<file path=ppt/slides/slide9.xml><?xml version="1.0" encoding="utf-8"?>
 <p:sld xmlns:a="http://schemas.openxmlformats.org/drawingml/2006/main" xmlns:r="http://schemas.openxmlformats.org/officeDocument/2006/relationships" xmlns:p="http://schemas.openxmlformats.org/presentationml/2006/main">
   <p:cSld>
     <p:spTree>
@@ -8526,8 +9244,8 @@
         </p:nvSpPr>
         <p:spPr>
           <a:xfrm>
-            <a:off x="4525651" y="505123"/>
-            <a:ext cx="7334228" cy="2923877"/>
+            <a:off x="4530612" y="3468905"/>
+            <a:ext cx="7334228" cy="2616101"/>
           </a:xfrm>
           <a:prstGeom prst="rect">
             <a:avLst/>
@@ -8542,7 +9260,7 @@
           <a:p>
             <a:pPr marL="285750" indent="-285750">
               <a:spcAft>
-                <a:spcPts val="1200"/>
+                <a:spcPts val="600"/>
               </a:spcAft>
               <a:buFont typeface="Arial" panose="020B0604020202020204" pitchFamily="34" charset="0"/>
               <a:buChar char="•"/>
@@ -8555,7 +9273,7 @@
           <a:p>
             <a:pPr marL="285750" indent="-285750">
               <a:spcAft>
-                <a:spcPts val="1200"/>
+                <a:spcPts val="600"/>
               </a:spcAft>
               <a:buFont typeface="Arial" panose="020B0604020202020204" pitchFamily="34" charset="0"/>
               <a:buChar char="•"/>
@@ -8568,7 +9286,7 @@
           <a:p>
             <a:pPr marL="285750" indent="-285750">
               <a:spcAft>
-                <a:spcPts val="1200"/>
+                <a:spcPts val="600"/>
               </a:spcAft>
               <a:buFont typeface="Arial" panose="020B0604020202020204" pitchFamily="34" charset="0"/>
               <a:buChar char="•"/>
@@ -8578,7 +9296,7 @@
           <a:p>
             <a:pPr marL="285750" indent="-285750">
               <a:spcAft>
-                <a:spcPts val="1200"/>
+                <a:spcPts val="600"/>
               </a:spcAft>
               <a:buFont typeface="Arial" panose="020B0604020202020204" pitchFamily="34" charset="0"/>
               <a:buChar char="•"/>
@@ -8591,7 +9309,7 @@
           <a:p>
             <a:pPr marL="742950" lvl="1" indent="-285750">
               <a:spcAft>
-                <a:spcPts val="1200"/>
+                <a:spcPts val="600"/>
               </a:spcAft>
               <a:buFont typeface="Arial" panose="020B0604020202020204" pitchFamily="34" charset="0"/>
               <a:buChar char="•"/>
@@ -8622,7 +9340,7 @@
         </p:nvGrpSpPr>
         <p:grpSpPr>
           <a:xfrm>
-            <a:off x="4606224" y="3911758"/>
+            <a:off x="4525651" y="334906"/>
             <a:ext cx="2979552" cy="2742805"/>
             <a:chOff x="3565301" y="676107"/>
             <a:chExt cx="2527338" cy="2326523"/>
@@ -8728,7 +9446,7 @@
         </p:nvSpPr>
         <p:spPr>
           <a:xfrm>
-            <a:off x="7585775" y="4081975"/>
+            <a:off x="7505203" y="505123"/>
             <a:ext cx="4501449" cy="2062103"/>
           </a:xfrm>
           <a:prstGeom prst="rect">
@@ -8802,491 +9520,6 @@
     <p:extLst>
       <p:ext uri="{BB962C8B-B14F-4D97-AF65-F5344CB8AC3E}">
         <p14:creationId xmlns:p14="http://schemas.microsoft.com/office/powerpoint/2010/main" val="4014670554"/>
-      </p:ext>
-    </p:extLst>
-  </p:cSld>
-  <p:clrMapOvr>
-    <a:masterClrMapping/>
-  </p:clrMapOvr>
-</p:sld>
-</file>
-
-<file path=ppt/slides/slide9.xml><?xml version="1.0" encoding="utf-8"?>
-<p:sld xmlns:a="http://schemas.openxmlformats.org/drawingml/2006/main" xmlns:r="http://schemas.openxmlformats.org/officeDocument/2006/relationships" xmlns:p="http://schemas.openxmlformats.org/presentationml/2006/main">
-  <p:cSld>
-    <p:spTree>
-      <p:nvGrpSpPr>
-        <p:cNvPr id="1" name=""/>
-        <p:cNvGrpSpPr/>
-        <p:nvPr/>
-      </p:nvGrpSpPr>
-      <p:grpSpPr>
-        <a:xfrm>
-          <a:off x="0" y="0"/>
-          <a:ext cx="0" cy="0"/>
-          <a:chOff x="0" y="0"/>
-          <a:chExt cx="0" cy="0"/>
-        </a:xfrm>
-      </p:grpSpPr>
-      <p:sp>
-        <p:nvSpPr>
-          <p:cNvPr id="3" name="Title 1">
-            <a:extLst>
-              <a:ext uri="{FF2B5EF4-FFF2-40B4-BE49-F238E27FC236}">
-                <a16:creationId xmlns:a16="http://schemas.microsoft.com/office/drawing/2014/main" id="{D21419CD-FE78-82D1-E555-B40688D39463}"/>
-              </a:ext>
-            </a:extLst>
-          </p:cNvPr>
-          <p:cNvSpPr>
-            <a:spLocks noGrp="1"/>
-          </p:cNvSpPr>
-          <p:nvPr>
-            <p:ph type="title"/>
-          </p:nvPr>
-        </p:nvSpPr>
-        <p:spPr>
-          <a:xfrm>
-            <a:off x="392638" y="302621"/>
-            <a:ext cx="10515600" cy="694267"/>
-          </a:xfrm>
-        </p:spPr>
-        <p:txBody>
-          <a:bodyPr>
-            <a:normAutofit fontScale="90000"/>
-          </a:bodyPr>
-          <a:lstStyle/>
-          <a:p>
-            <a:r>
-              <a:rPr lang="en-US" dirty="0"/>
-              <a:t>Phosphorylated NFH Progress</a:t>
-            </a:r>
-          </a:p>
-        </p:txBody>
-      </p:sp>
-      <p:grpSp>
-        <p:nvGrpSpPr>
-          <p:cNvPr id="10" name="Group 9">
-            <a:extLst>
-              <a:ext uri="{FF2B5EF4-FFF2-40B4-BE49-F238E27FC236}">
-                <a16:creationId xmlns:a16="http://schemas.microsoft.com/office/drawing/2014/main" id="{17328DC5-8A3B-F54D-3C3A-8939DE84E306}"/>
-              </a:ext>
-            </a:extLst>
-          </p:cNvPr>
-          <p:cNvGrpSpPr/>
-          <p:nvPr/>
-        </p:nvGrpSpPr>
-        <p:grpSpPr>
-          <a:xfrm>
-            <a:off x="1586213" y="3539701"/>
-            <a:ext cx="4509787" cy="3271136"/>
-            <a:chOff x="1881832" y="1591306"/>
-            <a:chExt cx="5017787" cy="3639609"/>
-          </a:xfrm>
-        </p:grpSpPr>
-        <p:pic>
-          <p:nvPicPr>
-            <p:cNvPr id="2050" name="Picture 2">
-              <a:extLst>
-                <a:ext uri="{FF2B5EF4-FFF2-40B4-BE49-F238E27FC236}">
-                  <a16:creationId xmlns:a16="http://schemas.microsoft.com/office/drawing/2014/main" id="{2ACE7292-1EA5-F5E5-495B-8D3C774A19A4}"/>
-                </a:ext>
-              </a:extLst>
-            </p:cNvPr>
-            <p:cNvPicPr>
-              <a:picLocks noChangeAspect="1" noChangeArrowheads="1"/>
-            </p:cNvPicPr>
-            <p:nvPr/>
-          </p:nvPicPr>
-          <p:blipFill>
-            <a:blip r:embed="rId2">
-              <a:extLst>
-                <a:ext uri="{28A0092B-C50C-407E-A947-70E740481C1C}">
-                  <a14:useLocalDpi xmlns:a14="http://schemas.microsoft.com/office/drawing/2010/main" val="0"/>
-                </a:ext>
-              </a:extLst>
-            </a:blip>
-            <a:srcRect/>
-            <a:stretch>
-              <a:fillRect/>
-            </a:stretch>
-          </p:blipFill>
-          <p:spPr bwMode="auto">
-            <a:xfrm>
-              <a:off x="1881832" y="1591306"/>
-              <a:ext cx="5017787" cy="3639609"/>
-            </a:xfrm>
-            <a:prstGeom prst="rect">
-              <a:avLst/>
-            </a:prstGeom>
-            <a:noFill/>
-            <a:extLst>
-              <a:ext uri="{909E8E84-426E-40DD-AFC4-6F175D3DCCD1}">
-                <a14:hiddenFill xmlns:a14="http://schemas.microsoft.com/office/drawing/2010/main">
-                  <a:solidFill>
-                    <a:srgbClr val="FFFFFF"/>
-                  </a:solidFill>
-                </a14:hiddenFill>
-              </a:ext>
-            </a:extLst>
-          </p:spPr>
-        </p:pic>
-        <p:cxnSp>
-          <p:nvCxnSpPr>
-            <p:cNvPr id="4" name="Straight Arrow Connector 3">
-              <a:extLst>
-                <a:ext uri="{FF2B5EF4-FFF2-40B4-BE49-F238E27FC236}">
-                  <a16:creationId xmlns:a16="http://schemas.microsoft.com/office/drawing/2014/main" id="{E71735E2-1106-E89E-226D-4722BBCE7AD4}"/>
-                </a:ext>
-              </a:extLst>
-            </p:cNvPr>
-            <p:cNvCxnSpPr>
-              <a:cxnSpLocks/>
-            </p:cNvCxnSpPr>
-            <p:nvPr/>
-          </p:nvCxnSpPr>
-          <p:spPr>
-            <a:xfrm>
-              <a:off x="3451799" y="2460013"/>
-              <a:ext cx="1130405" cy="487459"/>
-            </a:xfrm>
-            <a:prstGeom prst="straightConnector1">
-              <a:avLst/>
-            </a:prstGeom>
-            <a:ln w="28575">
-              <a:solidFill>
-                <a:schemeClr val="tx1"/>
-              </a:solidFill>
-              <a:tailEnd type="triangle"/>
-            </a:ln>
-          </p:spPr>
-          <p:style>
-            <a:lnRef idx="1">
-              <a:schemeClr val="accent1"/>
-            </a:lnRef>
-            <a:fillRef idx="0">
-              <a:schemeClr val="accent1"/>
-            </a:fillRef>
-            <a:effectRef idx="0">
-              <a:schemeClr val="accent1"/>
-            </a:effectRef>
-            <a:fontRef idx="minor">
-              <a:schemeClr val="tx1"/>
-            </a:fontRef>
-          </p:style>
-        </p:cxnSp>
-      </p:grpSp>
-      <p:sp>
-        <p:nvSpPr>
-          <p:cNvPr id="9" name="TextBox 8">
-            <a:extLst>
-              <a:ext uri="{FF2B5EF4-FFF2-40B4-BE49-F238E27FC236}">
-                <a16:creationId xmlns:a16="http://schemas.microsoft.com/office/drawing/2014/main" id="{9C0CD2AA-3ACB-61A6-3AB2-B619617CF956}"/>
-              </a:ext>
-            </a:extLst>
-          </p:cNvPr>
-          <p:cNvSpPr txBox="1"/>
-          <p:nvPr/>
-        </p:nvSpPr>
-        <p:spPr>
-          <a:xfrm>
-            <a:off x="6383830" y="3583545"/>
-            <a:ext cx="5621866" cy="1754326"/>
-          </a:xfrm>
-          <a:prstGeom prst="rect">
-            <a:avLst/>
-          </a:prstGeom>
-          <a:noFill/>
-        </p:spPr>
-        <p:txBody>
-          <a:bodyPr wrap="square" rtlCol="0">
-            <a:spAutoFit/>
-          </a:bodyPr>
-          <a:lstStyle/>
-          <a:p>
-            <a:pPr marL="285750" indent="-285750">
-              <a:buFont typeface="Arial" panose="020B0604020202020204" pitchFamily="34" charset="0"/>
-              <a:buChar char="•"/>
-            </a:pPr>
-            <a:r>
-              <a:rPr lang="en-US" dirty="0"/>
-              <a:t>Currently running one more to get a closer fit; if not, the current best one should be close enough</a:t>
-            </a:r>
-          </a:p>
-          <a:p>
-            <a:pPr marL="285750" indent="-285750">
-              <a:buFont typeface="Arial" panose="020B0604020202020204" pitchFamily="34" charset="0"/>
-              <a:buChar char="•"/>
-            </a:pPr>
-            <a:endParaRPr lang="en-US" dirty="0"/>
-          </a:p>
-          <a:p>
-            <a:pPr marL="285750" indent="-285750">
-              <a:buFont typeface="Arial" panose="020B0604020202020204" pitchFamily="34" charset="0"/>
-              <a:buChar char="•"/>
-            </a:pPr>
-            <a:r>
-              <a:rPr lang="en-US" dirty="0"/>
-              <a:t>These parameters are close to those of the native NFH. Hopefully means that I can use the final parameters of native NFL to get the blended </a:t>
-            </a:r>
-            <a:r>
-              <a:rPr lang="en-US" dirty="0" err="1"/>
-              <a:t>phosph</a:t>
-            </a:r>
-            <a:r>
-              <a:rPr lang="en-US" dirty="0"/>
-              <a:t>. results</a:t>
-            </a:r>
-          </a:p>
-        </p:txBody>
-      </p:sp>
-      <p:sp>
-        <p:nvSpPr>
-          <p:cNvPr id="11" name="TextBox 10">
-            <a:extLst>
-              <a:ext uri="{FF2B5EF4-FFF2-40B4-BE49-F238E27FC236}">
-                <a16:creationId xmlns:a16="http://schemas.microsoft.com/office/drawing/2014/main" id="{58D3EEA5-8CAE-34CC-F0F6-F8E2ED82B9AB}"/>
-              </a:ext>
-            </a:extLst>
-          </p:cNvPr>
-          <p:cNvSpPr txBox="1"/>
-          <p:nvPr/>
-        </p:nvSpPr>
-        <p:spPr>
-          <a:xfrm>
-            <a:off x="6383830" y="5558590"/>
-            <a:ext cx="5621866" cy="1169551"/>
-          </a:xfrm>
-          <a:prstGeom prst="rect">
-            <a:avLst/>
-          </a:prstGeom>
-          <a:noFill/>
-        </p:spPr>
-        <p:txBody>
-          <a:bodyPr wrap="square" rtlCol="0">
-            <a:spAutoFit/>
-          </a:bodyPr>
-          <a:lstStyle/>
-          <a:p>
-            <a:pPr marL="285750" indent="-285750">
-              <a:buFont typeface="Arial" panose="020B0604020202020204" pitchFamily="34" charset="0"/>
-              <a:buChar char="•"/>
-            </a:pPr>
-            <a:r>
-              <a:rPr lang="en-US" sz="1400" dirty="0"/>
-              <a:t>Quick note: the points that go to zero just didn’t converge. The point at 6 nm takes a really long time to converge, so I will probably proceed with only calculating from 1 to 6 nm. </a:t>
-            </a:r>
-          </a:p>
-          <a:p>
-            <a:pPr marL="285750" indent="-285750">
-              <a:buFont typeface="Arial" panose="020B0604020202020204" pitchFamily="34" charset="0"/>
-              <a:buChar char="•"/>
-            </a:pPr>
-            <a:endParaRPr lang="en-US" sz="1400" dirty="0"/>
-          </a:p>
-          <a:p>
-            <a:pPr marL="285750" indent="-285750">
-              <a:buFont typeface="Arial" panose="020B0604020202020204" pitchFamily="34" charset="0"/>
-              <a:buChar char="•"/>
-            </a:pPr>
-            <a:r>
-              <a:rPr lang="en-US" sz="1400" dirty="0"/>
-              <a:t>In the future, if needed, I can go to 8 nm (1.6 mM)</a:t>
-            </a:r>
-          </a:p>
-        </p:txBody>
-      </p:sp>
-      <p:cxnSp>
-        <p:nvCxnSpPr>
-          <p:cNvPr id="12" name="Straight Arrow Connector 11">
-            <a:extLst>
-              <a:ext uri="{FF2B5EF4-FFF2-40B4-BE49-F238E27FC236}">
-                <a16:creationId xmlns:a16="http://schemas.microsoft.com/office/drawing/2014/main" id="{9EF63E2E-326A-51D6-D47D-169A9FD876FC}"/>
-              </a:ext>
-            </a:extLst>
-          </p:cNvPr>
-          <p:cNvCxnSpPr>
-            <a:cxnSpLocks/>
-          </p:cNvCxnSpPr>
-          <p:nvPr/>
-        </p:nvCxnSpPr>
-        <p:spPr>
-          <a:xfrm flipH="1">
-            <a:off x="4448175" y="5765800"/>
-            <a:ext cx="1851025" cy="254000"/>
-          </a:xfrm>
-          <a:prstGeom prst="straightConnector1">
-            <a:avLst/>
-          </a:prstGeom>
-          <a:ln w="28575">
-            <a:solidFill>
-              <a:schemeClr val="tx1"/>
-            </a:solidFill>
-            <a:tailEnd type="triangle"/>
-          </a:ln>
-        </p:spPr>
-        <p:style>
-          <a:lnRef idx="1">
-            <a:schemeClr val="accent1"/>
-          </a:lnRef>
-          <a:fillRef idx="0">
-            <a:schemeClr val="accent1"/>
-          </a:fillRef>
-          <a:effectRef idx="0">
-            <a:schemeClr val="accent1"/>
-          </a:effectRef>
-          <a:fontRef idx="minor">
-            <a:schemeClr val="tx1"/>
-          </a:fontRef>
-        </p:style>
-      </p:cxnSp>
-      <p:grpSp>
-        <p:nvGrpSpPr>
-          <p:cNvPr id="17" name="Group 16">
-            <a:extLst>
-              <a:ext uri="{FF2B5EF4-FFF2-40B4-BE49-F238E27FC236}">
-                <a16:creationId xmlns:a16="http://schemas.microsoft.com/office/drawing/2014/main" id="{FC1FBEB3-BE52-C760-B45F-5D817833A164}"/>
-              </a:ext>
-            </a:extLst>
-          </p:cNvPr>
-          <p:cNvGrpSpPr/>
-          <p:nvPr/>
-        </p:nvGrpSpPr>
-        <p:grpSpPr>
-          <a:xfrm>
-            <a:off x="2846574" y="1122374"/>
-            <a:ext cx="6905252" cy="2172803"/>
-            <a:chOff x="5202080" y="812718"/>
-            <a:chExt cx="6905252" cy="2172803"/>
-          </a:xfrm>
-        </p:grpSpPr>
-        <p:pic>
-          <p:nvPicPr>
-            <p:cNvPr id="14" name="Picture 2">
-              <a:extLst>
-                <a:ext uri="{FF2B5EF4-FFF2-40B4-BE49-F238E27FC236}">
-                  <a16:creationId xmlns:a16="http://schemas.microsoft.com/office/drawing/2014/main" id="{401BF9EB-1C55-9951-FA2F-C77E4AB5E08B}"/>
-                </a:ext>
-              </a:extLst>
-            </p:cNvPr>
-            <p:cNvPicPr>
-              <a:picLocks noChangeAspect="1" noChangeArrowheads="1"/>
-            </p:cNvPicPr>
-            <p:nvPr/>
-          </p:nvPicPr>
-          <p:blipFill>
-            <a:blip r:embed="rId3">
-              <a:extLst>
-                <a:ext uri="{28A0092B-C50C-407E-A947-70E740481C1C}">
-                  <a14:useLocalDpi xmlns:a14="http://schemas.microsoft.com/office/drawing/2010/main" val="0"/>
-                </a:ext>
-              </a:extLst>
-            </a:blip>
-            <a:srcRect/>
-            <a:stretch>
-              <a:fillRect/>
-            </a:stretch>
-          </p:blipFill>
-          <p:spPr bwMode="auto">
-            <a:xfrm>
-              <a:off x="5202080" y="1230316"/>
-              <a:ext cx="6905252" cy="1755205"/>
-            </a:xfrm>
-            <a:prstGeom prst="rect">
-              <a:avLst/>
-            </a:prstGeom>
-            <a:noFill/>
-            <a:extLst>
-              <a:ext uri="{909E8E84-426E-40DD-AFC4-6F175D3DCCD1}">
-                <a14:hiddenFill xmlns:a14="http://schemas.microsoft.com/office/drawing/2010/main">
-                  <a:solidFill>
-                    <a:srgbClr val="FFFFFF"/>
-                  </a:solidFill>
-                </a14:hiddenFill>
-              </a:ext>
-            </a:extLst>
-          </p:spPr>
-        </p:pic>
-        <p:sp>
-          <p:nvSpPr>
-            <p:cNvPr id="16" name="TextBox 15">
-              <a:extLst>
-                <a:ext uri="{FF2B5EF4-FFF2-40B4-BE49-F238E27FC236}">
-                  <a16:creationId xmlns:a16="http://schemas.microsoft.com/office/drawing/2014/main" id="{1F77B478-E26D-FE32-4466-C295BEDEB0E0}"/>
-                </a:ext>
-              </a:extLst>
-            </p:cNvPr>
-            <p:cNvSpPr txBox="1"/>
-            <p:nvPr/>
-          </p:nvSpPr>
-          <p:spPr>
-            <a:xfrm>
-              <a:off x="7215372" y="812718"/>
-              <a:ext cx="2878667" cy="400110"/>
-            </a:xfrm>
-            <a:prstGeom prst="rect">
-              <a:avLst/>
-            </a:prstGeom>
-            <a:noFill/>
-          </p:spPr>
-          <p:txBody>
-            <a:bodyPr wrap="square" rtlCol="0">
-              <a:spAutoFit/>
-            </a:bodyPr>
-            <a:lstStyle/>
-            <a:p>
-              <a:pPr algn="ctr"/>
-              <a:r>
-                <a:rPr lang="en-US" sz="2000" dirty="0" err="1"/>
-                <a:t>phosph</a:t>
-              </a:r>
-              <a:r>
-                <a:rPr lang="en-US" sz="2000" dirty="0"/>
-                <a:t>. = - 1.5 e</a:t>
-              </a:r>
-            </a:p>
-          </p:txBody>
-        </p:sp>
-      </p:grpSp>
-      <p:sp>
-        <p:nvSpPr>
-          <p:cNvPr id="5" name="TextBox 4">
-            <a:extLst>
-              <a:ext uri="{FF2B5EF4-FFF2-40B4-BE49-F238E27FC236}">
-                <a16:creationId xmlns:a16="http://schemas.microsoft.com/office/drawing/2014/main" id="{C246AF51-8F77-4DED-3CCA-C354474366EA}"/>
-              </a:ext>
-            </a:extLst>
-          </p:cNvPr>
-          <p:cNvSpPr txBox="1"/>
-          <p:nvPr/>
-        </p:nvSpPr>
-        <p:spPr>
-          <a:xfrm>
-            <a:off x="2345341" y="4013532"/>
-            <a:ext cx="1015963" cy="369332"/>
-          </a:xfrm>
-          <a:prstGeom prst="rect">
-            <a:avLst/>
-          </a:prstGeom>
-          <a:noFill/>
-        </p:spPr>
-        <p:txBody>
-          <a:bodyPr wrap="square" rtlCol="0">
-            <a:spAutoFit/>
-          </a:bodyPr>
-          <a:lstStyle/>
-          <a:p>
-            <a:pPr algn="ctr"/>
-            <a:r>
-              <a:rPr lang="en-US" dirty="0"/>
-              <a:t>Trials</a:t>
-            </a:r>
-          </a:p>
-        </p:txBody>
-      </p:sp>
-    </p:spTree>
-    <p:extLst>
-      <p:ext uri="{BB962C8B-B14F-4D97-AF65-F5344CB8AC3E}">
-        <p14:creationId xmlns:p14="http://schemas.microsoft.com/office/powerpoint/2010/main" val="474554280"/>
       </p:ext>
     </p:extLst>
   </p:cSld>

--- a/20230420 EAD Update.pptx
+++ b/20230420 EAD Update.pptx
@@ -15,6 +15,8 @@
     <p:sldId id="317" r:id="rId9"/>
     <p:sldId id="318" r:id="rId10"/>
     <p:sldId id="321" r:id="rId11"/>
+    <p:sldId id="322" r:id="rId12"/>
+    <p:sldId id="323" r:id="rId13"/>
   </p:sldIdLst>
   <p:sldSz cx="12192000" cy="6858000"/>
   <p:notesSz cx="6858000" cy="9144000"/>
@@ -268,7 +270,7 @@
           <a:p>
             <a:fld id="{9FC03419-6C17-4C1A-80EF-55ED54125D99}" type="datetimeFigureOut">
               <a:rPr lang="en-US" smtClean="0"/>
-              <a:t>4/20/2023</a:t>
+              <a:t>5/12/2023</a:t>
             </a:fld>
             <a:endParaRPr lang="en-US"/>
           </a:p>
@@ -466,7 +468,7 @@
           <a:p>
             <a:fld id="{9FC03419-6C17-4C1A-80EF-55ED54125D99}" type="datetimeFigureOut">
               <a:rPr lang="en-US" smtClean="0"/>
-              <a:t>4/20/2023</a:t>
+              <a:t>5/12/2023</a:t>
             </a:fld>
             <a:endParaRPr lang="en-US"/>
           </a:p>
@@ -674,7 +676,7 @@
           <a:p>
             <a:fld id="{9FC03419-6C17-4C1A-80EF-55ED54125D99}" type="datetimeFigureOut">
               <a:rPr lang="en-US" smtClean="0"/>
-              <a:t>4/20/2023</a:t>
+              <a:t>5/12/2023</a:t>
             </a:fld>
             <a:endParaRPr lang="en-US"/>
           </a:p>
@@ -872,7 +874,7 @@
           <a:p>
             <a:fld id="{9FC03419-6C17-4C1A-80EF-55ED54125D99}" type="datetimeFigureOut">
               <a:rPr lang="en-US" smtClean="0"/>
-              <a:t>4/20/2023</a:t>
+              <a:t>5/12/2023</a:t>
             </a:fld>
             <a:endParaRPr lang="en-US"/>
           </a:p>
@@ -1147,7 +1149,7 @@
           <a:p>
             <a:fld id="{9FC03419-6C17-4C1A-80EF-55ED54125D99}" type="datetimeFigureOut">
               <a:rPr lang="en-US" smtClean="0"/>
-              <a:t>4/20/2023</a:t>
+              <a:t>5/12/2023</a:t>
             </a:fld>
             <a:endParaRPr lang="en-US"/>
           </a:p>
@@ -1412,7 +1414,7 @@
           <a:p>
             <a:fld id="{9FC03419-6C17-4C1A-80EF-55ED54125D99}" type="datetimeFigureOut">
               <a:rPr lang="en-US" smtClean="0"/>
-              <a:t>4/20/2023</a:t>
+              <a:t>5/12/2023</a:t>
             </a:fld>
             <a:endParaRPr lang="en-US"/>
           </a:p>
@@ -1824,7 +1826,7 @@
           <a:p>
             <a:fld id="{9FC03419-6C17-4C1A-80EF-55ED54125D99}" type="datetimeFigureOut">
               <a:rPr lang="en-US" smtClean="0"/>
-              <a:t>4/20/2023</a:t>
+              <a:t>5/12/2023</a:t>
             </a:fld>
             <a:endParaRPr lang="en-US"/>
           </a:p>
@@ -1965,7 +1967,7 @@
           <a:p>
             <a:fld id="{9FC03419-6C17-4C1A-80EF-55ED54125D99}" type="datetimeFigureOut">
               <a:rPr lang="en-US" smtClean="0"/>
-              <a:t>4/20/2023</a:t>
+              <a:t>5/12/2023</a:t>
             </a:fld>
             <a:endParaRPr lang="en-US"/>
           </a:p>
@@ -2078,7 +2080,7 @@
           <a:p>
             <a:fld id="{9FC03419-6C17-4C1A-80EF-55ED54125D99}" type="datetimeFigureOut">
               <a:rPr lang="en-US" smtClean="0"/>
-              <a:t>4/20/2023</a:t>
+              <a:t>5/12/2023</a:t>
             </a:fld>
             <a:endParaRPr lang="en-US"/>
           </a:p>
@@ -2389,7 +2391,7 @@
           <a:p>
             <a:fld id="{9FC03419-6C17-4C1A-80EF-55ED54125D99}" type="datetimeFigureOut">
               <a:rPr lang="en-US" smtClean="0"/>
-              <a:t>4/20/2023</a:t>
+              <a:t>5/12/2023</a:t>
             </a:fld>
             <a:endParaRPr lang="en-US"/>
           </a:p>
@@ -2677,7 +2679,7 @@
           <a:p>
             <a:fld id="{9FC03419-6C17-4C1A-80EF-55ED54125D99}" type="datetimeFigureOut">
               <a:rPr lang="en-US" smtClean="0"/>
-              <a:t>4/20/2023</a:t>
+              <a:t>5/12/2023</a:t>
             </a:fld>
             <a:endParaRPr lang="en-US"/>
           </a:p>
@@ -2918,7 +2920,7 @@
           <a:p>
             <a:fld id="{9FC03419-6C17-4C1A-80EF-55ED54125D99}" type="datetimeFigureOut">
               <a:rPr lang="en-US" smtClean="0"/>
-              <a:t>4/20/2023</a:t>
+              <a:t>5/12/2023</a:t>
             </a:fld>
             <a:endParaRPr lang="en-US"/>
           </a:p>
@@ -3358,7 +3360,7 @@
           <a:p>
             <a:r>
               <a:rPr lang="en-US" dirty="0"/>
-              <a:t>NLH update 03/31/23</a:t>
+              <a:t>NLH update 04/20/23</a:t>
             </a:r>
           </a:p>
         </p:txBody>
@@ -3599,6 +3601,593 @@
     <p:extLst>
       <p:ext uri="{BB962C8B-B14F-4D97-AF65-F5344CB8AC3E}">
         <p14:creationId xmlns:p14="http://schemas.microsoft.com/office/powerpoint/2010/main" val="626688563"/>
+      </p:ext>
+    </p:extLst>
+  </p:cSld>
+  <p:clrMapOvr>
+    <a:masterClrMapping/>
+  </p:clrMapOvr>
+</p:sld>
+</file>
+
+<file path=ppt/slides/slide11.xml><?xml version="1.0" encoding="utf-8"?>
+<p:sld xmlns:a="http://schemas.openxmlformats.org/drawingml/2006/main" xmlns:r="http://schemas.openxmlformats.org/officeDocument/2006/relationships" xmlns:p="http://schemas.openxmlformats.org/presentationml/2006/main">
+  <p:cSld>
+    <p:spTree>
+      <p:nvGrpSpPr>
+        <p:cNvPr id="1" name=""/>
+        <p:cNvGrpSpPr/>
+        <p:nvPr/>
+      </p:nvGrpSpPr>
+      <p:grpSpPr>
+        <a:xfrm>
+          <a:off x="0" y="0"/>
+          <a:ext cx="0" cy="0"/>
+          <a:chOff x="0" y="0"/>
+          <a:chExt cx="0" cy="0"/>
+        </a:xfrm>
+      </p:grpSpPr>
+      <p:grpSp>
+        <p:nvGrpSpPr>
+          <p:cNvPr id="7" name="Group 6">
+            <a:extLst>
+              <a:ext uri="{FF2B5EF4-FFF2-40B4-BE49-F238E27FC236}">
+                <a16:creationId xmlns:a16="http://schemas.microsoft.com/office/drawing/2014/main" id="{7E6B9D56-79C8-DD40-9AB4-7AD5F817CA7A}"/>
+              </a:ext>
+            </a:extLst>
+          </p:cNvPr>
+          <p:cNvGrpSpPr/>
+          <p:nvPr/>
+        </p:nvGrpSpPr>
+        <p:grpSpPr>
+          <a:xfrm>
+            <a:off x="6284723" y="406846"/>
+            <a:ext cx="5305425" cy="2252663"/>
+            <a:chOff x="6497109" y="1176337"/>
+            <a:chExt cx="5305425" cy="2252663"/>
+          </a:xfrm>
+        </p:grpSpPr>
+        <p:pic>
+          <p:nvPicPr>
+            <p:cNvPr id="1032" name="Picture 8">
+              <a:extLst>
+                <a:ext uri="{FF2B5EF4-FFF2-40B4-BE49-F238E27FC236}">
+                  <a16:creationId xmlns:a16="http://schemas.microsoft.com/office/drawing/2014/main" id="{0BC80BFE-BB54-0301-2231-49B34BF0E6F9}"/>
+                </a:ext>
+              </a:extLst>
+            </p:cNvPr>
+            <p:cNvPicPr>
+              <a:picLocks noChangeAspect="1" noChangeArrowheads="1"/>
+            </p:cNvPicPr>
+            <p:nvPr/>
+          </p:nvPicPr>
+          <p:blipFill>
+            <a:blip r:embed="rId2">
+              <a:extLst>
+                <a:ext uri="{28A0092B-C50C-407E-A947-70E740481C1C}">
+                  <a14:useLocalDpi xmlns:a14="http://schemas.microsoft.com/office/drawing/2010/main" val="0"/>
+                </a:ext>
+              </a:extLst>
+            </a:blip>
+            <a:srcRect/>
+            <a:stretch>
+              <a:fillRect/>
+            </a:stretch>
+          </p:blipFill>
+          <p:spPr bwMode="auto">
+            <a:xfrm>
+              <a:off x="6497109" y="1176337"/>
+              <a:ext cx="5305425" cy="2252663"/>
+            </a:xfrm>
+            <a:prstGeom prst="rect">
+              <a:avLst/>
+            </a:prstGeom>
+            <a:noFill/>
+            <a:extLst>
+              <a:ext uri="{909E8E84-426E-40DD-AFC4-6F175D3DCCD1}">
+                <a14:hiddenFill xmlns:a14="http://schemas.microsoft.com/office/drawing/2010/main">
+                  <a:solidFill>
+                    <a:srgbClr val="FFFFFF"/>
+                  </a:solidFill>
+                </a14:hiddenFill>
+              </a:ext>
+            </a:extLst>
+          </p:spPr>
+        </p:pic>
+        <p:sp>
+          <p:nvSpPr>
+            <p:cNvPr id="6" name="TextBox 5">
+              <a:extLst>
+                <a:ext uri="{FF2B5EF4-FFF2-40B4-BE49-F238E27FC236}">
+                  <a16:creationId xmlns:a16="http://schemas.microsoft.com/office/drawing/2014/main" id="{D90B2431-D756-D518-F072-9B4CEA90C4A1}"/>
+                </a:ext>
+              </a:extLst>
+            </p:cNvPr>
+            <p:cNvSpPr txBox="1"/>
+            <p:nvPr/>
+          </p:nvSpPr>
+          <p:spPr>
+            <a:xfrm>
+              <a:off x="8191163" y="1325563"/>
+              <a:ext cx="958657" cy="369332"/>
+            </a:xfrm>
+            <a:prstGeom prst="rect">
+              <a:avLst/>
+            </a:prstGeom>
+            <a:noFill/>
+          </p:spPr>
+          <p:txBody>
+            <a:bodyPr wrap="square" rtlCol="0">
+              <a:spAutoFit/>
+            </a:bodyPr>
+            <a:lstStyle/>
+            <a:p>
+              <a:pPr algn="ctr"/>
+              <a:r>
+                <a:rPr lang="en-US" dirty="0"/>
+                <a:t>pH3</a:t>
+              </a:r>
+            </a:p>
+          </p:txBody>
+        </p:sp>
+      </p:grpSp>
+      <p:sp>
+        <p:nvSpPr>
+          <p:cNvPr id="2" name="Title 1">
+            <a:extLst>
+              <a:ext uri="{FF2B5EF4-FFF2-40B4-BE49-F238E27FC236}">
+                <a16:creationId xmlns:a16="http://schemas.microsoft.com/office/drawing/2014/main" id="{968C351F-D1AB-D84B-0138-2EAAB5AAE4EE}"/>
+              </a:ext>
+            </a:extLst>
+          </p:cNvPr>
+          <p:cNvSpPr>
+            <a:spLocks noGrp="1"/>
+          </p:cNvSpPr>
+          <p:nvPr>
+            <p:ph type="title"/>
+          </p:nvPr>
+        </p:nvSpPr>
+        <p:spPr>
+          <a:xfrm>
+            <a:off x="0" y="0"/>
+            <a:ext cx="10515600" cy="1325563"/>
+          </a:xfrm>
+        </p:spPr>
+        <p:txBody>
+          <a:bodyPr/>
+          <a:lstStyle/>
+          <a:p>
+            <a:r>
+              <a:rPr lang="en-US" dirty="0"/>
+              <a:t>05/12/23</a:t>
+            </a:r>
+          </a:p>
+        </p:txBody>
+      </p:sp>
+      <p:pic>
+        <p:nvPicPr>
+          <p:cNvPr id="1026" name="Picture 2">
+            <a:extLst>
+              <a:ext uri="{FF2B5EF4-FFF2-40B4-BE49-F238E27FC236}">
+                <a16:creationId xmlns:a16="http://schemas.microsoft.com/office/drawing/2014/main" id="{C8A4801A-B196-ADB5-F7D8-EFFC6474DF7A}"/>
+              </a:ext>
+            </a:extLst>
+          </p:cNvPr>
+          <p:cNvPicPr>
+            <a:picLocks noChangeAspect="1" noChangeArrowheads="1"/>
+          </p:cNvPicPr>
+          <p:nvPr/>
+        </p:nvPicPr>
+        <p:blipFill>
+          <a:blip r:embed="rId3">
+            <a:extLst>
+              <a:ext uri="{28A0092B-C50C-407E-A947-70E740481C1C}">
+                <a14:useLocalDpi xmlns:a14="http://schemas.microsoft.com/office/drawing/2010/main" val="0"/>
+              </a:ext>
+            </a:extLst>
+          </a:blip>
+          <a:srcRect/>
+          <a:stretch>
+            <a:fillRect/>
+          </a:stretch>
+        </p:blipFill>
+        <p:spPr bwMode="auto">
+          <a:xfrm>
+            <a:off x="2846262" y="243813"/>
+            <a:ext cx="3438461" cy="2494058"/>
+          </a:xfrm>
+          <a:prstGeom prst="rect">
+            <a:avLst/>
+          </a:prstGeom>
+          <a:noFill/>
+          <a:extLst>
+            <a:ext uri="{909E8E84-426E-40DD-AFC4-6F175D3DCCD1}">
+              <a14:hiddenFill xmlns:a14="http://schemas.microsoft.com/office/drawing/2010/main">
+                <a:solidFill>
+                  <a:srgbClr val="FFFFFF"/>
+                </a:solidFill>
+              </a14:hiddenFill>
+            </a:ext>
+          </a:extLst>
+        </p:spPr>
+      </p:pic>
+      <p:pic>
+        <p:nvPicPr>
+          <p:cNvPr id="1034" name="Picture 10">
+            <a:extLst>
+              <a:ext uri="{FF2B5EF4-FFF2-40B4-BE49-F238E27FC236}">
+                <a16:creationId xmlns:a16="http://schemas.microsoft.com/office/drawing/2014/main" id="{A639D9B0-DA20-DE9A-998D-F5076E8ED791}"/>
+              </a:ext>
+            </a:extLst>
+          </p:cNvPr>
+          <p:cNvPicPr>
+            <a:picLocks noChangeAspect="1" noChangeArrowheads="1"/>
+          </p:cNvPicPr>
+          <p:nvPr/>
+        </p:nvPicPr>
+        <p:blipFill>
+          <a:blip r:embed="rId4">
+            <a:extLst>
+              <a:ext uri="{28A0092B-C50C-407E-A947-70E740481C1C}">
+                <a14:useLocalDpi xmlns:a14="http://schemas.microsoft.com/office/drawing/2010/main" val="0"/>
+              </a:ext>
+            </a:extLst>
+          </a:blip>
+          <a:srcRect/>
+          <a:stretch>
+            <a:fillRect/>
+          </a:stretch>
+        </p:blipFill>
+        <p:spPr bwMode="auto">
+          <a:xfrm>
+            <a:off x="2846262" y="2273601"/>
+            <a:ext cx="2692330" cy="2494058"/>
+          </a:xfrm>
+          <a:prstGeom prst="rect">
+            <a:avLst/>
+          </a:prstGeom>
+          <a:noFill/>
+          <a:extLst>
+            <a:ext uri="{909E8E84-426E-40DD-AFC4-6F175D3DCCD1}">
+              <a14:hiddenFill xmlns:a14="http://schemas.microsoft.com/office/drawing/2010/main">
+                <a:solidFill>
+                  <a:srgbClr val="FFFFFF"/>
+                </a:solidFill>
+              </a14:hiddenFill>
+            </a:ext>
+          </a:extLst>
+        </p:spPr>
+      </p:pic>
+      <p:pic>
+        <p:nvPicPr>
+          <p:cNvPr id="1028" name="Picture 4">
+            <a:extLst>
+              <a:ext uri="{FF2B5EF4-FFF2-40B4-BE49-F238E27FC236}">
+                <a16:creationId xmlns:a16="http://schemas.microsoft.com/office/drawing/2014/main" id="{8FA8D117-E24C-AF20-AC34-CFCB9E58657B}"/>
+              </a:ext>
+            </a:extLst>
+          </p:cNvPr>
+          <p:cNvPicPr>
+            <a:picLocks noChangeAspect="1" noChangeArrowheads="1"/>
+          </p:cNvPicPr>
+          <p:nvPr/>
+        </p:nvPicPr>
+        <p:blipFill>
+          <a:blip r:embed="rId5">
+            <a:extLst>
+              <a:ext uri="{28A0092B-C50C-407E-A947-70E740481C1C}">
+                <a14:useLocalDpi xmlns:a14="http://schemas.microsoft.com/office/drawing/2010/main" val="0"/>
+              </a:ext>
+            </a:extLst>
+          </a:blip>
+          <a:srcRect/>
+          <a:stretch>
+            <a:fillRect/>
+          </a:stretch>
+        </p:blipFill>
+        <p:spPr bwMode="auto">
+          <a:xfrm>
+            <a:off x="2722048" y="4345724"/>
+            <a:ext cx="3559800" cy="2476833"/>
+          </a:xfrm>
+          <a:prstGeom prst="rect">
+            <a:avLst/>
+          </a:prstGeom>
+          <a:noFill/>
+          <a:extLst>
+            <a:ext uri="{909E8E84-426E-40DD-AFC4-6F175D3DCCD1}">
+              <a14:hiddenFill xmlns:a14="http://schemas.microsoft.com/office/drawing/2010/main">
+                <a:solidFill>
+                  <a:srgbClr val="FFFFFF"/>
+                </a:solidFill>
+              </a14:hiddenFill>
+            </a:ext>
+          </a:extLst>
+        </p:spPr>
+      </p:pic>
+      <p:grpSp>
+        <p:nvGrpSpPr>
+          <p:cNvPr id="5" name="Group 4">
+            <a:extLst>
+              <a:ext uri="{FF2B5EF4-FFF2-40B4-BE49-F238E27FC236}">
+                <a16:creationId xmlns:a16="http://schemas.microsoft.com/office/drawing/2014/main" id="{4862A68C-EBF7-19FA-F3E5-F30B7F7991A1}"/>
+              </a:ext>
+            </a:extLst>
+          </p:cNvPr>
+          <p:cNvGrpSpPr/>
+          <p:nvPr/>
+        </p:nvGrpSpPr>
+        <p:grpSpPr>
+          <a:xfrm>
+            <a:off x="6343921" y="4466887"/>
+            <a:ext cx="2685922" cy="2234506"/>
+            <a:chOff x="7462308" y="3770064"/>
+            <a:chExt cx="2892425" cy="2406303"/>
+          </a:xfrm>
+        </p:grpSpPr>
+        <p:pic>
+          <p:nvPicPr>
+            <p:cNvPr id="1030" name="Picture 6">
+              <a:extLst>
+                <a:ext uri="{FF2B5EF4-FFF2-40B4-BE49-F238E27FC236}">
+                  <a16:creationId xmlns:a16="http://schemas.microsoft.com/office/drawing/2014/main" id="{28432981-2B82-82FF-9400-F94837DEA438}"/>
+                </a:ext>
+              </a:extLst>
+            </p:cNvPr>
+            <p:cNvPicPr>
+              <a:picLocks noChangeAspect="1" noChangeArrowheads="1"/>
+            </p:cNvPicPr>
+            <p:nvPr/>
+          </p:nvPicPr>
+          <p:blipFill rotWithShape="1">
+            <a:blip r:embed="rId6">
+              <a:extLst>
+                <a:ext uri="{28A0092B-C50C-407E-A947-70E740481C1C}">
+                  <a14:useLocalDpi xmlns:a14="http://schemas.microsoft.com/office/drawing/2010/main" val="0"/>
+                </a:ext>
+              </a:extLst>
+            </a:blip>
+            <a:srcRect r="48963"/>
+            <a:stretch/>
+          </p:blipFill>
+          <p:spPr bwMode="auto">
+            <a:xfrm>
+              <a:off x="7462308" y="3770064"/>
+              <a:ext cx="2892425" cy="2406303"/>
+            </a:xfrm>
+            <a:prstGeom prst="rect">
+              <a:avLst/>
+            </a:prstGeom>
+            <a:noFill/>
+            <a:extLst>
+              <a:ext uri="{909E8E84-426E-40DD-AFC4-6F175D3DCCD1}">
+                <a14:hiddenFill xmlns:a14="http://schemas.microsoft.com/office/drawing/2010/main">
+                  <a:solidFill>
+                    <a:srgbClr val="FFFFFF"/>
+                  </a:solidFill>
+                </a14:hiddenFill>
+              </a:ext>
+            </a:extLst>
+          </p:spPr>
+        </p:pic>
+        <p:sp>
+          <p:nvSpPr>
+            <p:cNvPr id="4" name="TextBox 3">
+              <a:extLst>
+                <a:ext uri="{FF2B5EF4-FFF2-40B4-BE49-F238E27FC236}">
+                  <a16:creationId xmlns:a16="http://schemas.microsoft.com/office/drawing/2014/main" id="{4BA88D0D-5C2D-E53F-A612-FD0EE99397E0}"/>
+                </a:ext>
+              </a:extLst>
+            </p:cNvPr>
+            <p:cNvSpPr txBox="1"/>
+            <p:nvPr/>
+          </p:nvSpPr>
+          <p:spPr>
+            <a:xfrm>
+              <a:off x="9211733" y="3994738"/>
+              <a:ext cx="863600" cy="369332"/>
+            </a:xfrm>
+            <a:prstGeom prst="rect">
+              <a:avLst/>
+            </a:prstGeom>
+            <a:noFill/>
+          </p:spPr>
+          <p:txBody>
+            <a:bodyPr wrap="square" rtlCol="0">
+              <a:spAutoFit/>
+            </a:bodyPr>
+            <a:lstStyle/>
+            <a:p>
+              <a:pPr algn="ctr"/>
+              <a:r>
+                <a:rPr lang="en-US" dirty="0"/>
+                <a:t>pM2</a:t>
+              </a:r>
+            </a:p>
+          </p:txBody>
+        </p:sp>
+      </p:grpSp>
+      <p:grpSp>
+        <p:nvGrpSpPr>
+          <p:cNvPr id="9" name="Group 8">
+            <a:extLst>
+              <a:ext uri="{FF2B5EF4-FFF2-40B4-BE49-F238E27FC236}">
+                <a16:creationId xmlns:a16="http://schemas.microsoft.com/office/drawing/2014/main" id="{BDB07A7E-15D3-EC06-2BAA-7C843C77B31E}"/>
+              </a:ext>
+            </a:extLst>
+          </p:cNvPr>
+          <p:cNvGrpSpPr/>
+          <p:nvPr/>
+        </p:nvGrpSpPr>
+        <p:grpSpPr>
+          <a:xfrm>
+            <a:off x="6343921" y="2472343"/>
+            <a:ext cx="2692330" cy="2020367"/>
+            <a:chOff x="6343921" y="2472343"/>
+            <a:chExt cx="2692330" cy="2020367"/>
+          </a:xfrm>
+        </p:grpSpPr>
+        <p:pic>
+          <p:nvPicPr>
+            <p:cNvPr id="1036" name="Picture 12">
+              <a:extLst>
+                <a:ext uri="{FF2B5EF4-FFF2-40B4-BE49-F238E27FC236}">
+                  <a16:creationId xmlns:a16="http://schemas.microsoft.com/office/drawing/2014/main" id="{77F37090-643E-24A6-7534-39D8F059C6C4}"/>
+                </a:ext>
+              </a:extLst>
+            </p:cNvPr>
+            <p:cNvPicPr>
+              <a:picLocks noChangeAspect="1" noChangeArrowheads="1"/>
+            </p:cNvPicPr>
+            <p:nvPr/>
+          </p:nvPicPr>
+          <p:blipFill rotWithShape="1">
+            <a:blip r:embed="rId7">
+              <a:extLst>
+                <a:ext uri="{28A0092B-C50C-407E-A947-70E740481C1C}">
+                  <a14:useLocalDpi xmlns:a14="http://schemas.microsoft.com/office/drawing/2010/main" val="0"/>
+                </a:ext>
+              </a:extLst>
+            </a:blip>
+            <a:srcRect r="48249" b="8536"/>
+            <a:stretch/>
+          </p:blipFill>
+          <p:spPr bwMode="auto">
+            <a:xfrm>
+              <a:off x="6343921" y="2472343"/>
+              <a:ext cx="2692330" cy="2020367"/>
+            </a:xfrm>
+            <a:prstGeom prst="rect">
+              <a:avLst/>
+            </a:prstGeom>
+            <a:noFill/>
+            <a:extLst>
+              <a:ext uri="{909E8E84-426E-40DD-AFC4-6F175D3DCCD1}">
+                <a14:hiddenFill xmlns:a14="http://schemas.microsoft.com/office/drawing/2010/main">
+                  <a:solidFill>
+                    <a:srgbClr val="FFFFFF"/>
+                  </a:solidFill>
+                </a14:hiddenFill>
+              </a:ext>
+            </a:extLst>
+          </p:spPr>
+        </p:pic>
+        <p:sp>
+          <p:nvSpPr>
+            <p:cNvPr id="8" name="TextBox 7">
+              <a:extLst>
+                <a:ext uri="{FF2B5EF4-FFF2-40B4-BE49-F238E27FC236}">
+                  <a16:creationId xmlns:a16="http://schemas.microsoft.com/office/drawing/2014/main" id="{5260A9E7-C38F-CA9F-0C41-BD404A237BE1}"/>
+                </a:ext>
+              </a:extLst>
+            </p:cNvPr>
+            <p:cNvSpPr txBox="1"/>
+            <p:nvPr/>
+          </p:nvSpPr>
+          <p:spPr>
+            <a:xfrm>
+              <a:off x="8077594" y="2547254"/>
+              <a:ext cx="958657" cy="369332"/>
+            </a:xfrm>
+            <a:prstGeom prst="rect">
+              <a:avLst/>
+            </a:prstGeom>
+            <a:noFill/>
+          </p:spPr>
+          <p:txBody>
+            <a:bodyPr wrap="square" rtlCol="0">
+              <a:spAutoFit/>
+            </a:bodyPr>
+            <a:lstStyle/>
+            <a:p>
+              <a:pPr algn="ctr"/>
+              <a:r>
+                <a:rPr lang="en-US" dirty="0"/>
+                <a:t>H3</a:t>
+              </a:r>
+            </a:p>
+          </p:txBody>
+        </p:sp>
+      </p:grpSp>
+    </p:spTree>
+    <p:extLst>
+      <p:ext uri="{BB962C8B-B14F-4D97-AF65-F5344CB8AC3E}">
+        <p14:creationId xmlns:p14="http://schemas.microsoft.com/office/powerpoint/2010/main" val="3674588577"/>
+      </p:ext>
+    </p:extLst>
+  </p:cSld>
+  <p:clrMapOvr>
+    <a:masterClrMapping/>
+  </p:clrMapOvr>
+</p:sld>
+</file>
+
+<file path=ppt/slides/slide12.xml><?xml version="1.0" encoding="utf-8"?>
+<p:sld xmlns:a="http://schemas.openxmlformats.org/drawingml/2006/main" xmlns:r="http://schemas.openxmlformats.org/officeDocument/2006/relationships" xmlns:p="http://schemas.openxmlformats.org/presentationml/2006/main">
+  <p:cSld>
+    <p:spTree>
+      <p:nvGrpSpPr>
+        <p:cNvPr id="1" name=""/>
+        <p:cNvGrpSpPr/>
+        <p:nvPr/>
+      </p:nvGrpSpPr>
+      <p:grpSpPr>
+        <a:xfrm>
+          <a:off x="0" y="0"/>
+          <a:ext cx="0" cy="0"/>
+          <a:chOff x="0" y="0"/>
+          <a:chExt cx="0" cy="0"/>
+        </a:xfrm>
+      </p:grpSpPr>
+      <p:pic>
+        <p:nvPicPr>
+          <p:cNvPr id="2050" name="Picture 2">
+            <a:extLst>
+              <a:ext uri="{FF2B5EF4-FFF2-40B4-BE49-F238E27FC236}">
+                <a16:creationId xmlns:a16="http://schemas.microsoft.com/office/drawing/2014/main" id="{98BC241B-CE52-AC38-A710-06F5ED1D73C8}"/>
+              </a:ext>
+            </a:extLst>
+          </p:cNvPr>
+          <p:cNvPicPr>
+            <a:picLocks noChangeAspect="1" noChangeArrowheads="1"/>
+          </p:cNvPicPr>
+          <p:nvPr/>
+        </p:nvPicPr>
+        <p:blipFill rotWithShape="1">
+          <a:blip r:embed="rId2">
+            <a:extLst>
+              <a:ext uri="{28A0092B-C50C-407E-A947-70E740481C1C}">
+                <a14:useLocalDpi xmlns:a14="http://schemas.microsoft.com/office/drawing/2010/main" val="0"/>
+              </a:ext>
+            </a:extLst>
+          </a:blip>
+          <a:srcRect r="48723"/>
+          <a:stretch/>
+        </p:blipFill>
+        <p:spPr bwMode="auto">
+          <a:xfrm>
+            <a:off x="7089775" y="1718734"/>
+            <a:ext cx="3640682" cy="3014663"/>
+          </a:xfrm>
+          <a:prstGeom prst="rect">
+            <a:avLst/>
+          </a:prstGeom>
+          <a:noFill/>
+          <a:extLst>
+            <a:ext uri="{909E8E84-426E-40DD-AFC4-6F175D3DCCD1}">
+              <a14:hiddenFill xmlns:a14="http://schemas.microsoft.com/office/drawing/2010/main">
+                <a:solidFill>
+                  <a:srgbClr val="FFFFFF"/>
+                </a:solidFill>
+              </a14:hiddenFill>
+            </a:ext>
+          </a:extLst>
+        </p:spPr>
+      </p:pic>
+    </p:spTree>
+    <p:extLst>
+      <p:ext uri="{BB962C8B-B14F-4D97-AF65-F5344CB8AC3E}">
+        <p14:creationId xmlns:p14="http://schemas.microsoft.com/office/powerpoint/2010/main" val="689045154"/>
       </p:ext>
     </p:extLst>
   </p:cSld>
